--- a/slides/VLFFT Overview.pptx
+++ b/slides/VLFFT Overview.pptx
@@ -5,10 +5,10 @@
     <p:sldMasterId id="2147483664" r:id="rId1"/>
   </p:sldMasterIdLst>
   <p:notesMasterIdLst>
-    <p:notesMasterId r:id="rId19"/>
+    <p:notesMasterId r:id="rId18"/>
   </p:notesMasterIdLst>
   <p:handoutMasterIdLst>
-    <p:handoutMasterId r:id="rId20"/>
+    <p:handoutMasterId r:id="rId19"/>
   </p:handoutMasterIdLst>
   <p:sldIdLst>
     <p:sldId id="256" r:id="rId2"/>
@@ -17,22 +17,21 @@
     <p:sldId id="258" r:id="rId5"/>
     <p:sldId id="259" r:id="rId6"/>
     <p:sldId id="260" r:id="rId7"/>
-    <p:sldId id="261" r:id="rId8"/>
-    <p:sldId id="262" r:id="rId9"/>
-    <p:sldId id="263" r:id="rId10"/>
-    <p:sldId id="264" r:id="rId11"/>
-    <p:sldId id="267" r:id="rId12"/>
-    <p:sldId id="265" r:id="rId13"/>
-    <p:sldId id="266" r:id="rId14"/>
-    <p:sldId id="268" r:id="rId15"/>
-    <p:sldId id="269" r:id="rId16"/>
-    <p:sldId id="280" r:id="rId17"/>
-    <p:sldId id="278" r:id="rId18"/>
+    <p:sldId id="262" r:id="rId8"/>
+    <p:sldId id="263" r:id="rId9"/>
+    <p:sldId id="264" r:id="rId10"/>
+    <p:sldId id="267" r:id="rId11"/>
+    <p:sldId id="265" r:id="rId12"/>
+    <p:sldId id="266" r:id="rId13"/>
+    <p:sldId id="268" r:id="rId14"/>
+    <p:sldId id="269" r:id="rId15"/>
+    <p:sldId id="280" r:id="rId16"/>
+    <p:sldId id="278" r:id="rId17"/>
   </p:sldIdLst>
   <p:sldSz cx="9144000" cy="6858000" type="screen4x3"/>
   <p:notesSz cx="7315200" cy="9601200"/>
   <p:custDataLst>
-    <p:tags r:id="rId21"/>
+    <p:tags r:id="rId20"/>
   </p:custDataLst>
   <p:defaultTextStyle>
     <a:defPPr>
@@ -207,7 +206,7 @@
           <a:bodyPr vert="horz" lIns="96661" tIns="48331" rIns="96661" bIns="48331" rtlCol="0"/>
           <a:lstStyle>
             <a:lvl1pPr algn="l">
-              <a:defRPr sz="1300" smtClean="0"/>
+              <a:defRPr sz="1300"/>
             </a:lvl1pPr>
           </a:lstStyle>
           <a:p>
@@ -241,14 +240,14 @@
           <a:bodyPr vert="horz" lIns="96661" tIns="48331" rIns="96661" bIns="48331" rtlCol="0"/>
           <a:lstStyle>
             <a:lvl1pPr algn="r">
-              <a:defRPr sz="1300" smtClean="0"/>
+              <a:defRPr sz="1300"/>
             </a:lvl1pPr>
           </a:lstStyle>
           <a:p>
             <a:pPr>
               <a:defRPr/>
             </a:pPr>
-            <a:fld id="{A86193E8-53D3-4EE2-9C12-2AC2A6737190}" type="datetimeFigureOut">
+            <a:fld id="{939F64C7-C7F9-4FE2-86CD-5BD978EEA042}" type="datetimeFigureOut">
               <a:rPr lang="en-US"/>
               <a:pPr>
                 <a:defRPr/>
@@ -282,7 +281,7 @@
           <a:bodyPr vert="horz" lIns="96661" tIns="48331" rIns="96661" bIns="48331" rtlCol="0" anchor="b"/>
           <a:lstStyle>
             <a:lvl1pPr algn="l">
-              <a:defRPr sz="1300" smtClean="0"/>
+              <a:defRPr sz="1300"/>
             </a:lvl1pPr>
           </a:lstStyle>
           <a:p>
@@ -316,14 +315,14 @@
           <a:bodyPr vert="horz" lIns="96661" tIns="48331" rIns="96661" bIns="48331" rtlCol="0" anchor="b"/>
           <a:lstStyle>
             <a:lvl1pPr algn="r">
-              <a:defRPr sz="1300" smtClean="0"/>
+              <a:defRPr sz="1300"/>
             </a:lvl1pPr>
           </a:lstStyle>
           <a:p>
             <a:pPr>
               <a:defRPr/>
             </a:pPr>
-            <a:fld id="{7DD8CC14-C894-4AE2-9D5D-7B0844E910EE}" type="slidenum">
+            <a:fld id="{2933DDFA-9C3C-47C7-BD1E-45B995DD9665}" type="slidenum">
               <a:rPr lang="en-US"/>
               <a:pPr>
                 <a:defRPr/>
@@ -420,7 +419,7 @@
             </a:lvl1pPr>
           </a:lstStyle>
           <a:p>
-            <a:fld id="{C10F1074-A9C6-47B4-9128-569A415B9291}" type="datetimeFigureOut">
+            <a:fld id="{7A70C1D7-870E-45D1-87B9-C1147E59A25C}" type="datetimeFigureOut">
               <a:rPr lang="en-US" smtClean="0"/>
               <a:t>3/7/2012</a:t>
             </a:fld>
@@ -581,7 +580,7 @@
             </a:lvl1pPr>
           </a:lstStyle>
           <a:p>
-            <a:fld id="{10F1E530-39B5-4897-A179-499CDE7546E1}" type="slidenum">
+            <a:fld id="{4A0AD454-2AAF-4C72-9254-0D0C1695E670}" type="slidenum">
               <a:rPr lang="en-US" smtClean="0"/>
               <a:t>‹#›</a:t>
             </a:fld>
@@ -752,7 +751,7 @@
           <a:bodyPr/>
           <a:lstStyle/>
           <a:p>
-            <a:fld id="{10F1E530-39B5-4897-A179-499CDE7546E1}" type="slidenum">
+            <a:fld id="{4A0AD454-2AAF-4C72-9254-0D0C1695E670}" type="slidenum">
               <a:rPr lang="en-US" smtClean="0"/>
               <a:t>1</a:t>
             </a:fld>
@@ -833,7 +832,7 @@
           <a:bodyPr/>
           <a:lstStyle/>
           <a:p>
-            <a:fld id="{10F1E530-39B5-4897-A179-499CDE7546E1}" type="slidenum">
+            <a:fld id="{4A0AD454-2AAF-4C72-9254-0D0C1695E670}" type="slidenum">
               <a:rPr lang="en-US" smtClean="0"/>
               <a:t>10</a:t>
             </a:fld>
@@ -914,7 +913,7 @@
           <a:bodyPr/>
           <a:lstStyle/>
           <a:p>
-            <a:fld id="{10F1E530-39B5-4897-A179-499CDE7546E1}" type="slidenum">
+            <a:fld id="{4A0AD454-2AAF-4C72-9254-0D0C1695E670}" type="slidenum">
               <a:rPr lang="en-US" smtClean="0"/>
               <a:t>11</a:t>
             </a:fld>
@@ -995,7 +994,7 @@
           <a:bodyPr/>
           <a:lstStyle/>
           <a:p>
-            <a:fld id="{10F1E530-39B5-4897-A179-499CDE7546E1}" type="slidenum">
+            <a:fld id="{4A0AD454-2AAF-4C72-9254-0D0C1695E670}" type="slidenum">
               <a:rPr lang="en-US" smtClean="0"/>
               <a:t>12</a:t>
             </a:fld>
@@ -1076,7 +1075,7 @@
           <a:bodyPr/>
           <a:lstStyle/>
           <a:p>
-            <a:fld id="{10F1E530-39B5-4897-A179-499CDE7546E1}" type="slidenum">
+            <a:fld id="{4A0AD454-2AAF-4C72-9254-0D0C1695E670}" type="slidenum">
               <a:rPr lang="en-US" smtClean="0"/>
               <a:t>13</a:t>
             </a:fld>
@@ -1157,7 +1156,7 @@
           <a:bodyPr/>
           <a:lstStyle/>
           <a:p>
-            <a:fld id="{10F1E530-39B5-4897-A179-499CDE7546E1}" type="slidenum">
+            <a:fld id="{4A0AD454-2AAF-4C72-9254-0D0C1695E670}" type="slidenum">
               <a:rPr lang="en-US" smtClean="0"/>
               <a:t>14</a:t>
             </a:fld>
@@ -1238,7 +1237,7 @@
           <a:bodyPr/>
           <a:lstStyle/>
           <a:p>
-            <a:fld id="{10F1E530-39B5-4897-A179-499CDE7546E1}" type="slidenum">
+            <a:fld id="{4A0AD454-2AAF-4C72-9254-0D0C1695E670}" type="slidenum">
               <a:rPr lang="en-US" smtClean="0"/>
               <a:t>15</a:t>
             </a:fld>
@@ -1319,90 +1318,9 @@
           <a:bodyPr/>
           <a:lstStyle/>
           <a:p>
-            <a:fld id="{10F1E530-39B5-4897-A179-499CDE7546E1}" type="slidenum">
+            <a:fld id="{4A0AD454-2AAF-4C72-9254-0D0C1695E670}" type="slidenum">
               <a:rPr lang="en-US" smtClean="0"/>
               <a:t>16</a:t>
-            </a:fld>
-            <a:endParaRPr lang="en-US"/>
-          </a:p>
-        </p:txBody>
-      </p:sp>
-    </p:spTree>
-  </p:cSld>
-  <p:clrMapOvr>
-    <a:masterClrMapping/>
-  </p:clrMapOvr>
-</p:notes>
-</file>
-
-<file path=ppt/notesSlides/notesSlide17.xml><?xml version="1.0" encoding="utf-8"?>
-<p:notes xmlns:a="http://schemas.openxmlformats.org/drawingml/2006/main" xmlns:r="http://schemas.openxmlformats.org/officeDocument/2006/relationships" xmlns:p="http://schemas.openxmlformats.org/presentationml/2006/main">
-  <p:cSld>
-    <p:spTree>
-      <p:nvGrpSpPr>
-        <p:cNvPr id="1" name=""/>
-        <p:cNvGrpSpPr/>
-        <p:nvPr/>
-      </p:nvGrpSpPr>
-      <p:grpSpPr>
-        <a:xfrm>
-          <a:off x="0" y="0"/>
-          <a:ext cx="0" cy="0"/>
-          <a:chOff x="0" y="0"/>
-          <a:chExt cx="0" cy="0"/>
-        </a:xfrm>
-      </p:grpSpPr>
-      <p:sp>
-        <p:nvSpPr>
-          <p:cNvPr id="2" name="Slide Image Placeholder 1"/>
-          <p:cNvSpPr>
-            <a:spLocks noGrp="1" noRot="1" noChangeAspect="1"/>
-          </p:cNvSpPr>
-          <p:nvPr>
-            <p:ph type="sldImg"/>
-          </p:nvPr>
-        </p:nvSpPr>
-        <p:spPr/>
-      </p:sp>
-      <p:sp>
-        <p:nvSpPr>
-          <p:cNvPr id="3" name="Notes Placeholder 2"/>
-          <p:cNvSpPr>
-            <a:spLocks noGrp="1"/>
-          </p:cNvSpPr>
-          <p:nvPr>
-            <p:ph type="body" idx="1"/>
-          </p:nvPr>
-        </p:nvSpPr>
-        <p:spPr/>
-        <p:txBody>
-          <a:bodyPr>
-            <a:normAutofit/>
-          </a:bodyPr>
-          <a:lstStyle/>
-          <a:p>
-            <a:endParaRPr lang="en-US"/>
-          </a:p>
-        </p:txBody>
-      </p:sp>
-      <p:sp>
-        <p:nvSpPr>
-          <p:cNvPr id="4" name="Slide Number Placeholder 3"/>
-          <p:cNvSpPr>
-            <a:spLocks noGrp="1"/>
-          </p:cNvSpPr>
-          <p:nvPr>
-            <p:ph type="sldNum" sz="quarter" idx="10"/>
-          </p:nvPr>
-        </p:nvSpPr>
-        <p:spPr/>
-        <p:txBody>
-          <a:bodyPr/>
-          <a:lstStyle/>
-          <a:p>
-            <a:fld id="{10F1E530-39B5-4897-A179-499CDE7546E1}" type="slidenum">
-              <a:rPr lang="en-US" smtClean="0"/>
-              <a:t>17</a:t>
             </a:fld>
             <a:endParaRPr lang="en-US"/>
           </a:p>
@@ -1481,7 +1399,7 @@
           <a:bodyPr/>
           <a:lstStyle/>
           <a:p>
-            <a:fld id="{10F1E530-39B5-4897-A179-499CDE7546E1}" type="slidenum">
+            <a:fld id="{4A0AD454-2AAF-4C72-9254-0D0C1695E670}" type="slidenum">
               <a:rPr lang="en-US" smtClean="0"/>
               <a:t>2</a:t>
             </a:fld>
@@ -1562,7 +1480,7 @@
           <a:bodyPr/>
           <a:lstStyle/>
           <a:p>
-            <a:fld id="{10F1E530-39B5-4897-A179-499CDE7546E1}" type="slidenum">
+            <a:fld id="{4A0AD454-2AAF-4C72-9254-0D0C1695E670}" type="slidenum">
               <a:rPr lang="en-US" smtClean="0"/>
               <a:t>3</a:t>
             </a:fld>
@@ -1643,7 +1561,7 @@
           <a:bodyPr/>
           <a:lstStyle/>
           <a:p>
-            <a:fld id="{10F1E530-39B5-4897-A179-499CDE7546E1}" type="slidenum">
+            <a:fld id="{4A0AD454-2AAF-4C72-9254-0D0C1695E670}" type="slidenum">
               <a:rPr lang="en-US" smtClean="0"/>
               <a:t>4</a:t>
             </a:fld>
@@ -1724,7 +1642,7 @@
           <a:bodyPr/>
           <a:lstStyle/>
           <a:p>
-            <a:fld id="{10F1E530-39B5-4897-A179-499CDE7546E1}" type="slidenum">
+            <a:fld id="{4A0AD454-2AAF-4C72-9254-0D0C1695E670}" type="slidenum">
               <a:rPr lang="en-US" smtClean="0"/>
               <a:t>5</a:t>
             </a:fld>
@@ -1805,7 +1723,7 @@
           <a:bodyPr/>
           <a:lstStyle/>
           <a:p>
-            <a:fld id="{10F1E530-39B5-4897-A179-499CDE7546E1}" type="slidenum">
+            <a:fld id="{4A0AD454-2AAF-4C72-9254-0D0C1695E670}" type="slidenum">
               <a:rPr lang="en-US" smtClean="0"/>
               <a:t>6</a:t>
             </a:fld>
@@ -1886,7 +1804,7 @@
           <a:bodyPr/>
           <a:lstStyle/>
           <a:p>
-            <a:fld id="{10F1E530-39B5-4897-A179-499CDE7546E1}" type="slidenum">
+            <a:fld id="{4A0AD454-2AAF-4C72-9254-0D0C1695E670}" type="slidenum">
               <a:rPr lang="en-US" smtClean="0"/>
               <a:t>7</a:t>
             </a:fld>
@@ -1967,7 +1885,7 @@
           <a:bodyPr/>
           <a:lstStyle/>
           <a:p>
-            <a:fld id="{10F1E530-39B5-4897-A179-499CDE7546E1}" type="slidenum">
+            <a:fld id="{4A0AD454-2AAF-4C72-9254-0D0C1695E670}" type="slidenum">
               <a:rPr lang="en-US" smtClean="0"/>
               <a:t>8</a:t>
             </a:fld>
@@ -2048,7 +1966,7 @@
           <a:bodyPr/>
           <a:lstStyle/>
           <a:p>
-            <a:fld id="{10F1E530-39B5-4897-A179-499CDE7546E1}" type="slidenum">
+            <a:fld id="{4A0AD454-2AAF-4C72-9254-0D0C1695E670}" type="slidenum">
               <a:rPr lang="en-US" smtClean="0"/>
               <a:t>9</a:t>
             </a:fld>
@@ -2426,7 +2344,7 @@
             <a:pPr>
               <a:defRPr/>
             </a:pPr>
-            <a:fld id="{D6053B7E-2D77-4BF1-826A-866F6902B65A}" type="slidenum">
+            <a:fld id="{34D8BC47-1AB1-485A-97B3-563A6CA52485}" type="slidenum">
               <a:rPr lang="en-US"/>
               <a:pPr>
                 <a:defRPr/>
@@ -2759,7 +2677,7 @@
             <a:pPr>
               <a:defRPr/>
             </a:pPr>
-            <a:fld id="{7BD4402E-5D4B-4F35-A673-B541279491C6}" type="slidenum">
+            <a:fld id="{58999118-2C91-4944-A65D-E519377CA0BB}" type="slidenum">
               <a:rPr lang="en-US"/>
               <a:pPr>
                 <a:defRPr/>
@@ -2779,282 +2697,6 @@
 </file>
 
 <file path=ppt/slideLayouts/slideLayout4.xml><?xml version="1.0" encoding="utf-8"?>
-<p:sldLayout xmlns:a="http://schemas.openxmlformats.org/drawingml/2006/main" xmlns:r="http://schemas.openxmlformats.org/officeDocument/2006/relationships" xmlns:p="http://schemas.openxmlformats.org/presentationml/2006/main" type="txAndObj">
-  <p:cSld name="Title, Text, and Content">
-    <p:spTree>
-      <p:nvGrpSpPr>
-        <p:cNvPr id="1" name=""/>
-        <p:cNvGrpSpPr/>
-        <p:nvPr/>
-      </p:nvGrpSpPr>
-      <p:grpSpPr>
-        <a:xfrm>
-          <a:off x="0" y="0"/>
-          <a:ext cx="0" cy="0"/>
-          <a:chOff x="0" y="0"/>
-          <a:chExt cx="0" cy="0"/>
-        </a:xfrm>
-      </p:grpSpPr>
-      <p:sp>
-        <p:nvSpPr>
-          <p:cNvPr id="2" name="Title 1"/>
-          <p:cNvSpPr>
-            <a:spLocks noGrp="1"/>
-          </p:cNvSpPr>
-          <p:nvPr>
-            <p:ph type="title"/>
-          </p:nvPr>
-        </p:nvSpPr>
-        <p:spPr>
-          <a:xfrm>
-            <a:off x="457200" y="274638"/>
-            <a:ext cx="8229600" cy="1143000"/>
-          </a:xfrm>
-        </p:spPr>
-        <p:txBody>
-          <a:bodyPr/>
-          <a:lstStyle/>
-          <a:p>
-            <a:r>
-              <a:rPr lang="en-US" smtClean="0"/>
-              <a:t>Click to edit Master title style</a:t>
-            </a:r>
-            <a:endParaRPr lang="en-US"/>
-          </a:p>
-        </p:txBody>
-      </p:sp>
-      <p:sp>
-        <p:nvSpPr>
-          <p:cNvPr id="3" name="Text Placeholder 2"/>
-          <p:cNvSpPr>
-            <a:spLocks noGrp="1"/>
-          </p:cNvSpPr>
-          <p:nvPr>
-            <p:ph type="body" sz="half" idx="1"/>
-          </p:nvPr>
-        </p:nvSpPr>
-        <p:spPr>
-          <a:xfrm>
-            <a:off x="457200" y="1600200"/>
-            <a:ext cx="4038600" cy="4525963"/>
-          </a:xfrm>
-        </p:spPr>
-        <p:txBody>
-          <a:bodyPr/>
-          <a:lstStyle/>
-          <a:p>
-            <a:pPr lvl="0"/>
-            <a:r>
-              <a:rPr lang="en-US" smtClean="0"/>
-              <a:t>Click to edit Master text styles</a:t>
-            </a:r>
-          </a:p>
-          <a:p>
-            <a:pPr lvl="1"/>
-            <a:r>
-              <a:rPr lang="en-US" smtClean="0"/>
-              <a:t>Second level</a:t>
-            </a:r>
-          </a:p>
-          <a:p>
-            <a:pPr lvl="2"/>
-            <a:r>
-              <a:rPr lang="en-US" smtClean="0"/>
-              <a:t>Third level</a:t>
-            </a:r>
-          </a:p>
-          <a:p>
-            <a:pPr lvl="3"/>
-            <a:r>
-              <a:rPr lang="en-US" smtClean="0"/>
-              <a:t>Fourth level</a:t>
-            </a:r>
-          </a:p>
-          <a:p>
-            <a:pPr lvl="4"/>
-            <a:r>
-              <a:rPr lang="en-US" smtClean="0"/>
-              <a:t>Fifth level</a:t>
-            </a:r>
-            <a:endParaRPr lang="en-US"/>
-          </a:p>
-        </p:txBody>
-      </p:sp>
-      <p:sp>
-        <p:nvSpPr>
-          <p:cNvPr id="4" name="Content Placeholder 3"/>
-          <p:cNvSpPr>
-            <a:spLocks noGrp="1"/>
-          </p:cNvSpPr>
-          <p:nvPr>
-            <p:ph sz="half" idx="2"/>
-          </p:nvPr>
-        </p:nvSpPr>
-        <p:spPr>
-          <a:xfrm>
-            <a:off x="4648200" y="1600200"/>
-            <a:ext cx="4038600" cy="4525963"/>
-          </a:xfrm>
-        </p:spPr>
-        <p:txBody>
-          <a:bodyPr/>
-          <a:lstStyle/>
-          <a:p>
-            <a:pPr lvl="0"/>
-            <a:r>
-              <a:rPr lang="en-US" smtClean="0"/>
-              <a:t>Click to edit Master text styles</a:t>
-            </a:r>
-          </a:p>
-          <a:p>
-            <a:pPr lvl="1"/>
-            <a:r>
-              <a:rPr lang="en-US" smtClean="0"/>
-              <a:t>Second level</a:t>
-            </a:r>
-          </a:p>
-          <a:p>
-            <a:pPr lvl="2"/>
-            <a:r>
-              <a:rPr lang="en-US" smtClean="0"/>
-              <a:t>Third level</a:t>
-            </a:r>
-          </a:p>
-          <a:p>
-            <a:pPr lvl="3"/>
-            <a:r>
-              <a:rPr lang="en-US" smtClean="0"/>
-              <a:t>Fourth level</a:t>
-            </a:r>
-          </a:p>
-          <a:p>
-            <a:pPr lvl="4"/>
-            <a:r>
-              <a:rPr lang="en-US" smtClean="0"/>
-              <a:t>Fifth level</a:t>
-            </a:r>
-            <a:endParaRPr lang="en-US"/>
-          </a:p>
-        </p:txBody>
-      </p:sp>
-      <p:sp>
-        <p:nvSpPr>
-          <p:cNvPr id="5" name="Rectangle 4"/>
-          <p:cNvSpPr>
-            <a:spLocks noGrp="1" noChangeArrowheads="1"/>
-          </p:cNvSpPr>
-          <p:nvPr>
-            <p:ph type="dt" sz="half" idx="10"/>
-          </p:nvPr>
-        </p:nvSpPr>
-        <p:spPr>
-          <a:xfrm>
-            <a:off x="457200" y="6245225"/>
-            <a:ext cx="2133600" cy="476250"/>
-          </a:xfrm>
-          <a:prstGeom prst="rect">
-            <a:avLst/>
-          </a:prstGeom>
-        </p:spPr>
-        <p:txBody>
-          <a:bodyPr/>
-          <a:lstStyle>
-            <a:lvl1pPr>
-              <a:defRPr/>
-            </a:lvl1pPr>
-          </a:lstStyle>
-          <a:p>
-            <a:pPr>
-              <a:defRPr/>
-            </a:pPr>
-            <a:endParaRPr lang="en-US"/>
-          </a:p>
-        </p:txBody>
-      </p:sp>
-      <p:sp>
-        <p:nvSpPr>
-          <p:cNvPr id="6" name="Rectangle 5"/>
-          <p:cNvSpPr>
-            <a:spLocks noGrp="1" noChangeArrowheads="1"/>
-          </p:cNvSpPr>
-          <p:nvPr>
-            <p:ph type="ftr" sz="quarter" idx="11"/>
-          </p:nvPr>
-        </p:nvSpPr>
-        <p:spPr>
-          <a:xfrm>
-            <a:off x="3124200" y="6245225"/>
-            <a:ext cx="2895600" cy="476250"/>
-          </a:xfrm>
-          <a:prstGeom prst="rect">
-            <a:avLst/>
-          </a:prstGeom>
-        </p:spPr>
-        <p:txBody>
-          <a:bodyPr/>
-          <a:lstStyle>
-            <a:lvl1pPr>
-              <a:defRPr/>
-            </a:lvl1pPr>
-          </a:lstStyle>
-          <a:p>
-            <a:pPr>
-              <a:defRPr/>
-            </a:pPr>
-            <a:endParaRPr lang="en-US"/>
-          </a:p>
-        </p:txBody>
-      </p:sp>
-      <p:sp>
-        <p:nvSpPr>
-          <p:cNvPr id="7" name="Rectangle 6"/>
-          <p:cNvSpPr>
-            <a:spLocks noGrp="1" noChangeArrowheads="1"/>
-          </p:cNvSpPr>
-          <p:nvPr>
-            <p:ph type="sldNum" sz="quarter" idx="12"/>
-          </p:nvPr>
-        </p:nvSpPr>
-        <p:spPr>
-          <a:xfrm>
-            <a:off x="6553200" y="6245225"/>
-            <a:ext cx="2133600" cy="476250"/>
-          </a:xfrm>
-          <a:prstGeom prst="rect">
-            <a:avLst/>
-          </a:prstGeom>
-        </p:spPr>
-        <p:txBody>
-          <a:bodyPr/>
-          <a:lstStyle>
-            <a:lvl1pPr>
-              <a:defRPr/>
-            </a:lvl1pPr>
-          </a:lstStyle>
-          <a:p>
-            <a:pPr>
-              <a:defRPr/>
-            </a:pPr>
-            <a:fld id="{A57E10F9-35FF-46E8-948B-70533AC66E07}" type="slidenum">
-              <a:rPr lang="en-US"/>
-              <a:pPr>
-                <a:defRPr/>
-              </a:pPr>
-              <a:t>‹#›</a:t>
-            </a:fld>
-            <a:endParaRPr lang="en-US"/>
-          </a:p>
-        </p:txBody>
-      </p:sp>
-    </p:spTree>
-  </p:cSld>
-  <p:clrMapOvr>
-    <a:masterClrMapping/>
-  </p:clrMapOvr>
-</p:sldLayout>
-</file>
-
-<file path=ppt/slideLayouts/slideLayout5.xml><?xml version="1.0" encoding="utf-8"?>
 <p:sldLayout xmlns:a="http://schemas.openxmlformats.org/drawingml/2006/main" xmlns:r="http://schemas.openxmlformats.org/officeDocument/2006/relationships" xmlns:p="http://schemas.openxmlformats.org/presentationml/2006/main" type="objAndTwoObj">
   <p:cSld name="Title, Content, and 2 Content">
     <p:spTree>
@@ -3368,7 +3010,7 @@
             <a:pPr>
               <a:defRPr/>
             </a:pPr>
-            <a:fld id="{3EC1E339-FEA7-43D0-9844-AEB7BB23EA9A}" type="slidenum">
+            <a:fld id="{F4E755EB-2038-4C66-B481-8931FC5E7FA2}" type="slidenum">
               <a:rPr lang="en-US"/>
               <a:pPr>
                 <a:defRPr/>
@@ -3411,7 +3053,7 @@
       </p:grpSpPr>
       <p:sp>
         <p:nvSpPr>
-          <p:cNvPr id="6146" name="Title Placeholder 1"/>
+          <p:cNvPr id="5122" name="Title Placeholder 1"/>
           <p:cNvSpPr>
             <a:spLocks noGrp="1"/>
           </p:cNvSpPr>
@@ -3453,7 +3095,7 @@
       </p:sp>
       <p:sp>
         <p:nvSpPr>
-          <p:cNvPr id="6147" name="Text Placeholder 2"/>
+          <p:cNvPr id="5123" name="Text Placeholder 2"/>
           <p:cNvSpPr>
             <a:spLocks noGrp="1"/>
           </p:cNvSpPr>
@@ -3573,18 +3215,18 @@
       </p:sp>
       <p:pic>
         <p:nvPicPr>
-          <p:cNvPr id="6149" name="Picture 8" descr="ti_hz_1c_pos_rgb_jpg.jpg"/>
+          <p:cNvPr id="5125" name="Picture 8" descr="ti_hz_1c_pos_rgb_jpg.jpg"/>
           <p:cNvPicPr>
             <a:picLocks noChangeAspect="1"/>
           </p:cNvPicPr>
           <p:nvPr userDrawn="1">
             <p:custDataLst>
-              <p:tags r:id="rId7"/>
+              <p:tags r:id="rId6"/>
             </p:custDataLst>
           </p:nvPr>
         </p:nvPicPr>
         <p:blipFill>
-          <a:blip r:embed="rId9" cstate="print"/>
+          <a:blip r:embed="rId8" cstate="print"/>
           <a:srcRect/>
           <a:stretch>
             <a:fillRect/>
@@ -3613,7 +3255,7 @@
           <p:cNvSpPr/>
           <p:nvPr userDrawn="1">
             <p:custDataLst>
-              <p:tags r:id="rId8"/>
+              <p:tags r:id="rId7"/>
             </p:custDataLst>
           </p:nvPr>
         </p:nvSpPr>
@@ -3671,11 +3313,10 @@
   </p:cSld>
   <p:clrMap bg1="lt1" tx1="dk1" bg2="lt2" tx2="dk2" accent1="accent1" accent2="accent2" accent3="accent3" accent4="accent4" accent5="accent5" accent6="accent6" hlink="hlink" folHlink="folHlink"/>
   <p:sldLayoutIdLst>
-    <p:sldLayoutId id="2147483687" r:id="rId1"/>
-    <p:sldLayoutId id="2147483688" r:id="rId2"/>
-    <p:sldLayoutId id="2147483689" r:id="rId3"/>
-    <p:sldLayoutId id="2147483690" r:id="rId4"/>
-    <p:sldLayoutId id="2147483691" r:id="rId5"/>
+    <p:sldLayoutId id="2147483695" r:id="rId1"/>
+    <p:sldLayoutId id="2147483696" r:id="rId2"/>
+    <p:sldLayoutId id="2147483697" r:id="rId3"/>
+    <p:sldLayoutId id="2147483698" r:id="rId4"/>
   </p:sldLayoutIdLst>
   <p:txStyles>
     <p:titleStyle>
@@ -4078,7 +3719,7 @@
       </p:grpSpPr>
       <p:sp>
         <p:nvSpPr>
-          <p:cNvPr id="11266" name="Rectangle 2"/>
+          <p:cNvPr id="9218" name="Rectangle 2"/>
           <p:cNvSpPr>
             <a:spLocks noGrp="1" noChangeArrowheads="1"/>
           </p:cNvSpPr>
@@ -4169,7 +3810,7 @@
       </p:grpSpPr>
       <p:sp>
         <p:nvSpPr>
-          <p:cNvPr id="16386" name="Rectangle 2"/>
+          <p:cNvPr id="4103" name="Rectangle 2"/>
           <p:cNvSpPr>
             <a:spLocks noGrp="1" noChangeArrowheads="1"/>
           </p:cNvSpPr>
@@ -4177,101 +3818,276 @@
             <p:ph type="title"/>
           </p:nvPr>
         </p:nvSpPr>
-        <p:spPr>
-          <a:xfrm>
-            <a:off x="457200" y="274638"/>
-            <a:ext cx="8229600" cy="715962"/>
-          </a:xfrm>
-        </p:spPr>
+        <p:spPr/>
         <p:txBody>
           <a:bodyPr/>
           <a:lstStyle/>
           <a:p>
             <a:pPr eaLnBrk="1" hangingPunct="1"/>
             <a:r>
-              <a:rPr lang="en-US" sz="4000" b="1" smtClean="0"/>
-              <a:t>Data Buffers</a:t>
-            </a:r>
-          </a:p>
-        </p:txBody>
-      </p:sp>
-      <p:sp>
-        <p:nvSpPr>
-          <p:cNvPr id="16387" name="Rectangle 3"/>
-          <p:cNvSpPr>
-            <a:spLocks noGrp="1" noChangeArrowheads="1"/>
-          </p:cNvSpPr>
-          <p:nvPr>
-            <p:ph idx="1"/>
-          </p:nvPr>
-        </p:nvSpPr>
-        <p:spPr>
+              <a:rPr lang="en-US" smtClean="0"/>
+              <a:t>Global Twiddle Factors</a:t>
+            </a:r>
+          </a:p>
+        </p:txBody>
+      </p:sp>
+      <p:graphicFrame>
+        <p:nvGraphicFramePr>
+          <p:cNvPr id="4098" name="Object 4"/>
+          <p:cNvGraphicFramePr>
+            <a:graphicFrameLocks noChangeAspect="1"/>
+          </p:cNvGraphicFramePr>
+          <p:nvPr>
+            <p:ph sz="half" idx="1"/>
+          </p:nvPr>
+        </p:nvGraphicFramePr>
+        <p:xfrm>
+          <a:off x="782638" y="1828800"/>
+          <a:ext cx="1481137" cy="685800"/>
+        </p:xfrm>
+        <a:graphic>
+          <a:graphicData uri="http://schemas.openxmlformats.org/presentationml/2006/ole">
+            <p:oleObj spid="_x0000_s4098" name="Equation" r:id="rId4" imgW="685800" imgH="317160" progId="Equation.3">
+              <p:embed/>
+            </p:oleObj>
+          </a:graphicData>
+        </a:graphic>
+      </p:graphicFrame>
+      <p:graphicFrame>
+        <p:nvGraphicFramePr>
+          <p:cNvPr id="4099" name="Object 13"/>
+          <p:cNvGraphicFramePr>
+            <a:graphicFrameLocks noChangeAspect="1"/>
+          </p:cNvGraphicFramePr>
+          <p:nvPr>
+            <p:ph sz="quarter" idx="2"/>
+          </p:nvPr>
+        </p:nvGraphicFramePr>
+        <p:xfrm>
+          <a:off x="2895600" y="2003425"/>
+          <a:ext cx="2362200" cy="411163"/>
+        </p:xfrm>
+        <a:graphic>
+          <a:graphicData uri="http://schemas.openxmlformats.org/presentationml/2006/ole">
+            <p:oleObj spid="_x0000_s4099" name="Equation" r:id="rId5" imgW="1168200" imgH="203040" progId="Equation.3">
+              <p:embed/>
+            </p:oleObj>
+          </a:graphicData>
+        </a:graphic>
+      </p:graphicFrame>
+      <p:graphicFrame>
+        <p:nvGraphicFramePr>
+          <p:cNvPr id="4100" name="Object 15"/>
+          <p:cNvGraphicFramePr>
+            <a:graphicFrameLocks noChangeAspect="1"/>
+          </p:cNvGraphicFramePr>
+          <p:nvPr>
+            <p:ph sz="quarter" idx="3"/>
+          </p:nvPr>
+        </p:nvGraphicFramePr>
+        <p:xfrm>
+          <a:off x="5791200" y="2001838"/>
+          <a:ext cx="2286000" cy="415925"/>
+        </p:xfrm>
+        <a:graphic>
+          <a:graphicData uri="http://schemas.openxmlformats.org/presentationml/2006/ole">
+            <p:oleObj spid="_x0000_s4100" name="Equation" r:id="rId6" imgW="1117440" imgH="203040" progId="Equation.3">
+              <p:embed/>
+            </p:oleObj>
+          </a:graphicData>
+        </a:graphic>
+      </p:graphicFrame>
+      <p:sp>
+        <p:nvSpPr>
+          <p:cNvPr id="5128" name="Rectangle 8"/>
+          <p:cNvSpPr>
+            <a:spLocks noChangeArrowheads="1"/>
+          </p:cNvSpPr>
+          <p:nvPr/>
+        </p:nvSpPr>
+        <p:spPr bwMode="auto">
           <a:xfrm>
             <a:off x="152400" y="1219200"/>
-            <a:ext cx="8915400" cy="4906963"/>
+            <a:ext cx="8915400" cy="533400"/>
           </a:xfrm>
+          <a:prstGeom prst="rect">
+            <a:avLst/>
+          </a:prstGeom>
+          <a:noFill/>
+          <a:ln w="9525">
+            <a:noFill/>
+            <a:miter lim="800000"/>
+            <a:headEnd/>
+            <a:tailEnd/>
+          </a:ln>
         </p:spPr>
         <p:txBody>
           <a:bodyPr/>
           <a:lstStyle/>
           <a:p>
-            <a:pPr eaLnBrk="1" hangingPunct="1"/>
-            <a:r>
-              <a:rPr lang="en-US" b="1" smtClean="0"/>
-              <a:t>DDR3: Three float complex arrays of size N</a:t>
-            </a:r>
-          </a:p>
-          <a:p>
-            <a:pPr lvl="1" eaLnBrk="1" hangingPunct="1"/>
-            <a:r>
-              <a:rPr lang="en-US" smtClean="0"/>
-              <a:t> Input buffer, output buffer, working buffer</a:t>
-            </a:r>
-          </a:p>
-          <a:p>
-            <a:pPr eaLnBrk="1" hangingPunct="1"/>
-            <a:r>
-              <a:rPr lang="en-US" b="1" smtClean="0"/>
-              <a:t>L2 SRAM: </a:t>
-            </a:r>
-          </a:p>
-          <a:p>
-            <a:pPr lvl="1" eaLnBrk="1" hangingPunct="1"/>
-            <a:r>
-              <a:rPr lang="en-US" smtClean="0"/>
-              <a:t>Two ping-pong buffers, each buffer is the size of 16 FFT input/output</a:t>
-            </a:r>
-          </a:p>
-          <a:p>
-            <a:pPr lvl="1" eaLnBrk="1" hangingPunct="1"/>
-            <a:r>
-              <a:rPr lang="en-US" smtClean="0"/>
-              <a:t>Some working buffer</a:t>
-            </a:r>
-          </a:p>
-          <a:p>
-            <a:pPr lvl="1" eaLnBrk="1" hangingPunct="1"/>
-            <a:r>
-              <a:rPr lang="en-US" smtClean="0"/>
-              <a:t>Buffers for twiddle factors</a:t>
-            </a:r>
-          </a:p>
-          <a:p>
-            <a:pPr lvl="2" eaLnBrk="1" hangingPunct="1"/>
-            <a:r>
-              <a:rPr lang="en-US" smtClean="0"/>
-              <a:t>Twiddle factors for N1 and N2 FFT</a:t>
-            </a:r>
-          </a:p>
-          <a:p>
-            <a:pPr lvl="2" eaLnBrk="1" hangingPunct="1"/>
-            <a:r>
-              <a:rPr lang="en-US" smtClean="0"/>
-              <a:t>N2 global twiddle factors</a:t>
-            </a:r>
-          </a:p>
-        </p:txBody>
-      </p:sp>
+            <a:pPr marL="342900" indent="-342900" eaLnBrk="1" hangingPunct="1">
+              <a:spcBef>
+                <a:spcPct val="20000"/>
+              </a:spcBef>
+              <a:buFontTx/>
+              <a:buChar char="•"/>
+              <a:defRPr/>
+            </a:pPr>
+            <a:r>
+              <a:rPr lang="en-US" sz="3200" dirty="0">
+                <a:latin typeface="+mn-lt"/>
+              </a:rPr>
+              <a:t>Global Twiddle Factors:</a:t>
+            </a:r>
+          </a:p>
+        </p:txBody>
+      </p:sp>
+      <p:sp>
+        <p:nvSpPr>
+          <p:cNvPr id="5129" name="Rectangle 11"/>
+          <p:cNvSpPr>
+            <a:spLocks noChangeArrowheads="1"/>
+          </p:cNvSpPr>
+          <p:nvPr/>
+        </p:nvSpPr>
+        <p:spPr bwMode="auto">
+          <a:xfrm>
+            <a:off x="228600" y="2667000"/>
+            <a:ext cx="8686800" cy="1676400"/>
+          </a:xfrm>
+          <a:prstGeom prst="rect">
+            <a:avLst/>
+          </a:prstGeom>
+          <a:noFill/>
+          <a:ln w="9525">
+            <a:noFill/>
+            <a:miter lim="800000"/>
+            <a:headEnd/>
+            <a:tailEnd/>
+          </a:ln>
+        </p:spPr>
+        <p:txBody>
+          <a:bodyPr/>
+          <a:lstStyle/>
+          <a:p>
+            <a:pPr marL="342900" indent="-342900" eaLnBrk="1" hangingPunct="1">
+              <a:spcBef>
+                <a:spcPct val="20000"/>
+              </a:spcBef>
+              <a:buFontTx/>
+              <a:buChar char="•"/>
+              <a:defRPr/>
+            </a:pPr>
+            <a:r>
+              <a:rPr lang="en-US" sz="3200" dirty="0">
+                <a:latin typeface="+mn-lt"/>
+              </a:rPr>
+              <a:t>Total of N1*N2 global twiddle factors are required.</a:t>
+            </a:r>
+          </a:p>
+          <a:p>
+            <a:pPr marL="342900" indent="-342900" eaLnBrk="1" hangingPunct="1">
+              <a:spcBef>
+                <a:spcPct val="20000"/>
+              </a:spcBef>
+              <a:buFontTx/>
+              <a:buChar char="•"/>
+              <a:defRPr/>
+            </a:pPr>
+            <a:r>
+              <a:rPr lang="en-US" sz="3200" dirty="0">
+                <a:latin typeface="+mn-lt"/>
+              </a:rPr>
+              <a:t>N1 are actually pre-computed and saved.</a:t>
+            </a:r>
+          </a:p>
+        </p:txBody>
+      </p:sp>
+      <p:sp>
+        <p:nvSpPr>
+          <p:cNvPr id="5130" name="Rectangle 17"/>
+          <p:cNvSpPr>
+            <a:spLocks noChangeArrowheads="1"/>
+          </p:cNvSpPr>
+          <p:nvPr/>
+        </p:nvSpPr>
+        <p:spPr bwMode="auto">
+          <a:xfrm>
+            <a:off x="304800" y="5562600"/>
+            <a:ext cx="8686800" cy="685800"/>
+          </a:xfrm>
+          <a:prstGeom prst="rect">
+            <a:avLst/>
+          </a:prstGeom>
+          <a:noFill/>
+          <a:ln w="9525">
+            <a:noFill/>
+            <a:miter lim="800000"/>
+            <a:headEnd/>
+            <a:tailEnd/>
+          </a:ln>
+        </p:spPr>
+        <p:txBody>
+          <a:bodyPr/>
+          <a:lstStyle/>
+          <a:p>
+            <a:pPr marL="342900" indent="-342900" eaLnBrk="1" hangingPunct="1">
+              <a:spcBef>
+                <a:spcPct val="20000"/>
+              </a:spcBef>
+              <a:buFontTx/>
+              <a:buChar char="•"/>
+              <a:defRPr/>
+            </a:pPr>
+            <a:r>
+              <a:rPr lang="en-US" sz="3200" dirty="0">
+                <a:latin typeface="+mn-lt"/>
+              </a:rPr>
+              <a:t>The rest are computed during run time.</a:t>
+            </a:r>
+          </a:p>
+        </p:txBody>
+      </p:sp>
+      <p:graphicFrame>
+        <p:nvGraphicFramePr>
+          <p:cNvPr id="4101" name="Object 18"/>
+          <p:cNvGraphicFramePr>
+            <a:graphicFrameLocks noChangeAspect="1"/>
+          </p:cNvGraphicFramePr>
+          <p:nvPr/>
+        </p:nvGraphicFramePr>
+        <p:xfrm>
+          <a:off x="1873250" y="4495800"/>
+          <a:ext cx="1968500" cy="1066800"/>
+        </p:xfrm>
+        <a:graphic>
+          <a:graphicData uri="http://schemas.openxmlformats.org/presentationml/2006/ole">
+            <p:oleObj spid="_x0000_s4101" name="Equation" r:id="rId7" imgW="571320" imgH="317160" progId="Equation.3">
+              <p:embed/>
+            </p:oleObj>
+          </a:graphicData>
+        </a:graphic>
+      </p:graphicFrame>
+      <p:graphicFrame>
+        <p:nvGraphicFramePr>
+          <p:cNvPr id="4102" name="Object 19"/>
+          <p:cNvGraphicFramePr>
+            <a:graphicFrameLocks noChangeAspect="1"/>
+          </p:cNvGraphicFramePr>
+          <p:nvPr/>
+        </p:nvGraphicFramePr>
+        <p:xfrm>
+          <a:off x="4572000" y="4800600"/>
+          <a:ext cx="2362200" cy="457200"/>
+        </p:xfrm>
+        <a:graphic>
+          <a:graphicData uri="http://schemas.openxmlformats.org/presentationml/2006/ole">
+            <p:oleObj spid="_x0000_s4102" name="Equation" r:id="rId8" imgW="1168200" imgH="203040" progId="Equation.3">
+              <p:embed/>
+            </p:oleObj>
+          </a:graphicData>
+        </a:graphic>
+      </p:graphicFrame>
     </p:spTree>
   </p:cSld>
   <p:clrMapOvr>
@@ -4306,7 +4122,7 @@
       </p:grpSpPr>
       <p:sp>
         <p:nvSpPr>
-          <p:cNvPr id="5127" name="Rectangle 2"/>
+          <p:cNvPr id="15362" name="Rectangle 2"/>
           <p:cNvSpPr>
             <a:spLocks noGrp="1" noChangeArrowheads="1"/>
           </p:cNvSpPr>
@@ -4314,7 +4130,12 @@
             <p:ph type="title"/>
           </p:nvPr>
         </p:nvSpPr>
-        <p:spPr/>
+        <p:spPr>
+          <a:xfrm>
+            <a:off x="457200" y="274638"/>
+            <a:ext cx="8229600" cy="792162"/>
+          </a:xfrm>
+        </p:spPr>
         <p:txBody>
           <a:bodyPr/>
           <a:lstStyle/>
@@ -4322,280 +4143,114 @@
             <a:pPr eaLnBrk="1" hangingPunct="1"/>
             <a:r>
               <a:rPr lang="en-US" smtClean="0"/>
-              <a:t>Global Twiddle Factors</a:t>
-            </a:r>
-          </a:p>
-        </p:txBody>
-      </p:sp>
-      <p:graphicFrame>
-        <p:nvGraphicFramePr>
-          <p:cNvPr id="5122" name="Object 4"/>
-          <p:cNvGraphicFramePr>
-            <a:graphicFrameLocks noChangeAspect="1"/>
-          </p:cNvGraphicFramePr>
-          <p:nvPr>
-            <p:ph sz="half" idx="1"/>
-          </p:nvPr>
-        </p:nvGraphicFramePr>
-        <p:xfrm>
-          <a:off x="782638" y="1828800"/>
-          <a:ext cx="1481137" cy="685800"/>
-        </p:xfrm>
-        <a:graphic>
-          <a:graphicData uri="http://schemas.openxmlformats.org/presentationml/2006/ole">
-            <p:oleObj spid="_x0000_s5122" name="Equation" r:id="rId4" imgW="685800" imgH="317160" progId="Equation.3">
-              <p:embed/>
-            </p:oleObj>
-          </a:graphicData>
-        </a:graphic>
-      </p:graphicFrame>
-      <p:graphicFrame>
-        <p:nvGraphicFramePr>
-          <p:cNvPr id="5123" name="Object 13"/>
-          <p:cNvGraphicFramePr>
-            <a:graphicFrameLocks noChangeAspect="1"/>
-          </p:cNvGraphicFramePr>
-          <p:nvPr>
-            <p:ph sz="quarter" idx="2"/>
-          </p:nvPr>
-        </p:nvGraphicFramePr>
-        <p:xfrm>
-          <a:off x="2895600" y="2003425"/>
-          <a:ext cx="2362200" cy="411163"/>
-        </p:xfrm>
-        <a:graphic>
-          <a:graphicData uri="http://schemas.openxmlformats.org/presentationml/2006/ole">
-            <p:oleObj spid="_x0000_s5123" name="Equation" r:id="rId5" imgW="1168200" imgH="203040" progId="Equation.3">
-              <p:embed/>
-            </p:oleObj>
-          </a:graphicData>
-        </a:graphic>
-      </p:graphicFrame>
-      <p:graphicFrame>
-        <p:nvGraphicFramePr>
-          <p:cNvPr id="5124" name="Object 15"/>
-          <p:cNvGraphicFramePr>
-            <a:graphicFrameLocks noChangeAspect="1"/>
-          </p:cNvGraphicFramePr>
-          <p:nvPr>
-            <p:ph sz="quarter" idx="3"/>
-          </p:nvPr>
-        </p:nvGraphicFramePr>
-        <p:xfrm>
-          <a:off x="5791200" y="2001838"/>
-          <a:ext cx="2286000" cy="415925"/>
-        </p:xfrm>
-        <a:graphic>
-          <a:graphicData uri="http://schemas.openxmlformats.org/presentationml/2006/ole">
-            <p:oleObj spid="_x0000_s5124" name="Equation" r:id="rId6" imgW="1117440" imgH="203040" progId="Equation.3">
-              <p:embed/>
-            </p:oleObj>
-          </a:graphicData>
-        </a:graphic>
-      </p:graphicFrame>
-      <p:sp>
-        <p:nvSpPr>
-          <p:cNvPr id="5128" name="Rectangle 8"/>
-          <p:cNvSpPr>
-            <a:spLocks noChangeArrowheads="1"/>
-          </p:cNvSpPr>
-          <p:nvPr/>
-        </p:nvSpPr>
-        <p:spPr bwMode="auto">
+              <a:t>DMA Scheme</a:t>
+            </a:r>
+          </a:p>
+        </p:txBody>
+      </p:sp>
+      <p:sp>
+        <p:nvSpPr>
+          <p:cNvPr id="15363" name="Rectangle 3"/>
+          <p:cNvSpPr>
+            <a:spLocks noGrp="1" noChangeArrowheads="1"/>
+          </p:cNvSpPr>
+          <p:nvPr>
+            <p:ph idx="1"/>
+          </p:nvPr>
+        </p:nvSpPr>
+        <p:spPr>
           <a:xfrm>
-            <a:off x="152400" y="1219200"/>
-            <a:ext cx="8915400" cy="533400"/>
+            <a:off x="228600" y="1295400"/>
+            <a:ext cx="8686800" cy="5105400"/>
           </a:xfrm>
-          <a:prstGeom prst="rect">
-            <a:avLst/>
-          </a:prstGeom>
-          <a:noFill/>
-          <a:ln w="9525">
-            <a:noFill/>
-            <a:miter lim="800000"/>
-            <a:headEnd/>
-            <a:tailEnd/>
-          </a:ln>
         </p:spPr>
         <p:txBody>
           <a:bodyPr/>
           <a:lstStyle/>
           <a:p>
-            <a:pPr marL="342900" indent="-342900" eaLnBrk="1" hangingPunct="1">
-              <a:spcBef>
-                <a:spcPct val="20000"/>
-              </a:spcBef>
-              <a:buFontTx/>
-              <a:buChar char="•"/>
-              <a:defRPr/>
+            <a:pPr eaLnBrk="1" hangingPunct="1">
+              <a:lnSpc>
+                <a:spcPct val="90000"/>
+              </a:lnSpc>
             </a:pPr>
             <a:r>
-              <a:rPr lang="en-US" sz="3200" dirty="0">
-                <a:latin typeface="+mn-lt"/>
-              </a:rPr>
-              <a:t>Global Twiddle Factors:</a:t>
-            </a:r>
-          </a:p>
-        </p:txBody>
-      </p:sp>
-      <p:sp>
-        <p:nvSpPr>
-          <p:cNvPr id="5129" name="Rectangle 11"/>
-          <p:cNvSpPr>
-            <a:spLocks noChangeArrowheads="1"/>
-          </p:cNvSpPr>
-          <p:nvPr/>
-        </p:nvSpPr>
-        <p:spPr bwMode="auto">
-          <a:xfrm>
-            <a:off x="228600" y="2667000"/>
-            <a:ext cx="8686800" cy="1676400"/>
-          </a:xfrm>
-          <a:prstGeom prst="rect">
-            <a:avLst/>
-          </a:prstGeom>
-          <a:noFill/>
-          <a:ln w="9525">
-            <a:noFill/>
-            <a:miter lim="800000"/>
-            <a:headEnd/>
-            <a:tailEnd/>
-          </a:ln>
-        </p:spPr>
-        <p:txBody>
-          <a:bodyPr/>
-          <a:lstStyle/>
-          <a:p>
-            <a:pPr marL="342900" indent="-342900" eaLnBrk="1" hangingPunct="1">
-              <a:spcBef>
-                <a:spcPct val="20000"/>
-              </a:spcBef>
-              <a:buFontTx/>
-              <a:buChar char="•"/>
-              <a:defRPr/>
+              <a:rPr lang="en-US" smtClean="0"/>
+              <a:t>Each core has dedicated in/out DMA channels</a:t>
+            </a:r>
+          </a:p>
+          <a:p>
+            <a:pPr eaLnBrk="1" hangingPunct="1">
+              <a:lnSpc>
+                <a:spcPct val="90000"/>
+              </a:lnSpc>
             </a:pPr>
             <a:r>
-              <a:rPr lang="en-US" sz="3200" dirty="0">
-                <a:latin typeface="+mn-lt"/>
-              </a:rPr>
-              <a:t>Total of N1*N2 global twiddle factors are required.</a:t>
-            </a:r>
-          </a:p>
-          <a:p>
-            <a:pPr marL="342900" indent="-342900" eaLnBrk="1" hangingPunct="1">
-              <a:spcBef>
-                <a:spcPct val="20000"/>
-              </a:spcBef>
-              <a:buFontTx/>
-              <a:buChar char="•"/>
-              <a:defRPr/>
+              <a:rPr lang="en-US" smtClean="0"/>
+              <a:t>Each core configures and triggers its own DMA channels for input/output</a:t>
+            </a:r>
+          </a:p>
+          <a:p>
+            <a:pPr eaLnBrk="1" hangingPunct="1">
+              <a:lnSpc>
+                <a:spcPct val="90000"/>
+              </a:lnSpc>
             </a:pPr>
             <a:r>
-              <a:rPr lang="en-US" sz="3200" dirty="0">
-                <a:latin typeface="+mn-lt"/>
-              </a:rPr>
-              <a:t>N1 are actually pre-computed and saved.</a:t>
-            </a:r>
-          </a:p>
-        </p:txBody>
-      </p:sp>
-      <p:sp>
-        <p:nvSpPr>
-          <p:cNvPr id="5130" name="Rectangle 17"/>
-          <p:cNvSpPr>
-            <a:spLocks noChangeArrowheads="1"/>
-          </p:cNvSpPr>
-          <p:nvPr/>
-        </p:nvSpPr>
-        <p:spPr bwMode="auto">
-          <a:xfrm>
-            <a:off x="304800" y="5562600"/>
-            <a:ext cx="8686800" cy="685800"/>
-          </a:xfrm>
-          <a:prstGeom prst="rect">
-            <a:avLst/>
-          </a:prstGeom>
-          <a:noFill/>
-          <a:ln w="9525">
-            <a:noFill/>
-            <a:miter lim="800000"/>
-            <a:headEnd/>
-            <a:tailEnd/>
-          </a:ln>
-        </p:spPr>
-        <p:txBody>
-          <a:bodyPr/>
-          <a:lstStyle/>
-          <a:p>
-            <a:pPr marL="342900" indent="-342900" eaLnBrk="1" hangingPunct="1">
-              <a:spcBef>
-                <a:spcPct val="20000"/>
-              </a:spcBef>
-              <a:buFontTx/>
-              <a:buChar char="•"/>
-              <a:defRPr/>
+              <a:rPr lang="en-US" smtClean="0"/>
+              <a:t>On each core, the processing is divided into blocks of 8 FFT each.</a:t>
+            </a:r>
+          </a:p>
+          <a:p>
+            <a:pPr eaLnBrk="1" hangingPunct="1">
+              <a:lnSpc>
+                <a:spcPct val="90000"/>
+              </a:lnSpc>
             </a:pPr>
             <a:r>
-              <a:rPr lang="en-US" sz="3200" dirty="0">
-                <a:latin typeface="+mn-lt"/>
-              </a:rPr>
-              <a:t>The rest are computed during run time.</a:t>
-            </a:r>
-          </a:p>
-        </p:txBody>
-      </p:sp>
-      <p:graphicFrame>
-        <p:nvGraphicFramePr>
-          <p:cNvPr id="5125" name="Object 18"/>
-          <p:cNvGraphicFramePr>
-            <a:graphicFrameLocks noChangeAspect="1"/>
-          </p:cNvGraphicFramePr>
-          <p:nvPr/>
-        </p:nvGraphicFramePr>
-        <p:xfrm>
-          <a:off x="1873250" y="4495800"/>
-          <a:ext cx="1968500" cy="1066800"/>
-        </p:xfrm>
-        <a:graphic>
-          <a:graphicData uri="http://schemas.openxmlformats.org/presentationml/2006/ole">
-            <p:oleObj spid="_x0000_s5125" name="Equation" r:id="rId7" imgW="571320" imgH="317160" progId="Equation.3">
-              <p:embed/>
-            </p:oleObj>
-          </a:graphicData>
-        </a:graphic>
-      </p:graphicFrame>
-      <p:graphicFrame>
-        <p:nvGraphicFramePr>
-          <p:cNvPr id="5126" name="Object 19"/>
-          <p:cNvGraphicFramePr>
-            <a:graphicFrameLocks noChangeAspect="1"/>
-          </p:cNvGraphicFramePr>
-          <p:nvPr/>
-        </p:nvGraphicFramePr>
-        <p:xfrm>
-          <a:off x="4572000" y="4800600"/>
-          <a:ext cx="2362200" cy="457200"/>
-        </p:xfrm>
-        <a:graphic>
-          <a:graphicData uri="http://schemas.openxmlformats.org/presentationml/2006/ole">
-            <p:oleObj spid="_x0000_s5126" name="Equation" r:id="rId8" imgW="1168200" imgH="203040" progId="Equation.3">
-              <p:embed/>
-            </p:oleObj>
-          </a:graphicData>
-        </a:graphic>
-      </p:graphicFrame>
+              <a:rPr lang="en-US" smtClean="0"/>
+              <a:t>For each block on every core</a:t>
+            </a:r>
+          </a:p>
+          <a:p>
+            <a:pPr lvl="1" eaLnBrk="1" hangingPunct="1">
+              <a:lnSpc>
+                <a:spcPct val="90000"/>
+              </a:lnSpc>
+            </a:pPr>
+            <a:r>
+              <a:rPr lang="en-US" smtClean="0"/>
+              <a:t>DMA transfer 8 lines of FFT input</a:t>
+            </a:r>
+          </a:p>
+          <a:p>
+            <a:pPr lvl="1" eaLnBrk="1" hangingPunct="1">
+              <a:lnSpc>
+                <a:spcPct val="90000"/>
+              </a:lnSpc>
+            </a:pPr>
+            <a:r>
+              <a:rPr lang="en-US" smtClean="0"/>
+              <a:t>DSP computes FFT/transpose</a:t>
+            </a:r>
+          </a:p>
+          <a:p>
+            <a:pPr lvl="1" eaLnBrk="1" hangingPunct="1">
+              <a:lnSpc>
+                <a:spcPct val="90000"/>
+              </a:lnSpc>
+            </a:pPr>
+            <a:r>
+              <a:rPr lang="en-US" smtClean="0"/>
+              <a:t>DMA transfers 8 lines of FFT output</a:t>
+            </a:r>
+          </a:p>
+        </p:txBody>
+      </p:sp>
     </p:spTree>
   </p:cSld>
   <p:clrMapOvr>
     <a:masterClrMapping/>
   </p:clrMapOvr>
-  <p:timing>
-    <p:tnLst>
-      <p:par>
-        <p:cTn id="1" dur="indefinite" restart="never" nodeType="tmRoot"/>
-      </p:par>
-    </p:tnLst>
-  </p:timing>
 </p:sld>
 </file>
 
@@ -4618,7 +4273,43 @@
       </p:grpSpPr>
       <p:sp>
         <p:nvSpPr>
-          <p:cNvPr id="17410" name="Rectangle 2"/>
+          <p:cNvPr id="16386" name="TextBox 3"/>
+          <p:cNvSpPr txBox="1">
+            <a:spLocks noChangeArrowheads="1"/>
+          </p:cNvSpPr>
+          <p:nvPr/>
+        </p:nvSpPr>
+        <p:spPr bwMode="auto">
+          <a:xfrm>
+            <a:off x="228600" y="6451600"/>
+            <a:ext cx="8686800" cy="368300"/>
+          </a:xfrm>
+          <a:prstGeom prst="rect">
+            <a:avLst/>
+          </a:prstGeom>
+          <a:solidFill>
+            <a:schemeClr val="bg1"/>
+          </a:solidFill>
+          <a:ln w="9525">
+            <a:noFill/>
+            <a:miter lim="800000"/>
+            <a:headEnd/>
+            <a:tailEnd/>
+          </a:ln>
+        </p:spPr>
+        <p:txBody>
+          <a:bodyPr>
+            <a:spAutoFit/>
+          </a:bodyPr>
+          <a:lstStyle/>
+          <a:p>
+            <a:endParaRPr lang="en-US"/>
+          </a:p>
+        </p:txBody>
+      </p:sp>
+      <p:sp>
+        <p:nvSpPr>
+          <p:cNvPr id="16387" name="Rectangle 2"/>
           <p:cNvSpPr>
             <a:spLocks noGrp="1" noChangeArrowheads="1"/>
           </p:cNvSpPr>
@@ -4629,7 +4320,7 @@
         <p:spPr>
           <a:xfrm>
             <a:off x="457200" y="274638"/>
-            <a:ext cx="8229600" cy="792162"/>
+            <a:ext cx="8229600" cy="487362"/>
           </a:xfrm>
         </p:spPr>
         <p:txBody>
@@ -4638,15 +4329,15 @@
           <a:p>
             <a:pPr eaLnBrk="1" hangingPunct="1"/>
             <a:r>
-              <a:rPr lang="en-US" smtClean="0"/>
-              <a:t>DMA Scheme</a:t>
-            </a:r>
-          </a:p>
-        </p:txBody>
-      </p:sp>
-      <p:sp>
-        <p:nvSpPr>
-          <p:cNvPr id="17411" name="Rectangle 3"/>
+              <a:rPr lang="en-US" sz="4000" smtClean="0"/>
+              <a:t>VLFFT Pseudo Code</a:t>
+            </a:r>
+          </a:p>
+        </p:txBody>
+      </p:sp>
+      <p:sp>
+        <p:nvSpPr>
+          <p:cNvPr id="16388" name="Rectangle 3"/>
           <p:cNvSpPr>
             <a:spLocks noGrp="1" noChangeArrowheads="1"/>
           </p:cNvSpPr>
@@ -4656,8 +4347,8 @@
         </p:nvSpPr>
         <p:spPr>
           <a:xfrm>
-            <a:off x="228600" y="1295400"/>
-            <a:ext cx="8686800" cy="5105400"/>
+            <a:off x="152400" y="838200"/>
+            <a:ext cx="8610600" cy="5867400"/>
           </a:xfrm>
         </p:spPr>
         <p:txBody>
@@ -4666,78 +4357,412 @@
           <a:p>
             <a:pPr eaLnBrk="1" hangingPunct="1">
               <a:lnSpc>
-                <a:spcPct val="90000"/>
+                <a:spcPct val="80000"/>
               </a:lnSpc>
+              <a:buFont typeface="Arial" charset="0"/>
+              <a:buNone/>
             </a:pPr>
             <a:r>
-              <a:rPr lang="en-US" smtClean="0"/>
-              <a:t>Each core has dedicated in/out DMA channels</a:t>
+              <a:rPr lang="en-US" sz="1200" b="1" smtClean="0"/>
+              <a:t>VLFFT_start:</a:t>
             </a:r>
           </a:p>
           <a:p>
             <a:pPr eaLnBrk="1" hangingPunct="1">
               <a:lnSpc>
-                <a:spcPct val="90000"/>
+                <a:spcPct val="80000"/>
               </a:lnSpc>
+              <a:buFont typeface="Arial" charset="0"/>
+              <a:buNone/>
             </a:pPr>
             <a:r>
-              <a:rPr lang="en-US" smtClean="0"/>
-              <a:t>Each core configures and triggers its own DMA channels for input/output</a:t>
+              <a:rPr lang="en-US" sz="1200" b="1" smtClean="0"/>
+              <a:t>1) Core0 sends message to each core to start 1st iteration processing.</a:t>
             </a:r>
           </a:p>
           <a:p>
             <a:pPr eaLnBrk="1" hangingPunct="1">
               <a:lnSpc>
-                <a:spcPct val="90000"/>
+                <a:spcPct val="80000"/>
               </a:lnSpc>
+              <a:buFont typeface="Arial" charset="0"/>
+              <a:buNone/>
             </a:pPr>
             <a:r>
-              <a:rPr lang="en-US" smtClean="0"/>
-              <a:t>On each core, the processing is divided into blocks of 8 FFT each.</a:t>
+              <a:rPr lang="en-US" sz="1200" b="1" smtClean="0"/>
+              <a:t>2) Each core does the following,</a:t>
             </a:r>
           </a:p>
           <a:p>
             <a:pPr eaLnBrk="1" hangingPunct="1">
               <a:lnSpc>
-                <a:spcPct val="90000"/>
+                <a:spcPct val="80000"/>
               </a:lnSpc>
+              <a:buFont typeface="Arial" charset="0"/>
+              <a:buNone/>
             </a:pPr>
             <a:r>
-              <a:rPr lang="en-US" smtClean="0"/>
-              <a:t>For each block on every core</a:t>
-            </a:r>
-          </a:p>
-          <a:p>
-            <a:pPr lvl="1" eaLnBrk="1" hangingPunct="1">
+              <a:rPr lang="en-US" sz="1200" b="1" smtClean="0"/>
+              <a:t>        </a:t>
+            </a:r>
+            <a:r>
+              <a:rPr lang="en-US" sz="1200" smtClean="0"/>
+              <a:t>Wait message from core 0 to start,</a:t>
+            </a:r>
+          </a:p>
+          <a:p>
+            <a:pPr eaLnBrk="1" hangingPunct="1">
               <a:lnSpc>
-                <a:spcPct val="90000"/>
+                <a:spcPct val="80000"/>
               </a:lnSpc>
+              <a:buFont typeface="Arial" charset="0"/>
+              <a:buNone/>
             </a:pPr>
             <a:r>
-              <a:rPr lang="en-US" smtClean="0"/>
-              <a:t>DMA transfer 8 lines of FFT input</a:t>
-            </a:r>
-          </a:p>
-          <a:p>
-            <a:pPr lvl="1" eaLnBrk="1" hangingPunct="1">
+              <a:rPr lang="en-US" sz="1200" smtClean="0"/>
+              <a:t>        numBlk = 0;</a:t>
+            </a:r>
+          </a:p>
+          <a:p>
+            <a:pPr eaLnBrk="1" hangingPunct="1">
               <a:lnSpc>
-                <a:spcPct val="90000"/>
+                <a:spcPct val="80000"/>
               </a:lnSpc>
+              <a:buFont typeface="Arial" charset="0"/>
+              <a:buNone/>
             </a:pPr>
             <a:r>
-              <a:rPr lang="en-US" smtClean="0"/>
-              <a:t>DSP computes FFT/transpose</a:t>
-            </a:r>
-          </a:p>
-          <a:p>
-            <a:pPr lvl="1" eaLnBrk="1" hangingPunct="1">
+              <a:rPr lang="en-US" sz="1200" smtClean="0"/>
+              <a:t>        While( numBlk &lt; totalBlk )</a:t>
+            </a:r>
+          </a:p>
+          <a:p>
+            <a:pPr eaLnBrk="1" hangingPunct="1">
               <a:lnSpc>
-                <a:spcPct val="90000"/>
+                <a:spcPct val="80000"/>
               </a:lnSpc>
+              <a:buFont typeface="Arial" charset="0"/>
+              <a:buNone/>
             </a:pPr>
             <a:r>
-              <a:rPr lang="en-US" smtClean="0"/>
-              <a:t>DMA transfers 8 lines of FFT output</a:t>
+              <a:rPr lang="en-US" sz="1200" smtClean="0"/>
+              <a:t>            {</a:t>
+            </a:r>
+          </a:p>
+          <a:p>
+            <a:pPr eaLnBrk="1" hangingPunct="1">
+              <a:lnSpc>
+                <a:spcPct val="80000"/>
+              </a:lnSpc>
+              <a:buFont typeface="Arial" charset="0"/>
+              <a:buNone/>
+            </a:pPr>
+            <a:r>
+              <a:rPr lang="en-US" sz="1200" smtClean="0"/>
+              <a:t>                1) Trigger DMA to transfer (n+1)th blk from Input Buffer to L2 and to transfer (n-1)th blk output from   </a:t>
+            </a:r>
+          </a:p>
+          <a:p>
+            <a:pPr eaLnBrk="1" hangingPunct="1">
+              <a:lnSpc>
+                <a:spcPct val="80000"/>
+              </a:lnSpc>
+              <a:buFont typeface="Arial" charset="0"/>
+              <a:buNone/>
+            </a:pPr>
+            <a:r>
+              <a:rPr lang="en-US" sz="1200" smtClean="0"/>
+              <a:t>                     L2 to Temp Buffer </a:t>
+            </a:r>
+          </a:p>
+          <a:p>
+            <a:pPr eaLnBrk="1" hangingPunct="1">
+              <a:lnSpc>
+                <a:spcPct val="80000"/>
+              </a:lnSpc>
+              <a:buFont typeface="Arial" charset="0"/>
+              <a:buNone/>
+            </a:pPr>
+            <a:r>
+              <a:rPr lang="en-US" sz="1200" smtClean="0"/>
+              <a:t>                2) Implement transpose, compute FFT, and multiply twiddle factors for nth blk</a:t>
+            </a:r>
+          </a:p>
+          <a:p>
+            <a:pPr eaLnBrk="1" hangingPunct="1">
+              <a:lnSpc>
+                <a:spcPct val="80000"/>
+              </a:lnSpc>
+              <a:buFont typeface="Arial" charset="0"/>
+              <a:buNone/>
+            </a:pPr>
+            <a:r>
+              <a:rPr lang="en-US" sz="1200" smtClean="0"/>
+              <a:t>                3) wait for DMA completion</a:t>
+            </a:r>
+          </a:p>
+          <a:p>
+            <a:pPr eaLnBrk="1" hangingPunct="1">
+              <a:lnSpc>
+                <a:spcPct val="80000"/>
+              </a:lnSpc>
+              <a:buFont typeface="Arial" charset="0"/>
+              <a:buNone/>
+            </a:pPr>
+            <a:r>
+              <a:rPr lang="en-US" sz="1200" smtClean="0"/>
+              <a:t>               4) numBlk++</a:t>
+            </a:r>
+          </a:p>
+          <a:p>
+            <a:pPr eaLnBrk="1" hangingPunct="1">
+              <a:lnSpc>
+                <a:spcPct val="80000"/>
+              </a:lnSpc>
+              <a:buFont typeface="Arial" charset="0"/>
+              <a:buNone/>
+            </a:pPr>
+            <a:r>
+              <a:rPr lang="en-US" sz="1200" smtClean="0"/>
+              <a:t>           }</a:t>
+            </a:r>
+          </a:p>
+          <a:p>
+            <a:pPr eaLnBrk="1" hangingPunct="1">
+              <a:lnSpc>
+                <a:spcPct val="80000"/>
+              </a:lnSpc>
+              <a:buFont typeface="Arial" charset="0"/>
+              <a:buNone/>
+            </a:pPr>
+            <a:r>
+              <a:rPr lang="en-US" sz="1200" smtClean="0"/>
+              <a:t>       Send a message to core 0</a:t>
+            </a:r>
+          </a:p>
+          <a:p>
+            <a:pPr eaLnBrk="1" hangingPunct="1">
+              <a:lnSpc>
+                <a:spcPct val="80000"/>
+              </a:lnSpc>
+              <a:buFont typeface="Arial" charset="0"/>
+              <a:buNone/>
+            </a:pPr>
+            <a:r>
+              <a:rPr lang="en-US" sz="1200" b="1" smtClean="0"/>
+              <a:t>3) Core0 waits for message from each core for completion of its own processing</a:t>
+            </a:r>
+          </a:p>
+          <a:p>
+            <a:pPr eaLnBrk="1" hangingPunct="1">
+              <a:lnSpc>
+                <a:spcPct val="80000"/>
+              </a:lnSpc>
+              <a:buFont typeface="Arial" charset="0"/>
+              <a:buNone/>
+            </a:pPr>
+            <a:r>
+              <a:rPr lang="en-US" sz="1200" b="1" smtClean="0"/>
+              <a:t>4) After receiving all the messages from all the other cores, core0 sends message to each core to start 2nd </a:t>
+            </a:r>
+          </a:p>
+          <a:p>
+            <a:pPr eaLnBrk="1" hangingPunct="1">
+              <a:lnSpc>
+                <a:spcPct val="80000"/>
+              </a:lnSpc>
+              <a:buFont typeface="Arial" charset="0"/>
+              <a:buNone/>
+            </a:pPr>
+            <a:r>
+              <a:rPr lang="en-US" sz="1200" b="1" smtClean="0"/>
+              <a:t>     iteration processing</a:t>
+            </a:r>
+          </a:p>
+          <a:p>
+            <a:pPr eaLnBrk="1" hangingPunct="1">
+              <a:lnSpc>
+                <a:spcPct val="80000"/>
+              </a:lnSpc>
+              <a:buFont typeface="Arial" charset="0"/>
+              <a:buNone/>
+            </a:pPr>
+            <a:r>
+              <a:rPr lang="en-US" sz="1200" b="1" smtClean="0"/>
+              <a:t>5) Each core does the following,</a:t>
+            </a:r>
+          </a:p>
+          <a:p>
+            <a:pPr eaLnBrk="1" hangingPunct="1">
+              <a:lnSpc>
+                <a:spcPct val="80000"/>
+              </a:lnSpc>
+              <a:buFont typeface="Arial" charset="0"/>
+              <a:buNone/>
+            </a:pPr>
+            <a:r>
+              <a:rPr lang="en-US" sz="1200" b="1" smtClean="0"/>
+              <a:t>        </a:t>
+            </a:r>
+            <a:r>
+              <a:rPr lang="en-US" sz="1200" smtClean="0"/>
+              <a:t>Wait message from core 0 to start,</a:t>
+            </a:r>
+          </a:p>
+          <a:p>
+            <a:pPr eaLnBrk="1" hangingPunct="1">
+              <a:lnSpc>
+                <a:spcPct val="80000"/>
+              </a:lnSpc>
+              <a:buFont typeface="Arial" charset="0"/>
+              <a:buNone/>
+            </a:pPr>
+            <a:r>
+              <a:rPr lang="en-US" sz="1200" smtClean="0"/>
+              <a:t>        numBlk = 0;</a:t>
+            </a:r>
+          </a:p>
+          <a:p>
+            <a:pPr eaLnBrk="1" hangingPunct="1">
+              <a:lnSpc>
+                <a:spcPct val="80000"/>
+              </a:lnSpc>
+              <a:buFont typeface="Arial" charset="0"/>
+              <a:buNone/>
+            </a:pPr>
+            <a:r>
+              <a:rPr lang="en-US" sz="1200" smtClean="0"/>
+              <a:t>        While( numBlk &lt; totalBlk )</a:t>
+            </a:r>
+          </a:p>
+          <a:p>
+            <a:pPr eaLnBrk="1" hangingPunct="1">
+              <a:lnSpc>
+                <a:spcPct val="80000"/>
+              </a:lnSpc>
+              <a:buFont typeface="Arial" charset="0"/>
+              <a:buNone/>
+            </a:pPr>
+            <a:r>
+              <a:rPr lang="en-US" sz="1200" smtClean="0"/>
+              <a:t>            {</a:t>
+            </a:r>
+          </a:p>
+          <a:p>
+            <a:pPr eaLnBrk="1" hangingPunct="1">
+              <a:lnSpc>
+                <a:spcPct val="80000"/>
+              </a:lnSpc>
+              <a:buFont typeface="Arial" charset="0"/>
+              <a:buNone/>
+            </a:pPr>
+            <a:r>
+              <a:rPr lang="en-US" sz="1200" smtClean="0"/>
+              <a:t>                1) Trigger DMA to transfer (n+1)th blk from Temp Buffer to L2 and to transfer (n-1)th blk output from </a:t>
+            </a:r>
+          </a:p>
+          <a:p>
+            <a:pPr eaLnBrk="1" hangingPunct="1">
+              <a:lnSpc>
+                <a:spcPct val="80000"/>
+              </a:lnSpc>
+              <a:buFont typeface="Arial" charset="0"/>
+              <a:buNone/>
+            </a:pPr>
+            <a:r>
+              <a:rPr lang="en-US" sz="1200" smtClean="0"/>
+              <a:t>                    L2 to Output Buffer </a:t>
+            </a:r>
+          </a:p>
+          <a:p>
+            <a:pPr eaLnBrk="1" hangingPunct="1">
+              <a:lnSpc>
+                <a:spcPct val="80000"/>
+              </a:lnSpc>
+              <a:buFont typeface="Arial" charset="0"/>
+              <a:buNone/>
+            </a:pPr>
+            <a:r>
+              <a:rPr lang="en-US" sz="1200" smtClean="0"/>
+              <a:t>                2) Compute FFT and transpose for nth blk</a:t>
+            </a:r>
+          </a:p>
+          <a:p>
+            <a:pPr eaLnBrk="1" hangingPunct="1">
+              <a:lnSpc>
+                <a:spcPct val="80000"/>
+              </a:lnSpc>
+              <a:buFont typeface="Arial" charset="0"/>
+              <a:buNone/>
+            </a:pPr>
+            <a:r>
+              <a:rPr lang="en-US" sz="1200" smtClean="0"/>
+              <a:t>                3) wait for DMA completion</a:t>
+            </a:r>
+          </a:p>
+          <a:p>
+            <a:pPr eaLnBrk="1" hangingPunct="1">
+              <a:lnSpc>
+                <a:spcPct val="80000"/>
+              </a:lnSpc>
+              <a:buFont typeface="Arial" charset="0"/>
+              <a:buNone/>
+            </a:pPr>
+            <a:r>
+              <a:rPr lang="en-US" sz="1200" smtClean="0"/>
+              <a:t>               4) numBlk++</a:t>
+            </a:r>
+          </a:p>
+          <a:p>
+            <a:pPr eaLnBrk="1" hangingPunct="1">
+              <a:lnSpc>
+                <a:spcPct val="80000"/>
+              </a:lnSpc>
+              <a:buFont typeface="Arial" charset="0"/>
+              <a:buNone/>
+            </a:pPr>
+            <a:r>
+              <a:rPr lang="en-US" sz="1200" smtClean="0"/>
+              <a:t>           }</a:t>
+            </a:r>
+          </a:p>
+          <a:p>
+            <a:pPr eaLnBrk="1" hangingPunct="1">
+              <a:lnSpc>
+                <a:spcPct val="80000"/>
+              </a:lnSpc>
+              <a:buFont typeface="Arial" charset="0"/>
+              <a:buNone/>
+            </a:pPr>
+            <a:r>
+              <a:rPr lang="en-US" sz="1200" smtClean="0"/>
+              <a:t>       Send a message to core 0</a:t>
+            </a:r>
+          </a:p>
+          <a:p>
+            <a:pPr eaLnBrk="1" hangingPunct="1">
+              <a:lnSpc>
+                <a:spcPct val="80000"/>
+              </a:lnSpc>
+              <a:buFont typeface="Arial" charset="0"/>
+              <a:buNone/>
+            </a:pPr>
+            <a:r>
+              <a:rPr lang="en-US" sz="1200" b="1" smtClean="0"/>
+              <a:t>6) Core0 waits for message back from each core for completion its own processing</a:t>
+            </a:r>
+          </a:p>
+          <a:p>
+            <a:pPr eaLnBrk="1" hangingPunct="1">
+              <a:lnSpc>
+                <a:spcPct val="80000"/>
+              </a:lnSpc>
+              <a:buFont typeface="Arial" charset="0"/>
+              <a:buNone/>
+            </a:pPr>
+            <a:r>
+              <a:rPr lang="en-US" sz="1200" b="1" smtClean="0"/>
+              <a:t>VLFFT_end:</a:t>
             </a:r>
           </a:p>
         </p:txBody>
@@ -4769,43 +4794,7 @@
       </p:grpSpPr>
       <p:sp>
         <p:nvSpPr>
-          <p:cNvPr id="18434" name="TextBox 3"/>
-          <p:cNvSpPr txBox="1">
-            <a:spLocks noChangeArrowheads="1"/>
-          </p:cNvSpPr>
-          <p:nvPr/>
-        </p:nvSpPr>
-        <p:spPr bwMode="auto">
-          <a:xfrm>
-            <a:off x="228600" y="6451600"/>
-            <a:ext cx="8686800" cy="368300"/>
-          </a:xfrm>
-          <a:prstGeom prst="rect">
-            <a:avLst/>
-          </a:prstGeom>
-          <a:solidFill>
-            <a:schemeClr val="bg1"/>
-          </a:solidFill>
-          <a:ln w="9525">
-            <a:noFill/>
-            <a:miter lim="800000"/>
-            <a:headEnd/>
-            <a:tailEnd/>
-          </a:ln>
-        </p:spPr>
-        <p:txBody>
-          <a:bodyPr>
-            <a:spAutoFit/>
-          </a:bodyPr>
-          <a:lstStyle/>
-          <a:p>
-            <a:endParaRPr lang="en-US"/>
-          </a:p>
-        </p:txBody>
-      </p:sp>
-      <p:sp>
-        <p:nvSpPr>
-          <p:cNvPr id="18435" name="Rectangle 2"/>
+          <p:cNvPr id="17410" name="Rectangle 2"/>
           <p:cNvSpPr>
             <a:spLocks noGrp="1" noChangeArrowheads="1"/>
           </p:cNvSpPr>
@@ -4813,27 +4802,22 @@
             <p:ph type="title"/>
           </p:nvPr>
         </p:nvSpPr>
-        <p:spPr>
-          <a:xfrm>
-            <a:off x="457200" y="274638"/>
-            <a:ext cx="8229600" cy="487362"/>
-          </a:xfrm>
-        </p:spPr>
+        <p:spPr/>
         <p:txBody>
           <a:bodyPr/>
           <a:lstStyle/>
           <a:p>
             <a:pPr eaLnBrk="1" hangingPunct="1"/>
             <a:r>
-              <a:rPr lang="en-US" sz="4000" smtClean="0"/>
-              <a:t>VLFFT Pseudo Code</a:t>
-            </a:r>
-          </a:p>
-        </p:txBody>
-      </p:sp>
-      <p:sp>
-        <p:nvSpPr>
-          <p:cNvPr id="18436" name="Rectangle 3"/>
+              <a:rPr lang="en-US" smtClean="0"/>
+              <a:t>Matrix Transpose</a:t>
+            </a:r>
+          </a:p>
+        </p:txBody>
+      </p:sp>
+      <p:sp>
+        <p:nvSpPr>
+          <p:cNvPr id="17411" name="Rectangle 3"/>
           <p:cNvSpPr>
             <a:spLocks noGrp="1" noChangeArrowheads="1"/>
           </p:cNvSpPr>
@@ -4841,424 +4825,64 @@
             <p:ph idx="1"/>
           </p:nvPr>
         </p:nvSpPr>
-        <p:spPr>
-          <a:xfrm>
-            <a:off x="152400" y="838200"/>
-            <a:ext cx="8610600" cy="5867400"/>
-          </a:xfrm>
-        </p:spPr>
+        <p:spPr/>
         <p:txBody>
           <a:bodyPr/>
           <a:lstStyle/>
           <a:p>
-            <a:pPr eaLnBrk="1" hangingPunct="1">
-              <a:lnSpc>
-                <a:spcPct val="80000"/>
-              </a:lnSpc>
-              <a:buFont typeface="Arial" charset="0"/>
-              <a:buNone/>
-            </a:pPr>
-            <a:r>
-              <a:rPr lang="en-US" sz="1200" b="1" smtClean="0"/>
-              <a:t>VLFFT_start:</a:t>
-            </a:r>
-          </a:p>
-          <a:p>
-            <a:pPr eaLnBrk="1" hangingPunct="1">
-              <a:lnSpc>
-                <a:spcPct val="80000"/>
-              </a:lnSpc>
-              <a:buFont typeface="Arial" charset="0"/>
-              <a:buNone/>
-            </a:pPr>
-            <a:r>
-              <a:rPr lang="en-US" sz="1200" b="1" smtClean="0"/>
-              <a:t>1) Core0 sends message to each core to start 1st iteration processing.</a:t>
-            </a:r>
-          </a:p>
-          <a:p>
-            <a:pPr eaLnBrk="1" hangingPunct="1">
-              <a:lnSpc>
-                <a:spcPct val="80000"/>
-              </a:lnSpc>
-              <a:buFont typeface="Arial" charset="0"/>
-              <a:buNone/>
-            </a:pPr>
-            <a:r>
-              <a:rPr lang="en-US" sz="1200" b="1" smtClean="0"/>
-              <a:t>2) Each core does the following,</a:t>
-            </a:r>
-          </a:p>
-          <a:p>
-            <a:pPr eaLnBrk="1" hangingPunct="1">
-              <a:lnSpc>
-                <a:spcPct val="80000"/>
-              </a:lnSpc>
-              <a:buFont typeface="Arial" charset="0"/>
-              <a:buNone/>
-            </a:pPr>
-            <a:r>
-              <a:rPr lang="en-US" sz="1200" b="1" smtClean="0"/>
-              <a:t>        </a:t>
-            </a:r>
-            <a:r>
-              <a:rPr lang="en-US" sz="1200" smtClean="0"/>
-              <a:t>Wait message from core 0 to start,</a:t>
-            </a:r>
-          </a:p>
-          <a:p>
-            <a:pPr eaLnBrk="1" hangingPunct="1">
-              <a:lnSpc>
-                <a:spcPct val="80000"/>
-              </a:lnSpc>
-              <a:buFont typeface="Arial" charset="0"/>
-              <a:buNone/>
-            </a:pPr>
-            <a:r>
-              <a:rPr lang="en-US" sz="1200" smtClean="0"/>
-              <a:t>        numBlk = 0;</a:t>
-            </a:r>
-          </a:p>
-          <a:p>
-            <a:pPr eaLnBrk="1" hangingPunct="1">
-              <a:lnSpc>
-                <a:spcPct val="80000"/>
-              </a:lnSpc>
-              <a:buFont typeface="Arial" charset="0"/>
-              <a:buNone/>
-            </a:pPr>
-            <a:r>
-              <a:rPr lang="en-US" sz="1200" smtClean="0"/>
-              <a:t>        While( numBlk &lt; totalBlk )</a:t>
-            </a:r>
-          </a:p>
-          <a:p>
-            <a:pPr eaLnBrk="1" hangingPunct="1">
-              <a:lnSpc>
-                <a:spcPct val="80000"/>
-              </a:lnSpc>
-              <a:buFont typeface="Arial" charset="0"/>
-              <a:buNone/>
-            </a:pPr>
-            <a:r>
-              <a:rPr lang="en-US" sz="1200" smtClean="0"/>
-              <a:t>            {</a:t>
-            </a:r>
-          </a:p>
-          <a:p>
-            <a:pPr eaLnBrk="1" hangingPunct="1">
-              <a:lnSpc>
-                <a:spcPct val="80000"/>
-              </a:lnSpc>
-              <a:buFont typeface="Arial" charset="0"/>
-              <a:buNone/>
-            </a:pPr>
-            <a:r>
-              <a:rPr lang="en-US" sz="1200" smtClean="0"/>
-              <a:t>                1) Trigger DMA to transfer (n+1)th blk from Input Buffer to L2 and to transfer (n-1)th blk output from   </a:t>
-            </a:r>
-          </a:p>
-          <a:p>
-            <a:pPr eaLnBrk="1" hangingPunct="1">
-              <a:lnSpc>
-                <a:spcPct val="80000"/>
-              </a:lnSpc>
-              <a:buFont typeface="Arial" charset="0"/>
-              <a:buNone/>
-            </a:pPr>
-            <a:r>
-              <a:rPr lang="en-US" sz="1200" smtClean="0"/>
-              <a:t>                     L2 to Temp Buffer </a:t>
-            </a:r>
-          </a:p>
-          <a:p>
-            <a:pPr eaLnBrk="1" hangingPunct="1">
-              <a:lnSpc>
-                <a:spcPct val="80000"/>
-              </a:lnSpc>
-              <a:buFont typeface="Arial" charset="0"/>
-              <a:buNone/>
-            </a:pPr>
-            <a:r>
-              <a:rPr lang="en-US" sz="1200" smtClean="0"/>
-              <a:t>                2) Implement transpose, compute FFT, and multiply twiddle factors for nth blk</a:t>
-            </a:r>
-          </a:p>
-          <a:p>
-            <a:pPr eaLnBrk="1" hangingPunct="1">
-              <a:lnSpc>
-                <a:spcPct val="80000"/>
-              </a:lnSpc>
-              <a:buFont typeface="Arial" charset="0"/>
-              <a:buNone/>
-            </a:pPr>
-            <a:r>
-              <a:rPr lang="en-US" sz="1200" smtClean="0"/>
-              <a:t>                3) wait for DMA completion</a:t>
-            </a:r>
-          </a:p>
-          <a:p>
-            <a:pPr eaLnBrk="1" hangingPunct="1">
-              <a:lnSpc>
-                <a:spcPct val="80000"/>
-              </a:lnSpc>
-              <a:buFont typeface="Arial" charset="0"/>
-              <a:buNone/>
-            </a:pPr>
-            <a:r>
-              <a:rPr lang="en-US" sz="1200" smtClean="0"/>
-              <a:t>               4) numBlk++</a:t>
-            </a:r>
-          </a:p>
-          <a:p>
-            <a:pPr eaLnBrk="1" hangingPunct="1">
-              <a:lnSpc>
-                <a:spcPct val="80000"/>
-              </a:lnSpc>
-              <a:buFont typeface="Arial" charset="0"/>
-              <a:buNone/>
-            </a:pPr>
-            <a:r>
-              <a:rPr lang="en-US" sz="1200" smtClean="0"/>
-              <a:t>           }</a:t>
-            </a:r>
-          </a:p>
-          <a:p>
-            <a:pPr eaLnBrk="1" hangingPunct="1">
-              <a:lnSpc>
-                <a:spcPct val="80000"/>
-              </a:lnSpc>
-              <a:buFont typeface="Arial" charset="0"/>
-              <a:buNone/>
-            </a:pPr>
-            <a:r>
-              <a:rPr lang="en-US" sz="1200" smtClean="0"/>
-              <a:t>       Send a message to core 0</a:t>
-            </a:r>
-          </a:p>
-          <a:p>
-            <a:pPr eaLnBrk="1" hangingPunct="1">
-              <a:lnSpc>
-                <a:spcPct val="80000"/>
-              </a:lnSpc>
-              <a:buFont typeface="Arial" charset="0"/>
-              <a:buNone/>
-            </a:pPr>
-            <a:r>
-              <a:rPr lang="en-US" sz="1200" b="1" smtClean="0"/>
-              <a:t>3) Core0 waits for message from each core for completion of its own processing</a:t>
-            </a:r>
-          </a:p>
-          <a:p>
-            <a:pPr eaLnBrk="1" hangingPunct="1">
-              <a:lnSpc>
-                <a:spcPct val="80000"/>
-              </a:lnSpc>
-              <a:buFont typeface="Arial" charset="0"/>
-              <a:buNone/>
-            </a:pPr>
-            <a:r>
-              <a:rPr lang="en-US" sz="1200" b="1" smtClean="0"/>
-              <a:t>4) After receiving all the messages from all the other cores, core0 sends message to each core to start 2nd </a:t>
-            </a:r>
-          </a:p>
-          <a:p>
-            <a:pPr eaLnBrk="1" hangingPunct="1">
-              <a:lnSpc>
-                <a:spcPct val="80000"/>
-              </a:lnSpc>
-              <a:buFont typeface="Arial" charset="0"/>
-              <a:buNone/>
-            </a:pPr>
-            <a:r>
-              <a:rPr lang="en-US" sz="1200" b="1" smtClean="0"/>
-              <a:t>     iteration processing</a:t>
-            </a:r>
-          </a:p>
-          <a:p>
-            <a:pPr eaLnBrk="1" hangingPunct="1">
-              <a:lnSpc>
-                <a:spcPct val="80000"/>
-              </a:lnSpc>
-              <a:buFont typeface="Arial" charset="0"/>
-              <a:buNone/>
-            </a:pPr>
-            <a:r>
-              <a:rPr lang="en-US" sz="1200" b="1" smtClean="0"/>
-              <a:t>5) Each core does the following,</a:t>
-            </a:r>
-          </a:p>
-          <a:p>
-            <a:pPr eaLnBrk="1" hangingPunct="1">
-              <a:lnSpc>
-                <a:spcPct val="80000"/>
-              </a:lnSpc>
-              <a:buFont typeface="Arial" charset="0"/>
-              <a:buNone/>
-            </a:pPr>
-            <a:r>
-              <a:rPr lang="en-US" sz="1200" b="1" smtClean="0"/>
-              <a:t>        </a:t>
-            </a:r>
-            <a:r>
-              <a:rPr lang="en-US" sz="1200" smtClean="0"/>
-              <a:t>Wait message from core 0 to start,</a:t>
-            </a:r>
-          </a:p>
-          <a:p>
-            <a:pPr eaLnBrk="1" hangingPunct="1">
-              <a:lnSpc>
-                <a:spcPct val="80000"/>
-              </a:lnSpc>
-              <a:buFont typeface="Arial" charset="0"/>
-              <a:buNone/>
-            </a:pPr>
-            <a:r>
-              <a:rPr lang="en-US" sz="1200" smtClean="0"/>
-              <a:t>        numBlk = 0;</a:t>
-            </a:r>
-          </a:p>
-          <a:p>
-            <a:pPr eaLnBrk="1" hangingPunct="1">
-              <a:lnSpc>
-                <a:spcPct val="80000"/>
-              </a:lnSpc>
-              <a:buFont typeface="Arial" charset="0"/>
-              <a:buNone/>
-            </a:pPr>
-            <a:r>
-              <a:rPr lang="en-US" sz="1200" smtClean="0"/>
-              <a:t>        While( numBlk &lt; totalBlk )</a:t>
-            </a:r>
-          </a:p>
-          <a:p>
-            <a:pPr eaLnBrk="1" hangingPunct="1">
-              <a:lnSpc>
-                <a:spcPct val="80000"/>
-              </a:lnSpc>
-              <a:buFont typeface="Arial" charset="0"/>
-              <a:buNone/>
-            </a:pPr>
-            <a:r>
-              <a:rPr lang="en-US" sz="1200" smtClean="0"/>
-              <a:t>            {</a:t>
-            </a:r>
-          </a:p>
-          <a:p>
-            <a:pPr eaLnBrk="1" hangingPunct="1">
-              <a:lnSpc>
-                <a:spcPct val="80000"/>
-              </a:lnSpc>
-              <a:buFont typeface="Arial" charset="0"/>
-              <a:buNone/>
-            </a:pPr>
-            <a:r>
-              <a:rPr lang="en-US" sz="1200" smtClean="0"/>
-              <a:t>                1) Trigger DMA to transfer (n+1)th blk from Temp Buffer to L2 and to transfer (n-1)th blk output from </a:t>
-            </a:r>
-          </a:p>
-          <a:p>
-            <a:pPr eaLnBrk="1" hangingPunct="1">
-              <a:lnSpc>
-                <a:spcPct val="80000"/>
-              </a:lnSpc>
-              <a:buFont typeface="Arial" charset="0"/>
-              <a:buNone/>
-            </a:pPr>
-            <a:r>
-              <a:rPr lang="en-US" sz="1200" smtClean="0"/>
-              <a:t>                    L2 to Output Buffer </a:t>
-            </a:r>
-          </a:p>
-          <a:p>
-            <a:pPr eaLnBrk="1" hangingPunct="1">
-              <a:lnSpc>
-                <a:spcPct val="80000"/>
-              </a:lnSpc>
-              <a:buFont typeface="Arial" charset="0"/>
-              <a:buNone/>
-            </a:pPr>
-            <a:r>
-              <a:rPr lang="en-US" sz="1200" smtClean="0"/>
-              <a:t>                2) Compute FFT and transpose for nth blk</a:t>
-            </a:r>
-          </a:p>
-          <a:p>
-            <a:pPr eaLnBrk="1" hangingPunct="1">
-              <a:lnSpc>
-                <a:spcPct val="80000"/>
-              </a:lnSpc>
-              <a:buFont typeface="Arial" charset="0"/>
-              <a:buNone/>
-            </a:pPr>
-            <a:r>
-              <a:rPr lang="en-US" sz="1200" smtClean="0"/>
-              <a:t>                3) wait for DMA completion</a:t>
-            </a:r>
-          </a:p>
-          <a:p>
-            <a:pPr eaLnBrk="1" hangingPunct="1">
-              <a:lnSpc>
-                <a:spcPct val="80000"/>
-              </a:lnSpc>
-              <a:buFont typeface="Arial" charset="0"/>
-              <a:buNone/>
-            </a:pPr>
-            <a:r>
-              <a:rPr lang="en-US" sz="1200" smtClean="0"/>
-              <a:t>               4) numBlk++</a:t>
-            </a:r>
-          </a:p>
-          <a:p>
-            <a:pPr eaLnBrk="1" hangingPunct="1">
-              <a:lnSpc>
-                <a:spcPct val="80000"/>
-              </a:lnSpc>
-              <a:buFont typeface="Arial" charset="0"/>
-              <a:buNone/>
-            </a:pPr>
-            <a:r>
-              <a:rPr lang="en-US" sz="1200" smtClean="0"/>
-              <a:t>           }</a:t>
-            </a:r>
-          </a:p>
-          <a:p>
-            <a:pPr eaLnBrk="1" hangingPunct="1">
-              <a:lnSpc>
-                <a:spcPct val="80000"/>
-              </a:lnSpc>
-              <a:buFont typeface="Arial" charset="0"/>
-              <a:buNone/>
-            </a:pPr>
-            <a:r>
-              <a:rPr lang="en-US" sz="1200" smtClean="0"/>
-              <a:t>       Send a message to core 0</a:t>
-            </a:r>
-          </a:p>
-          <a:p>
-            <a:pPr eaLnBrk="1" hangingPunct="1">
-              <a:lnSpc>
-                <a:spcPct val="80000"/>
-              </a:lnSpc>
-              <a:buFont typeface="Arial" charset="0"/>
-              <a:buNone/>
-            </a:pPr>
-            <a:r>
-              <a:rPr lang="en-US" sz="1200" b="1" smtClean="0"/>
-              <a:t>6) Core0 waits for message back from each core for completion its own processing</a:t>
-            </a:r>
-          </a:p>
-          <a:p>
-            <a:pPr eaLnBrk="1" hangingPunct="1">
-              <a:lnSpc>
-                <a:spcPct val="80000"/>
-              </a:lnSpc>
-              <a:buFont typeface="Arial" charset="0"/>
-              <a:buNone/>
-            </a:pPr>
-            <a:r>
-              <a:rPr lang="en-US" sz="1200" b="1" smtClean="0"/>
-              <a:t>VLFFT_end:</a:t>
+            <a:pPr eaLnBrk="1" hangingPunct="1"/>
+            <a:r>
+              <a:rPr lang="en-US" smtClean="0"/>
+              <a:t>The transpose is required for the following matrixes from each core:</a:t>
+            </a:r>
+          </a:p>
+          <a:p>
+            <a:pPr lvl="1" eaLnBrk="1" hangingPunct="1"/>
+            <a:r>
+              <a:rPr lang="en-US" smtClean="0"/>
+              <a:t>N1x8 -&gt; 8xN1</a:t>
+            </a:r>
+          </a:p>
+          <a:p>
+            <a:pPr lvl="1" eaLnBrk="1" hangingPunct="1"/>
+            <a:r>
+              <a:rPr lang="en-US" smtClean="0"/>
+              <a:t>N2x8 -&gt; 8xN2</a:t>
+            </a:r>
+          </a:p>
+          <a:p>
+            <a:pPr lvl="1" eaLnBrk="1" hangingPunct="1"/>
+            <a:r>
+              <a:rPr lang="en-US" smtClean="0"/>
+              <a:t>8xN2 -&gt; N2x8</a:t>
+            </a:r>
+          </a:p>
+          <a:p>
+            <a:pPr eaLnBrk="1" hangingPunct="1"/>
+            <a:r>
+              <a:rPr lang="en-US" smtClean="0"/>
+              <a:t>DSP computes matrix transpose from L2 SRAM</a:t>
+            </a:r>
+          </a:p>
+          <a:p>
+            <a:pPr lvl="1" eaLnBrk="1" hangingPunct="1"/>
+            <a:r>
+              <a:rPr lang="en-US" smtClean="0"/>
+              <a:t>DMA bring samples from DDR to L2 SRAM</a:t>
+            </a:r>
+          </a:p>
+          <a:p>
+            <a:pPr lvl="1" eaLnBrk="1" hangingPunct="1"/>
+            <a:r>
+              <a:rPr lang="en-US" smtClean="0"/>
+              <a:t>DSP implements transpose for matrixes in L2 SRAM</a:t>
+            </a:r>
+          </a:p>
+          <a:p>
+            <a:pPr lvl="1" eaLnBrk="1" hangingPunct="1"/>
+            <a:r>
+              <a:rPr lang="en-US" smtClean="0"/>
+              <a:t>32K L1 Cache</a:t>
             </a:r>
           </a:p>
         </p:txBody>
@@ -5290,7 +4914,7 @@
       </p:grpSpPr>
       <p:sp>
         <p:nvSpPr>
-          <p:cNvPr id="19458" name="Rectangle 2"/>
+          <p:cNvPr id="18434" name="Rectangle 2"/>
           <p:cNvSpPr>
             <a:spLocks noGrp="1" noChangeArrowheads="1"/>
           </p:cNvSpPr>
@@ -5298,7 +4922,12 @@
             <p:ph type="title"/>
           </p:nvPr>
         </p:nvSpPr>
-        <p:spPr/>
+        <p:spPr>
+          <a:xfrm>
+            <a:off x="457200" y="274638"/>
+            <a:ext cx="8229600" cy="792162"/>
+          </a:xfrm>
+        </p:spPr>
         <p:txBody>
           <a:bodyPr/>
           <a:lstStyle/>
@@ -5306,14 +4935,14 @@
             <a:pPr eaLnBrk="1" hangingPunct="1"/>
             <a:r>
               <a:rPr lang="en-US" smtClean="0"/>
-              <a:t>Matrix Transpose</a:t>
-            </a:r>
-          </a:p>
-        </p:txBody>
-      </p:sp>
-      <p:sp>
-        <p:nvSpPr>
-          <p:cNvPr id="19459" name="Rectangle 3"/>
+              <a:t>Major Kernels</a:t>
+            </a:r>
+          </a:p>
+        </p:txBody>
+      </p:sp>
+      <p:sp>
+        <p:nvSpPr>
+          <p:cNvPr id="18435" name="Rectangle 3"/>
           <p:cNvSpPr>
             <a:spLocks noGrp="1" noChangeArrowheads="1"/>
           </p:cNvSpPr>
@@ -5321,7 +4950,12 @@
             <p:ph idx="1"/>
           </p:nvPr>
         </p:nvSpPr>
-        <p:spPr/>
+        <p:spPr>
+          <a:xfrm>
+            <a:off x="228600" y="1295400"/>
+            <a:ext cx="8686800" cy="4830763"/>
+          </a:xfrm>
+        </p:spPr>
         <p:txBody>
           <a:bodyPr/>
           <a:lstStyle/>
@@ -5329,56 +4963,21 @@
             <a:pPr eaLnBrk="1" hangingPunct="1"/>
             <a:r>
               <a:rPr lang="en-US" smtClean="0"/>
-              <a:t>The transpose is required for the following matrixes from each core:</a:t>
-            </a:r>
-          </a:p>
-          <a:p>
-            <a:pPr lvl="1" eaLnBrk="1" hangingPunct="1"/>
-            <a:r>
-              <a:rPr lang="en-US" smtClean="0"/>
-              <a:t>N1x8 -&gt; 8xN1</a:t>
-            </a:r>
-          </a:p>
-          <a:p>
-            <a:pPr lvl="1" eaLnBrk="1" hangingPunct="1"/>
-            <a:r>
-              <a:rPr lang="en-US" smtClean="0"/>
-              <a:t>N2x8 -&gt; 8xN2</a:t>
-            </a:r>
-          </a:p>
-          <a:p>
-            <a:pPr lvl="1" eaLnBrk="1" hangingPunct="1"/>
-            <a:r>
-              <a:rPr lang="en-US" smtClean="0"/>
-              <a:t>8xN2 -&gt; N2x8</a:t>
+              <a:t>FFT: single precision floating point FFT from c66x DSPLIB</a:t>
             </a:r>
           </a:p>
           <a:p>
             <a:pPr eaLnBrk="1" hangingPunct="1"/>
             <a:r>
               <a:rPr lang="en-US" smtClean="0"/>
-              <a:t>DSP computes matrix transpose from L2 SRAM</a:t>
-            </a:r>
-          </a:p>
-          <a:p>
-            <a:pPr lvl="1" eaLnBrk="1" hangingPunct="1"/>
-            <a:r>
-              <a:rPr lang="en-US" smtClean="0"/>
-              <a:t>DMA bring samples from DDR to L2 SRAM</a:t>
-            </a:r>
-          </a:p>
-          <a:p>
-            <a:pPr lvl="1" eaLnBrk="1" hangingPunct="1"/>
-            <a:r>
-              <a:rPr lang="en-US" smtClean="0"/>
-              <a:t>DSP implements transpose for matrixes in L2 SRAM</a:t>
-            </a:r>
-          </a:p>
-          <a:p>
-            <a:pPr lvl="1" eaLnBrk="1" hangingPunct="1"/>
-            <a:r>
-              <a:rPr lang="en-US" smtClean="0"/>
-              <a:t>32K L1 Cache</a:t>
+              <a:t>Global twiddle factor compute and multiplication: 1 cycle per complex sample</a:t>
+            </a:r>
+          </a:p>
+          <a:p>
+            <a:pPr eaLnBrk="1" hangingPunct="1"/>
+            <a:r>
+              <a:rPr lang="en-US" smtClean="0"/>
+              <a:t>Transpose: 1 cycle per complex sample</a:t>
             </a:r>
           </a:p>
         </p:txBody>
@@ -5410,7 +5009,7 @@
       </p:grpSpPr>
       <p:sp>
         <p:nvSpPr>
-          <p:cNvPr id="20482" name="Rectangle 2"/>
+          <p:cNvPr id="19458" name="Rectangle 2"/>
           <p:cNvSpPr>
             <a:spLocks noGrp="1" noChangeArrowheads="1"/>
           </p:cNvSpPr>
@@ -5418,12 +5017,7 @@
             <p:ph type="title"/>
           </p:nvPr>
         </p:nvSpPr>
-        <p:spPr>
-          <a:xfrm>
-            <a:off x="457200" y="274638"/>
-            <a:ext cx="8229600" cy="792162"/>
-          </a:xfrm>
-        </p:spPr>
+        <p:spPr/>
         <p:txBody>
           <a:bodyPr/>
           <a:lstStyle/>
@@ -5431,14 +5025,14 @@
             <a:pPr eaLnBrk="1" hangingPunct="1"/>
             <a:r>
               <a:rPr lang="en-US" smtClean="0"/>
-              <a:t>Major Kernels</a:t>
-            </a:r>
-          </a:p>
-        </p:txBody>
-      </p:sp>
-      <p:sp>
-        <p:nvSpPr>
-          <p:cNvPr id="20483" name="Rectangle 3"/>
+              <a:t>Major Software Tools</a:t>
+            </a:r>
+          </a:p>
+        </p:txBody>
+      </p:sp>
+      <p:sp>
+        <p:nvSpPr>
+          <p:cNvPr id="19459" name="Rectangle 3"/>
           <p:cNvSpPr>
             <a:spLocks noGrp="1" noChangeArrowheads="1"/>
           </p:cNvSpPr>
@@ -5446,12 +5040,7 @@
             <p:ph idx="1"/>
           </p:nvPr>
         </p:nvSpPr>
-        <p:spPr>
-          <a:xfrm>
-            <a:off x="228600" y="1295400"/>
-            <a:ext cx="8686800" cy="4830763"/>
-          </a:xfrm>
-        </p:spPr>
+        <p:spPr/>
         <p:txBody>
           <a:bodyPr/>
           <a:lstStyle/>
@@ -5459,21 +5048,21 @@
             <a:pPr eaLnBrk="1" hangingPunct="1"/>
             <a:r>
               <a:rPr lang="en-US" smtClean="0"/>
-              <a:t>FFT: single precision floating point FFT from c66x DSPLIB</a:t>
+              <a:t>SYS BIOS 6</a:t>
             </a:r>
           </a:p>
           <a:p>
             <a:pPr eaLnBrk="1" hangingPunct="1"/>
             <a:r>
               <a:rPr lang="en-US" smtClean="0"/>
-              <a:t>Global twiddle factor compute and multiplication: 1 cycle per complex sample</a:t>
+              <a:t>CSL for EDMA configuration</a:t>
             </a:r>
           </a:p>
           <a:p>
             <a:pPr eaLnBrk="1" hangingPunct="1"/>
             <a:r>
               <a:rPr lang="en-US" smtClean="0"/>
-              <a:t>Transpose: 1 cycle per complex sample</a:t>
+              <a:t>IPC for inter-processor communication </a:t>
             </a:r>
           </a:p>
         </p:txBody>
@@ -5505,7 +5094,7 @@
       </p:grpSpPr>
       <p:sp>
         <p:nvSpPr>
-          <p:cNvPr id="21506" name="Rectangle 2"/>
+          <p:cNvPr id="20482" name="Rectangle 2"/>
           <p:cNvSpPr>
             <a:spLocks noGrp="1" noChangeArrowheads="1"/>
           </p:cNvSpPr>
@@ -5521,14 +5110,14 @@
             <a:pPr eaLnBrk="1" hangingPunct="1"/>
             <a:r>
               <a:rPr lang="en-US" smtClean="0"/>
-              <a:t>Major Software Tools</a:t>
-            </a:r>
-          </a:p>
-        </p:txBody>
-      </p:sp>
-      <p:sp>
-        <p:nvSpPr>
-          <p:cNvPr id="21507" name="Rectangle 3"/>
+              <a:t>Conclusion</a:t>
+            </a:r>
+          </a:p>
+        </p:txBody>
+      </p:sp>
+      <p:sp>
+        <p:nvSpPr>
+          <p:cNvPr id="20483" name="Rectangle 3"/>
           <p:cNvSpPr>
             <a:spLocks noGrp="1" noChangeArrowheads="1"/>
           </p:cNvSpPr>
@@ -5544,106 +5133,7 @@
             <a:pPr eaLnBrk="1" hangingPunct="1"/>
             <a:r>
               <a:rPr lang="en-US" smtClean="0"/>
-              <a:t>DSP BIOS 6</a:t>
-            </a:r>
-          </a:p>
-          <a:p>
-            <a:pPr eaLnBrk="1" hangingPunct="1"/>
-            <a:r>
-              <a:rPr lang="en-US" smtClean="0"/>
-              <a:t>CSL for EDMA configuration</a:t>
-            </a:r>
-          </a:p>
-          <a:p>
-            <a:pPr eaLnBrk="1" hangingPunct="1"/>
-            <a:r>
-              <a:rPr lang="en-US" smtClean="0"/>
-              <a:t>IPC for inter-processor communication </a:t>
-            </a:r>
-          </a:p>
-        </p:txBody>
-      </p:sp>
-    </p:spTree>
-  </p:cSld>
-  <p:clrMapOvr>
-    <a:masterClrMapping/>
-  </p:clrMapOvr>
-</p:sld>
-</file>
-
-<file path=ppt/slides/slide17.xml><?xml version="1.0" encoding="utf-8"?>
-<p:sld xmlns:a="http://schemas.openxmlformats.org/drawingml/2006/main" xmlns:r="http://schemas.openxmlformats.org/officeDocument/2006/relationships" xmlns:p="http://schemas.openxmlformats.org/presentationml/2006/main">
-  <p:cSld>
-    <p:spTree>
-      <p:nvGrpSpPr>
-        <p:cNvPr id="1" name=""/>
-        <p:cNvGrpSpPr/>
-        <p:nvPr/>
-      </p:nvGrpSpPr>
-      <p:grpSpPr>
-        <a:xfrm>
-          <a:off x="0" y="0"/>
-          <a:ext cx="0" cy="0"/>
-          <a:chOff x="0" y="0"/>
-          <a:chExt cx="0" cy="0"/>
-        </a:xfrm>
-      </p:grpSpPr>
-      <p:sp>
-        <p:nvSpPr>
-          <p:cNvPr id="22530" name="Rectangle 2"/>
-          <p:cNvSpPr>
-            <a:spLocks noGrp="1" noChangeArrowheads="1"/>
-          </p:cNvSpPr>
-          <p:nvPr>
-            <p:ph type="title"/>
-          </p:nvPr>
-        </p:nvSpPr>
-        <p:spPr/>
-        <p:txBody>
-          <a:bodyPr/>
-          <a:lstStyle/>
-          <a:p>
-            <a:pPr eaLnBrk="1" hangingPunct="1"/>
-            <a:r>
-              <a:rPr lang="en-US" smtClean="0"/>
-              <a:t>Conclusion</a:t>
-            </a:r>
-          </a:p>
-        </p:txBody>
-      </p:sp>
-      <p:sp>
-        <p:nvSpPr>
-          <p:cNvPr id="22531" name="Rectangle 3"/>
-          <p:cNvSpPr>
-            <a:spLocks noGrp="1" noChangeArrowheads="1"/>
-          </p:cNvSpPr>
-          <p:nvPr>
-            <p:ph idx="1"/>
-          </p:nvPr>
-        </p:nvSpPr>
-        <p:spPr/>
-        <p:txBody>
-          <a:bodyPr/>
-          <a:lstStyle/>
-          <a:p>
-            <a:pPr eaLnBrk="1" hangingPunct="1"/>
-            <a:r>
-              <a:rPr lang="en-US" smtClean="0"/>
-              <a:t>DDR I/O bandwidth limits 8-core VLFFT performance on KeyStone</a:t>
-            </a:r>
-          </a:p>
-          <a:p>
-            <a:pPr eaLnBrk="1" hangingPunct="1"/>
-            <a:r>
-              <a:rPr lang="en-US" smtClean="0"/>
-              <a:t>Need better design for matrix transpose</a:t>
-            </a:r>
-          </a:p>
-          <a:p>
-            <a:pPr eaLnBrk="1" hangingPunct="1"/>
-            <a:r>
-              <a:rPr lang="en-US" smtClean="0"/>
-              <a:t>Different parallelization of DFT may produce better performance.  Potentially reduce 1 transpose.</a:t>
+              <a:t>After the demo</a:t>
             </a:r>
           </a:p>
         </p:txBody>
@@ -5675,7 +5165,7 @@
       </p:grpSpPr>
       <p:sp>
         <p:nvSpPr>
-          <p:cNvPr id="12290" name="Rectangle 2"/>
+          <p:cNvPr id="10242" name="Rectangle 2"/>
           <p:cNvSpPr>
             <a:spLocks noGrp="1" noChangeArrowheads="1"/>
           </p:cNvSpPr>
@@ -5698,7 +5188,7 @@
       </p:sp>
       <p:sp>
         <p:nvSpPr>
-          <p:cNvPr id="12291" name="Rectangle 3"/>
+          <p:cNvPr id="10243" name="Rectangle 3"/>
           <p:cNvSpPr>
             <a:spLocks noGrp="1" noChangeArrowheads="1"/>
           </p:cNvSpPr>
@@ -5760,7 +5250,7 @@
       </p:grpSpPr>
       <p:sp>
         <p:nvSpPr>
-          <p:cNvPr id="13314" name="Rectangle 2"/>
+          <p:cNvPr id="11266" name="Rectangle 2"/>
           <p:cNvSpPr>
             <a:spLocks noGrp="1" noChangeArrowheads="1"/>
           </p:cNvSpPr>
@@ -5783,7 +5273,7 @@
       </p:sp>
       <p:sp>
         <p:nvSpPr>
-          <p:cNvPr id="13315" name="Rectangle 3"/>
+          <p:cNvPr id="11267" name="Rectangle 3"/>
           <p:cNvSpPr>
             <a:spLocks noGrp="1" noChangeArrowheads="1"/>
           </p:cNvSpPr>
@@ -6069,7 +5559,7 @@
       </p:grpSpPr>
       <p:sp>
         <p:nvSpPr>
-          <p:cNvPr id="2051" name="Rectangle 2"/>
+          <p:cNvPr id="2055" name="Rectangle 2"/>
           <p:cNvSpPr>
             <a:spLocks noGrp="1" noChangeArrowheads="1"/>
           </p:cNvSpPr>
@@ -6092,7 +5582,7 @@
       </p:sp>
       <p:sp>
         <p:nvSpPr>
-          <p:cNvPr id="2052" name="Rectangle 3"/>
+          <p:cNvPr id="2056" name="Rectangle 3"/>
           <p:cNvSpPr>
             <a:spLocks noGrp="1" noChangeArrowheads="1"/>
           </p:cNvSpPr>
@@ -6102,7 +5592,7 @@
         </p:nvSpPr>
         <p:spPr>
           <a:xfrm>
-            <a:off x="457200" y="1600200"/>
+            <a:off x="381000" y="914400"/>
             <a:ext cx="8229600" cy="1066800"/>
           </a:xfrm>
         </p:spPr>
@@ -6128,7 +5618,7 @@
       </p:sp>
       <p:sp>
         <p:nvSpPr>
-          <p:cNvPr id="2053" name="Rectangle 5"/>
+          <p:cNvPr id="2057" name="Rectangle 5"/>
           <p:cNvSpPr>
             <a:spLocks noChangeArrowheads="1"/>
           </p:cNvSpPr>
@@ -6169,12 +5659,92 @@
           <p:nvPr/>
         </p:nvGraphicFramePr>
         <p:xfrm>
-          <a:off x="1143000" y="3276600"/>
-          <a:ext cx="6629400" cy="1219200"/>
+          <a:off x="1111250" y="2454275"/>
+          <a:ext cx="6540500" cy="1185863"/>
         </p:xfrm>
         <a:graphic>
           <a:graphicData uri="http://schemas.openxmlformats.org/presentationml/2006/ole">
-            <p:oleObj spid="_x0000_s2050" name="Equation" r:id="rId4" imgW="2844800" imgH="457200" progId="Equation.3">
+            <p:oleObj spid="_x0000_s2050" name="Equation" r:id="rId4" imgW="2806560" imgH="444240" progId="Equation.3">
+              <p:embed/>
+            </p:oleObj>
+          </a:graphicData>
+        </a:graphic>
+      </p:graphicFrame>
+      <p:graphicFrame>
+        <p:nvGraphicFramePr>
+          <p:cNvPr id="2051" name="Object 9"/>
+          <p:cNvGraphicFramePr>
+            <a:graphicFrameLocks noChangeAspect="1"/>
+          </p:cNvGraphicFramePr>
+          <p:nvPr/>
+        </p:nvGraphicFramePr>
+        <p:xfrm>
+          <a:off x="762000" y="3886200"/>
+          <a:ext cx="7010400" cy="1066800"/>
+        </p:xfrm>
+        <a:graphic>
+          <a:graphicData uri="http://schemas.openxmlformats.org/presentationml/2006/ole">
+            <p:oleObj spid="_x0000_s2051" name="Equation" r:id="rId5" imgW="3009600" imgH="457200" progId="Equation.3">
+              <p:embed/>
+            </p:oleObj>
+          </a:graphicData>
+        </a:graphic>
+      </p:graphicFrame>
+      <p:graphicFrame>
+        <p:nvGraphicFramePr>
+          <p:cNvPr id="2052" name="Object 6"/>
+          <p:cNvGraphicFramePr>
+            <a:graphicFrameLocks noChangeAspect="1"/>
+          </p:cNvGraphicFramePr>
+          <p:nvPr/>
+        </p:nvGraphicFramePr>
+        <p:xfrm>
+          <a:off x="533400" y="5257800"/>
+          <a:ext cx="5029200" cy="900113"/>
+        </p:xfrm>
+        <a:graphic>
+          <a:graphicData uri="http://schemas.openxmlformats.org/presentationml/2006/ole">
+            <p:oleObj spid="_x0000_s2052" name="Equation" r:id="rId6" imgW="2552400" imgH="457200" progId="Equation.3">
+              <p:embed/>
+            </p:oleObj>
+          </a:graphicData>
+        </a:graphic>
+      </p:graphicFrame>
+      <p:graphicFrame>
+        <p:nvGraphicFramePr>
+          <p:cNvPr id="2053" name="Object 9"/>
+          <p:cNvGraphicFramePr>
+            <a:graphicFrameLocks noChangeAspect="1"/>
+          </p:cNvGraphicFramePr>
+          <p:nvPr/>
+        </p:nvGraphicFramePr>
+        <p:xfrm>
+          <a:off x="7086600" y="1524000"/>
+          <a:ext cx="1635125" cy="968375"/>
+        </p:xfrm>
+        <a:graphic>
+          <a:graphicData uri="http://schemas.openxmlformats.org/presentationml/2006/ole">
+            <p:oleObj spid="_x0000_s2053" name="Equation" r:id="rId7" imgW="749160" imgH="444240" progId="Equation.3">
+              <p:embed/>
+            </p:oleObj>
+          </a:graphicData>
+        </a:graphic>
+      </p:graphicFrame>
+      <p:graphicFrame>
+        <p:nvGraphicFramePr>
+          <p:cNvPr id="2054" name="Object 12"/>
+          <p:cNvGraphicFramePr>
+            <a:graphicFrameLocks noChangeAspect="1"/>
+          </p:cNvGraphicFramePr>
+          <p:nvPr/>
+        </p:nvGraphicFramePr>
+        <p:xfrm>
+          <a:off x="6843713" y="5105400"/>
+          <a:ext cx="1663700" cy="968375"/>
+        </p:xfrm>
+        <a:graphic>
+          <a:graphicData uri="http://schemas.openxmlformats.org/presentationml/2006/ole">
+            <p:oleObj spid="_x0000_s2054" name="Equation" r:id="rId8" imgW="761760" imgH="444240" progId="Equation.3">
               <p:embed/>
             </p:oleObj>
           </a:graphicData>
@@ -6214,7 +5784,7 @@
       </p:grpSpPr>
       <p:sp>
         <p:nvSpPr>
-          <p:cNvPr id="3077" name="Rectangle 7"/>
+          <p:cNvPr id="3079" name="Rectangle 7"/>
           <p:cNvSpPr>
             <a:spLocks noGrp="1" noChangeArrowheads="1"/>
           </p:cNvSpPr>
@@ -6237,7 +5807,7 @@
       </p:sp>
       <p:sp>
         <p:nvSpPr>
-          <p:cNvPr id="3078" name="Rectangle 3"/>
+          <p:cNvPr id="3080" name="Rectangle 3"/>
           <p:cNvSpPr>
             <a:spLocks noGrp="1" noChangeArrowheads="1"/>
           </p:cNvSpPr>
@@ -6262,7 +5832,7 @@
             </a:pPr>
             <a:r>
               <a:rPr lang="en-US" sz="2800" smtClean="0"/>
-              <a:t>The above DFT formula can be further simplified as:</a:t>
+              <a:t>The above DFT formula can be :</a:t>
             </a:r>
           </a:p>
         </p:txBody>
@@ -6278,7 +5848,7 @@
           </p:nvPr>
         </p:nvGraphicFramePr>
         <p:xfrm>
-          <a:off x="1600200" y="4235450"/>
+          <a:off x="609600" y="3581400"/>
           <a:ext cx="5029200" cy="900113"/>
         </p:xfrm>
         <a:graphic>
@@ -6300,8 +5870,8 @@
           </p:nvPr>
         </p:nvGraphicFramePr>
         <p:xfrm>
-          <a:off x="2590800" y="5297488"/>
-          <a:ext cx="2438400" cy="941387"/>
+          <a:off x="6324600" y="4800600"/>
+          <a:ext cx="2438400" cy="941388"/>
         </p:xfrm>
         <a:graphic>
           <a:graphicData uri="http://schemas.openxmlformats.org/presentationml/2006/ole">
@@ -6313,7 +5883,7 @@
       </p:graphicFrame>
       <p:sp>
         <p:nvSpPr>
-          <p:cNvPr id="3079" name="Rectangle 5"/>
+          <p:cNvPr id="3081" name="Rectangle 5"/>
           <p:cNvSpPr>
             <a:spLocks noChangeArrowheads="1"/>
           </p:cNvSpPr>
@@ -6347,19 +5917,59 @@
       </p:sp>
       <p:graphicFrame>
         <p:nvGraphicFramePr>
-          <p:cNvPr id="3076" name="Object 4"/>
+          <p:cNvPr id="3076" name="Object 8"/>
           <p:cNvGraphicFramePr>
             <a:graphicFrameLocks noChangeAspect="1"/>
           </p:cNvGraphicFramePr>
           <p:nvPr/>
         </p:nvGraphicFramePr>
         <p:xfrm>
-          <a:off x="838200" y="2971800"/>
-          <a:ext cx="7010400" cy="1066800"/>
+          <a:off x="762000" y="4876800"/>
+          <a:ext cx="3078163" cy="876300"/>
         </p:xfrm>
         <a:graphic>
           <a:graphicData uri="http://schemas.openxmlformats.org/presentationml/2006/ole">
-            <p:oleObj spid="_x0000_s3076" name="Equation" r:id="rId6" imgW="3009600" imgH="457200" progId="Equation.3">
+            <p:oleObj spid="_x0000_s3076" name="Equation" r:id="rId6" imgW="1562040" imgH="444240" progId="Equation.3">
+              <p:embed/>
+            </p:oleObj>
+          </a:graphicData>
+        </a:graphic>
+      </p:graphicFrame>
+      <p:graphicFrame>
+        <p:nvGraphicFramePr>
+          <p:cNvPr id="3077" name="Object 9"/>
+          <p:cNvGraphicFramePr>
+            <a:graphicFrameLocks noChangeAspect="1"/>
+          </p:cNvGraphicFramePr>
+          <p:nvPr/>
+        </p:nvGraphicFramePr>
+        <p:xfrm>
+          <a:off x="685800" y="2743200"/>
+          <a:ext cx="5029200" cy="900113"/>
+        </p:xfrm>
+        <a:graphic>
+          <a:graphicData uri="http://schemas.openxmlformats.org/presentationml/2006/ole">
+            <p:oleObj spid="_x0000_s3077" name="Equation" r:id="rId7" imgW="2552400" imgH="457200" progId="Equation.3">
+              <p:embed/>
+            </p:oleObj>
+          </a:graphicData>
+        </a:graphic>
+      </p:graphicFrame>
+      <p:graphicFrame>
+        <p:nvGraphicFramePr>
+          <p:cNvPr id="3078" name="Object 10"/>
+          <p:cNvGraphicFramePr>
+            <a:graphicFrameLocks noChangeAspect="1"/>
+          </p:cNvGraphicFramePr>
+          <p:nvPr/>
+        </p:nvGraphicFramePr>
+        <p:xfrm>
+          <a:off x="706438" y="2076450"/>
+          <a:ext cx="1776412" cy="571500"/>
+        </p:xfrm>
+        <a:graphic>
+          <a:graphicData uri="http://schemas.openxmlformats.org/presentationml/2006/ole">
+            <p:oleObj spid="_x0000_s3078" name="Equation" r:id="rId8" imgW="672840" imgH="152280" progId="Equation.3">
               <p:embed/>
             </p:oleObj>
           </a:graphicData>
@@ -6399,7 +6009,7 @@
       </p:grpSpPr>
       <p:sp>
         <p:nvSpPr>
-          <p:cNvPr id="4100" name="Rectangle 7"/>
+          <p:cNvPr id="12290" name="Rectangle 2"/>
           <p:cNvSpPr>
             <a:spLocks noGrp="1" noChangeArrowheads="1"/>
           </p:cNvSpPr>
@@ -6422,116 +6032,107 @@
       </p:sp>
       <p:sp>
         <p:nvSpPr>
-          <p:cNvPr id="4101" name="Rectangle 3"/>
+          <p:cNvPr id="12291" name="Rectangle 3"/>
           <p:cNvSpPr>
             <a:spLocks noGrp="1" noChangeArrowheads="1"/>
           </p:cNvSpPr>
           <p:nvPr>
-            <p:ph type="body" sz="half" idx="1"/>
+            <p:ph idx="1"/>
           </p:nvPr>
         </p:nvSpPr>
         <p:spPr>
           <a:xfrm>
-            <a:off x="457200" y="1447800"/>
-            <a:ext cx="8153400" cy="1066800"/>
+            <a:off x="304800" y="1600200"/>
+            <a:ext cx="8686800" cy="4953000"/>
           </a:xfrm>
         </p:spPr>
         <p:txBody>
           <a:bodyPr/>
           <a:lstStyle/>
           <a:p>
-            <a:pPr eaLnBrk="1" hangingPunct="1"/>
-            <a:r>
-              <a:rPr lang="en-US" sz="2800" b="1" smtClean="0"/>
-              <a:t>Here DFT</a:t>
-            </a:r>
-            <a:r>
-              <a:rPr lang="en-US" sz="2800" b="1" baseline="-25000" smtClean="0"/>
-              <a:t>N1</a:t>
-            </a:r>
-            <a:r>
-              <a:rPr lang="en-US" sz="2800" b="1" smtClean="0"/>
-              <a:t>(k1,n2) is defined as:</a:t>
-            </a:r>
-          </a:p>
-        </p:txBody>
-      </p:sp>
-      <p:graphicFrame>
-        <p:nvGraphicFramePr>
-          <p:cNvPr id="4098" name="Object 6"/>
-          <p:cNvGraphicFramePr>
-            <a:graphicFrameLocks noChangeAspect="1"/>
-          </p:cNvGraphicFramePr>
-          <p:nvPr>
-            <p:ph sz="half" idx="2"/>
-          </p:nvPr>
-        </p:nvGraphicFramePr>
-        <p:xfrm>
-          <a:off x="3163888" y="4267200"/>
-          <a:ext cx="5100637" cy="533400"/>
-        </p:xfrm>
-        <a:graphic>
-          <a:graphicData uri="http://schemas.openxmlformats.org/presentationml/2006/ole">
-            <p:oleObj spid="_x0000_s4098" name="Equation" r:id="rId4" imgW="1942920" imgH="203040" progId="Equation.3">
-              <p:embed/>
-            </p:oleObj>
-          </a:graphicData>
-        </a:graphic>
-      </p:graphicFrame>
-      <p:sp>
-        <p:nvSpPr>
-          <p:cNvPr id="4102" name="Rectangle 5"/>
-          <p:cNvSpPr>
-            <a:spLocks noChangeArrowheads="1"/>
-          </p:cNvSpPr>
-          <p:nvPr/>
-        </p:nvSpPr>
-        <p:spPr bwMode="auto">
-          <a:xfrm>
-            <a:off x="0" y="3200400"/>
-            <a:ext cx="9144000" cy="0"/>
-          </a:xfrm>
-          <a:prstGeom prst="rect">
-            <a:avLst/>
-          </a:prstGeom>
-          <a:noFill/>
-          <a:ln w="9525">
-            <a:noFill/>
-            <a:miter lim="800000"/>
-            <a:headEnd/>
-            <a:tailEnd/>
-          </a:ln>
-        </p:spPr>
-        <p:txBody>
-          <a:bodyPr wrap="none" anchor="ctr">
-            <a:spAutoFit/>
-          </a:bodyPr>
-          <a:lstStyle/>
-          <a:p>
-            <a:endParaRPr lang="en-US"/>
-          </a:p>
-        </p:txBody>
-      </p:sp>
-      <p:graphicFrame>
-        <p:nvGraphicFramePr>
-          <p:cNvPr id="4099" name="Object 4"/>
-          <p:cNvGraphicFramePr>
-            <a:graphicFrameLocks noChangeAspect="1"/>
-          </p:cNvGraphicFramePr>
-          <p:nvPr/>
-        </p:nvGraphicFramePr>
-        <p:xfrm>
-          <a:off x="735013" y="2667000"/>
-          <a:ext cx="7292975" cy="1219200"/>
-        </p:xfrm>
-        <a:graphic>
-          <a:graphicData uri="http://schemas.openxmlformats.org/presentationml/2006/ole">
-            <p:oleObj spid="_x0000_s4099" name="Equation" r:id="rId5" imgW="2692080" imgH="457200" progId="Equation.3">
-              <p:embed/>
-            </p:oleObj>
-          </a:graphicData>
-        </a:graphic>
-      </p:graphicFrame>
+            <a:pPr marL="609600" indent="-609600" eaLnBrk="1" hangingPunct="1"/>
+            <a:r>
+              <a:rPr lang="en-US" b="1" smtClean="0"/>
+              <a:t>A vary large DFT of size </a:t>
+            </a:r>
+            <a:r>
+              <a:rPr lang="en-US" b="1" i="1" smtClean="0"/>
+              <a:t>N=N1*N2</a:t>
+            </a:r>
+            <a:r>
+              <a:rPr lang="en-US" b="1" smtClean="0"/>
+              <a:t> can be computed in the following steps:</a:t>
+            </a:r>
+          </a:p>
+          <a:p>
+            <a:pPr marL="609600" indent="-609600" eaLnBrk="1" hangingPunct="1">
+              <a:buFontTx/>
+              <a:buNone/>
+            </a:pPr>
+            <a:endParaRPr lang="en-US" sz="800" b="1" smtClean="0"/>
+          </a:p>
+          <a:p>
+            <a:pPr marL="990600" lvl="1" indent="-533400" eaLnBrk="1" hangingPunct="1">
+              <a:buFontTx/>
+              <a:buAutoNum type="arabicParenR"/>
+            </a:pPr>
+            <a:r>
+              <a:rPr lang="en-US" smtClean="0"/>
+              <a:t>Formulate input into N1xN2 matrix</a:t>
+            </a:r>
+          </a:p>
+          <a:p>
+            <a:pPr marL="990600" lvl="1" indent="-533400" eaLnBrk="1" hangingPunct="1">
+              <a:buFontTx/>
+              <a:buAutoNum type="arabicParenR"/>
+            </a:pPr>
+            <a:r>
+              <a:rPr lang="en-US" smtClean="0"/>
+              <a:t>Matrix transpose: N1xN2 -&gt; N2xN1</a:t>
+            </a:r>
+          </a:p>
+          <a:p>
+            <a:pPr marL="990600" lvl="1" indent="-533400" eaLnBrk="1" hangingPunct="1">
+              <a:buFontTx/>
+              <a:buAutoNum type="arabicParenR"/>
+            </a:pPr>
+            <a:r>
+              <a:rPr lang="en-US" smtClean="0"/>
+              <a:t>Compute N2 FFTs and multiply twiddle factors.  Each FFT is N1 size.</a:t>
+            </a:r>
+          </a:p>
+          <a:p>
+            <a:pPr marL="990600" lvl="1" indent="-533400" eaLnBrk="1" hangingPunct="1">
+              <a:buFontTx/>
+              <a:buAutoNum type="arabicParenR"/>
+            </a:pPr>
+            <a:r>
+              <a:rPr lang="en-US" smtClean="0"/>
+              <a:t>Matrix transpose: N2xN1 -&gt; N1xN2</a:t>
+            </a:r>
+          </a:p>
+          <a:p>
+            <a:pPr marL="990600" lvl="1" indent="-533400" eaLnBrk="1" hangingPunct="1">
+              <a:buFontTx/>
+              <a:buAutoNum type="arabicParenR"/>
+            </a:pPr>
+            <a:r>
+              <a:rPr lang="en-US" smtClean="0"/>
+              <a:t>Compute N1 FFTs. Each is N2 size.</a:t>
+            </a:r>
+          </a:p>
+          <a:p>
+            <a:pPr marL="990600" lvl="1" indent="-533400" eaLnBrk="1" hangingPunct="1">
+              <a:buFontTx/>
+              <a:buAutoNum type="arabicParenR"/>
+            </a:pPr>
+            <a:r>
+              <a:rPr lang="en-US" smtClean="0"/>
+              <a:t>Matrix transpose: N1xN2 -&gt; N2xN1</a:t>
+            </a:r>
+          </a:p>
+        </p:txBody>
+      </p:sp>
     </p:spTree>
   </p:cSld>
   <p:clrMapOvr>
@@ -6566,7 +6167,7 @@
       </p:grpSpPr>
       <p:sp>
         <p:nvSpPr>
-          <p:cNvPr id="14338" name="Rectangle 2"/>
+          <p:cNvPr id="13314" name="Rectangle 2"/>
           <p:cNvSpPr>
             <a:spLocks noGrp="1" noChangeArrowheads="1"/>
           </p:cNvSpPr>
@@ -6581,15 +6182,15 @@
           <a:p>
             <a:pPr eaLnBrk="1" hangingPunct="1"/>
             <a:r>
-              <a:rPr lang="en-US" b="1" smtClean="0"/>
-              <a:t>Algorithm for Very Large DFT</a:t>
-            </a:r>
-          </a:p>
-        </p:txBody>
-      </p:sp>
-      <p:sp>
-        <p:nvSpPr>
-          <p:cNvPr id="14339" name="Rectangle 3"/>
+              <a:rPr lang="en-US" sz="4000" smtClean="0"/>
+              <a:t>Implementing VLFFT on Multiple Cores</a:t>
+            </a:r>
+          </a:p>
+        </p:txBody>
+      </p:sp>
+      <p:sp>
+        <p:nvSpPr>
+          <p:cNvPr id="13315" name="Rectangle 3"/>
           <p:cNvSpPr>
             <a:spLocks noGrp="1" noChangeArrowheads="1"/>
           </p:cNvSpPr>
@@ -6599,94 +6200,108 @@
         </p:nvSpPr>
         <p:spPr>
           <a:xfrm>
-            <a:off x="304800" y="1600200"/>
-            <a:ext cx="8686800" cy="4953000"/>
+            <a:off x="152400" y="1600200"/>
+            <a:ext cx="8839200" cy="4525963"/>
           </a:xfrm>
         </p:spPr>
         <p:txBody>
           <a:bodyPr/>
           <a:lstStyle/>
           <a:p>
-            <a:pPr marL="609600" indent="-609600" eaLnBrk="1" hangingPunct="1"/>
-            <a:r>
-              <a:rPr lang="en-US" b="1" smtClean="0"/>
-              <a:t>A vary large DFT of size </a:t>
-            </a:r>
-            <a:r>
-              <a:rPr lang="en-US" b="1" i="1" smtClean="0"/>
-              <a:t>N=N1*N2</a:t>
-            </a:r>
-            <a:r>
-              <a:rPr lang="en-US" b="1" smtClean="0"/>
-              <a:t> can be computed in the following steps:</a:t>
-            </a:r>
-          </a:p>
-          <a:p>
-            <a:pPr marL="609600" indent="-609600" eaLnBrk="1" hangingPunct="1">
+            <a:pPr eaLnBrk="1" hangingPunct="1"/>
+            <a:r>
+              <a:rPr lang="en-US" sz="2800" smtClean="0"/>
+              <a:t>Two iterations of computations</a:t>
+            </a:r>
+          </a:p>
+          <a:p>
+            <a:pPr eaLnBrk="1" hangingPunct="1"/>
+            <a:r>
+              <a:rPr lang="en-US" sz="2800" smtClean="0"/>
+              <a:t>1</a:t>
+            </a:r>
+            <a:r>
+              <a:rPr lang="en-US" sz="2800" baseline="30000" smtClean="0"/>
+              <a:t>st</a:t>
+            </a:r>
+            <a:r>
+              <a:rPr lang="en-US" sz="2800" smtClean="0"/>
+              <a:t> iteration</a:t>
+            </a:r>
+          </a:p>
+          <a:p>
+            <a:pPr lvl="1" eaLnBrk="1" hangingPunct="1"/>
+            <a:r>
+              <a:rPr lang="en-US" sz="2400" smtClean="0"/>
+              <a:t>N2 FFTs are distributed across all the cores.</a:t>
+            </a:r>
+          </a:p>
+          <a:p>
+            <a:pPr lvl="1" eaLnBrk="1" hangingPunct="1"/>
+            <a:r>
+              <a:rPr lang="en-US" sz="2400" smtClean="0"/>
+              <a:t>Each core implements matrix transpose and computes </a:t>
+            </a:r>
+            <a:r>
+              <a:rPr lang="en-US" sz="2400" b="1" smtClean="0"/>
+              <a:t>N2/numCores FFTs and multiplying twiddle factor</a:t>
+            </a:r>
+            <a:r>
+              <a:rPr lang="en-US" sz="2400" smtClean="0"/>
+              <a:t>.</a:t>
+            </a:r>
+          </a:p>
+          <a:p>
+            <a:pPr eaLnBrk="1" hangingPunct="1"/>
+            <a:r>
+              <a:rPr lang="en-US" sz="2800" smtClean="0"/>
+              <a:t>2</a:t>
+            </a:r>
+            <a:r>
+              <a:rPr lang="en-US" sz="2800" baseline="30000" smtClean="0"/>
+              <a:t>nd</a:t>
+            </a:r>
+            <a:r>
+              <a:rPr lang="en-US" sz="2800" smtClean="0"/>
+              <a:t> iteration</a:t>
+            </a:r>
+          </a:p>
+          <a:p>
+            <a:pPr lvl="1" eaLnBrk="1" hangingPunct="1"/>
+            <a:r>
+              <a:rPr lang="en-US" sz="2400" smtClean="0"/>
+              <a:t>N1 FFTs of N2 size are distributed across all the cores</a:t>
+            </a:r>
+          </a:p>
+          <a:p>
+            <a:pPr lvl="1" eaLnBrk="1" hangingPunct="1"/>
+            <a:r>
+              <a:rPr lang="en-US" sz="2400" smtClean="0"/>
+              <a:t>Each core computes </a:t>
+            </a:r>
+            <a:r>
+              <a:rPr lang="en-US" sz="2400" b="1" smtClean="0"/>
+              <a:t>N1/numCores FFTs and </a:t>
+            </a:r>
+            <a:r>
+              <a:rPr lang="en-US" sz="2400" smtClean="0"/>
+              <a:t>implements</a:t>
+            </a:r>
+            <a:r>
+              <a:rPr lang="en-US" sz="2400" b="1" smtClean="0"/>
+              <a:t> matrix transpose before and after FFT computation</a:t>
+            </a:r>
+            <a:r>
+              <a:rPr lang="en-US" sz="2400" smtClean="0"/>
+              <a:t>.</a:t>
+            </a:r>
+          </a:p>
+          <a:p>
+            <a:pPr lvl="1" eaLnBrk="1" hangingPunct="1">
               <a:buFontTx/>
               <a:buNone/>
             </a:pPr>
-            <a:endParaRPr lang="en-US" sz="800" b="1" smtClean="0"/>
-          </a:p>
-          <a:p>
-            <a:pPr marL="990600" lvl="1" indent="-533400" eaLnBrk="1" hangingPunct="1">
-              <a:buFontTx/>
-              <a:buAutoNum type="arabicParenR"/>
-            </a:pPr>
-            <a:r>
-              <a:rPr lang="en-US" smtClean="0"/>
-              <a:t>Formulate input into N1xN2 matrix</a:t>
-            </a:r>
-          </a:p>
-          <a:p>
-            <a:pPr marL="990600" lvl="1" indent="-533400" eaLnBrk="1" hangingPunct="1">
-              <a:buFontTx/>
-              <a:buAutoNum type="arabicParenR"/>
-            </a:pPr>
-            <a:r>
-              <a:rPr lang="en-US" smtClean="0"/>
-              <a:t>Matrix transpose: N1xN2 -&gt; N2xN1</a:t>
-            </a:r>
-          </a:p>
-          <a:p>
-            <a:pPr marL="990600" lvl="1" indent="-533400" eaLnBrk="1" hangingPunct="1">
-              <a:buFontTx/>
-              <a:buAutoNum type="arabicParenR"/>
-            </a:pPr>
-            <a:r>
-              <a:rPr lang="en-US" smtClean="0"/>
-              <a:t>Compute N2 FFTs and multiply twiddle factors.  Each FFT is N1 size.</a:t>
-            </a:r>
-          </a:p>
-          <a:p>
-            <a:pPr marL="990600" lvl="1" indent="-533400" eaLnBrk="1" hangingPunct="1">
-              <a:buFontTx/>
-              <a:buAutoNum type="arabicParenR"/>
-            </a:pPr>
-            <a:r>
-              <a:rPr lang="en-US" smtClean="0"/>
-              <a:t>Matrix transpose: N2xN1 -&gt; N1xN2</a:t>
-            </a:r>
-          </a:p>
-          <a:p>
-            <a:pPr marL="990600" lvl="1" indent="-533400" eaLnBrk="1" hangingPunct="1">
-              <a:buFontTx/>
-              <a:buAutoNum type="arabicParenR"/>
-            </a:pPr>
-            <a:r>
-              <a:rPr lang="en-US" smtClean="0"/>
-              <a:t>Compute N1 FFTs. Each is N2 size.</a:t>
-            </a:r>
-          </a:p>
-          <a:p>
-            <a:pPr marL="990600" lvl="1" indent="-533400" eaLnBrk="1" hangingPunct="1">
-              <a:buFontTx/>
-              <a:buAutoNum type="arabicParenR"/>
-            </a:pPr>
-            <a:r>
-              <a:rPr lang="en-US" smtClean="0"/>
-              <a:t>Matrix transpose: N1xN2 -&gt; N2xN1</a:t>
-            </a:r>
+            <a:endParaRPr lang="en-US" sz="2400" smtClean="0"/>
           </a:p>
         </p:txBody>
       </p:sp>
@@ -6724,41 +6339,18 @@
       </p:grpSpPr>
       <p:sp>
         <p:nvSpPr>
-          <p:cNvPr id="15362" name="Rectangle 2"/>
+          <p:cNvPr id="14338" name="Rectangle 2"/>
           <p:cNvSpPr>
             <a:spLocks noGrp="1" noChangeArrowheads="1"/>
           </p:cNvSpPr>
           <p:nvPr>
             <p:ph type="title"/>
-          </p:nvPr>
-        </p:nvSpPr>
-        <p:spPr/>
-        <p:txBody>
-          <a:bodyPr/>
-          <a:lstStyle/>
-          <a:p>
-            <a:pPr eaLnBrk="1" hangingPunct="1"/>
-            <a:r>
-              <a:rPr lang="en-US" sz="4000" smtClean="0"/>
-              <a:t>Implementing VLFFT on Multiple Cores</a:t>
-            </a:r>
-          </a:p>
-        </p:txBody>
-      </p:sp>
-      <p:sp>
-        <p:nvSpPr>
-          <p:cNvPr id="15363" name="Rectangle 3"/>
-          <p:cNvSpPr>
-            <a:spLocks noGrp="1" noChangeArrowheads="1"/>
-          </p:cNvSpPr>
-          <p:nvPr>
-            <p:ph idx="1"/>
           </p:nvPr>
         </p:nvSpPr>
         <p:spPr>
           <a:xfrm>
-            <a:off x="152400" y="1600200"/>
-            <a:ext cx="8839200" cy="4525963"/>
+            <a:off x="457200" y="274638"/>
+            <a:ext cx="8229600" cy="715962"/>
           </a:xfrm>
         </p:spPr>
         <p:txBody>
@@ -6767,98 +6359,86 @@
           <a:p>
             <a:pPr eaLnBrk="1" hangingPunct="1"/>
             <a:r>
-              <a:rPr lang="en-US" sz="2800" smtClean="0"/>
-              <a:t>Two iterations of computations</a:t>
-            </a:r>
-          </a:p>
+              <a:rPr lang="en-US" sz="4000" b="1" smtClean="0"/>
+              <a:t>Data Buffers</a:t>
+            </a:r>
+          </a:p>
+        </p:txBody>
+      </p:sp>
+      <p:sp>
+        <p:nvSpPr>
+          <p:cNvPr id="14339" name="Rectangle 3"/>
+          <p:cNvSpPr>
+            <a:spLocks noGrp="1" noChangeArrowheads="1"/>
+          </p:cNvSpPr>
+          <p:nvPr>
+            <p:ph idx="1"/>
+          </p:nvPr>
+        </p:nvSpPr>
+        <p:spPr>
+          <a:xfrm>
+            <a:off x="152400" y="1219200"/>
+            <a:ext cx="8915400" cy="4906963"/>
+          </a:xfrm>
+        </p:spPr>
+        <p:txBody>
+          <a:bodyPr/>
+          <a:lstStyle/>
           <a:p>
             <a:pPr eaLnBrk="1" hangingPunct="1"/>
             <a:r>
-              <a:rPr lang="en-US" sz="2800" smtClean="0"/>
-              <a:t>1</a:t>
-            </a:r>
-            <a:r>
-              <a:rPr lang="en-US" sz="2800" baseline="30000" smtClean="0"/>
-              <a:t>st</a:t>
-            </a:r>
-            <a:r>
-              <a:rPr lang="en-US" sz="2800" smtClean="0"/>
-              <a:t> iteration</a:t>
+              <a:rPr lang="en-US" b="1" smtClean="0"/>
+              <a:t>DDR3: Three float complex arrays of size N</a:t>
             </a:r>
           </a:p>
           <a:p>
             <a:pPr lvl="1" eaLnBrk="1" hangingPunct="1"/>
             <a:r>
-              <a:rPr lang="en-US" sz="2400" smtClean="0"/>
-              <a:t>N2 FFTs are distributed across all the cores.</a:t>
+              <a:rPr lang="en-US" smtClean="0"/>
+              <a:t> Input buffer, output buffer, working buffer</a:t>
+            </a:r>
+          </a:p>
+          <a:p>
+            <a:pPr eaLnBrk="1" hangingPunct="1"/>
+            <a:r>
+              <a:rPr lang="en-US" b="1" smtClean="0"/>
+              <a:t>L2 SRAM: </a:t>
             </a:r>
           </a:p>
           <a:p>
             <a:pPr lvl="1" eaLnBrk="1" hangingPunct="1"/>
             <a:r>
-              <a:rPr lang="en-US" sz="2400" smtClean="0"/>
-              <a:t>Each core implements matrix transpose and computes </a:t>
-            </a:r>
-            <a:r>
-              <a:rPr lang="en-US" sz="2400" b="1" smtClean="0"/>
-              <a:t>N2/numCores FFTs and multiplying twiddle factor</a:t>
-            </a:r>
-            <a:r>
-              <a:rPr lang="en-US" sz="2400" smtClean="0"/>
-              <a:t>.</a:t>
-            </a:r>
-          </a:p>
-          <a:p>
-            <a:pPr eaLnBrk="1" hangingPunct="1"/>
-            <a:r>
-              <a:rPr lang="en-US" sz="2800" smtClean="0"/>
-              <a:t>2</a:t>
-            </a:r>
-            <a:r>
-              <a:rPr lang="en-US" sz="2800" baseline="30000" smtClean="0"/>
-              <a:t>nd</a:t>
-            </a:r>
-            <a:r>
-              <a:rPr lang="en-US" sz="2800" smtClean="0"/>
-              <a:t> iteration</a:t>
+              <a:rPr lang="en-US" smtClean="0"/>
+              <a:t>Two ping-pong buffers, each buffer is the size of 16 FFT input/output</a:t>
             </a:r>
           </a:p>
           <a:p>
             <a:pPr lvl="1" eaLnBrk="1" hangingPunct="1"/>
             <a:r>
-              <a:rPr lang="en-US" sz="2400" smtClean="0"/>
-              <a:t>N1 FFTs of N2 size are distributed across all the cores</a:t>
+              <a:rPr lang="en-US" smtClean="0"/>
+              <a:t>Some working buffer</a:t>
             </a:r>
           </a:p>
           <a:p>
             <a:pPr lvl="1" eaLnBrk="1" hangingPunct="1"/>
             <a:r>
-              <a:rPr lang="en-US" sz="2400" smtClean="0"/>
-              <a:t>Each core computes </a:t>
-            </a:r>
-            <a:r>
-              <a:rPr lang="en-US" sz="2400" b="1" smtClean="0"/>
-              <a:t>N1/numCores FFTs and </a:t>
-            </a:r>
-            <a:r>
-              <a:rPr lang="en-US" sz="2400" smtClean="0"/>
-              <a:t>implements</a:t>
-            </a:r>
-            <a:r>
-              <a:rPr lang="en-US" sz="2400" b="1" smtClean="0"/>
-              <a:t> matrix transpose before and after FFT computation</a:t>
-            </a:r>
-            <a:r>
-              <a:rPr lang="en-US" sz="2400" smtClean="0"/>
-              <a:t>.</a:t>
-            </a:r>
-          </a:p>
-          <a:p>
-            <a:pPr lvl="1" eaLnBrk="1" hangingPunct="1">
-              <a:buFontTx/>
-              <a:buNone/>
-            </a:pPr>
-            <a:endParaRPr lang="en-US" sz="2400" smtClean="0"/>
+              <a:rPr lang="en-US" smtClean="0"/>
+              <a:t>Buffers for twiddle factors</a:t>
+            </a:r>
+          </a:p>
+          <a:p>
+            <a:pPr lvl="2" eaLnBrk="1" hangingPunct="1"/>
+            <a:r>
+              <a:rPr lang="en-US" smtClean="0"/>
+              <a:t>Twiddle factors for N1 and N2 FFT</a:t>
+            </a:r>
+          </a:p>
+          <a:p>
+            <a:pPr lvl="2" eaLnBrk="1" hangingPunct="1"/>
+            <a:r>
+              <a:rPr lang="en-US" smtClean="0"/>
+              <a:t>N2 global twiddle factors</a:t>
+            </a:r>
           </a:p>
         </p:txBody>
       </p:sp>

--- a/slides/VLFFT Overview.pptx
+++ b/slides/VLFFT Overview.pptx
@@ -247,12 +247,12 @@
             <a:pPr>
               <a:defRPr/>
             </a:pPr>
-            <a:fld id="{939F64C7-C7F9-4FE2-86CD-5BD978EEA042}" type="datetimeFigureOut">
+            <a:fld id="{4E6B8D2A-0944-450A-99A7-2E86C501F8C5}" type="datetimeFigureOut">
               <a:rPr lang="en-US"/>
               <a:pPr>
                 <a:defRPr/>
               </a:pPr>
-              <a:t>3/7/2012</a:t>
+              <a:t>3/21/2012</a:t>
             </a:fld>
             <a:endParaRPr lang="en-US"/>
           </a:p>
@@ -322,7 +322,7 @@
             <a:pPr>
               <a:defRPr/>
             </a:pPr>
-            <a:fld id="{2933DDFA-9C3C-47C7-BD1E-45B995DD9665}" type="slidenum">
+            <a:fld id="{5AD4BE7B-C15B-44ED-BFA5-B93BFC0C7D1D}" type="slidenum">
               <a:rPr lang="en-US"/>
               <a:pPr>
                 <a:defRPr/>
@@ -419,9 +419,9 @@
             </a:lvl1pPr>
           </a:lstStyle>
           <a:p>
-            <a:fld id="{7A70C1D7-870E-45D1-87B9-C1147E59A25C}" type="datetimeFigureOut">
-              <a:rPr lang="en-US" smtClean="0"/>
-              <a:t>3/7/2012</a:t>
+            <a:fld id="{E42E5037-1901-49FC-BCB2-3D92051C45D0}" type="datetimeFigureOut">
+              <a:rPr lang="en-US" smtClean="0"/>
+              <a:t>3/21/2012</a:t>
             </a:fld>
             <a:endParaRPr lang="en-US"/>
           </a:p>
@@ -580,7 +580,7 @@
             </a:lvl1pPr>
           </a:lstStyle>
           <a:p>
-            <a:fld id="{4A0AD454-2AAF-4C72-9254-0D0C1695E670}" type="slidenum">
+            <a:fld id="{69C6E453-8781-4563-80C8-CB16BA46741E}" type="slidenum">
               <a:rPr lang="en-US" smtClean="0"/>
               <a:t>‹#›</a:t>
             </a:fld>
@@ -751,7 +751,7 @@
           <a:bodyPr/>
           <a:lstStyle/>
           <a:p>
-            <a:fld id="{4A0AD454-2AAF-4C72-9254-0D0C1695E670}" type="slidenum">
+            <a:fld id="{69C6E453-8781-4563-80C8-CB16BA46741E}" type="slidenum">
               <a:rPr lang="en-US" smtClean="0"/>
               <a:t>1</a:t>
             </a:fld>
@@ -832,7 +832,7 @@
           <a:bodyPr/>
           <a:lstStyle/>
           <a:p>
-            <a:fld id="{4A0AD454-2AAF-4C72-9254-0D0C1695E670}" type="slidenum">
+            <a:fld id="{69C6E453-8781-4563-80C8-CB16BA46741E}" type="slidenum">
               <a:rPr lang="en-US" smtClean="0"/>
               <a:t>10</a:t>
             </a:fld>
@@ -913,7 +913,7 @@
           <a:bodyPr/>
           <a:lstStyle/>
           <a:p>
-            <a:fld id="{4A0AD454-2AAF-4C72-9254-0D0C1695E670}" type="slidenum">
+            <a:fld id="{69C6E453-8781-4563-80C8-CB16BA46741E}" type="slidenum">
               <a:rPr lang="en-US" smtClean="0"/>
               <a:t>11</a:t>
             </a:fld>
@@ -994,7 +994,7 @@
           <a:bodyPr/>
           <a:lstStyle/>
           <a:p>
-            <a:fld id="{4A0AD454-2AAF-4C72-9254-0D0C1695E670}" type="slidenum">
+            <a:fld id="{69C6E453-8781-4563-80C8-CB16BA46741E}" type="slidenum">
               <a:rPr lang="en-US" smtClean="0"/>
               <a:t>12</a:t>
             </a:fld>
@@ -1075,7 +1075,7 @@
           <a:bodyPr/>
           <a:lstStyle/>
           <a:p>
-            <a:fld id="{4A0AD454-2AAF-4C72-9254-0D0C1695E670}" type="slidenum">
+            <a:fld id="{69C6E453-8781-4563-80C8-CB16BA46741E}" type="slidenum">
               <a:rPr lang="en-US" smtClean="0"/>
               <a:t>13</a:t>
             </a:fld>
@@ -1156,7 +1156,7 @@
           <a:bodyPr/>
           <a:lstStyle/>
           <a:p>
-            <a:fld id="{4A0AD454-2AAF-4C72-9254-0D0C1695E670}" type="slidenum">
+            <a:fld id="{69C6E453-8781-4563-80C8-CB16BA46741E}" type="slidenum">
               <a:rPr lang="en-US" smtClean="0"/>
               <a:t>14</a:t>
             </a:fld>
@@ -1237,7 +1237,7 @@
           <a:bodyPr/>
           <a:lstStyle/>
           <a:p>
-            <a:fld id="{4A0AD454-2AAF-4C72-9254-0D0C1695E670}" type="slidenum">
+            <a:fld id="{69C6E453-8781-4563-80C8-CB16BA46741E}" type="slidenum">
               <a:rPr lang="en-US" smtClean="0"/>
               <a:t>15</a:t>
             </a:fld>
@@ -1318,7 +1318,7 @@
           <a:bodyPr/>
           <a:lstStyle/>
           <a:p>
-            <a:fld id="{4A0AD454-2AAF-4C72-9254-0D0C1695E670}" type="slidenum">
+            <a:fld id="{69C6E453-8781-4563-80C8-CB16BA46741E}" type="slidenum">
               <a:rPr lang="en-US" smtClean="0"/>
               <a:t>16</a:t>
             </a:fld>
@@ -1399,7 +1399,7 @@
           <a:bodyPr/>
           <a:lstStyle/>
           <a:p>
-            <a:fld id="{4A0AD454-2AAF-4C72-9254-0D0C1695E670}" type="slidenum">
+            <a:fld id="{69C6E453-8781-4563-80C8-CB16BA46741E}" type="slidenum">
               <a:rPr lang="en-US" smtClean="0"/>
               <a:t>2</a:t>
             </a:fld>
@@ -1480,7 +1480,7 @@
           <a:bodyPr/>
           <a:lstStyle/>
           <a:p>
-            <a:fld id="{4A0AD454-2AAF-4C72-9254-0D0C1695E670}" type="slidenum">
+            <a:fld id="{69C6E453-8781-4563-80C8-CB16BA46741E}" type="slidenum">
               <a:rPr lang="en-US" smtClean="0"/>
               <a:t>3</a:t>
             </a:fld>
@@ -1561,7 +1561,7 @@
           <a:bodyPr/>
           <a:lstStyle/>
           <a:p>
-            <a:fld id="{4A0AD454-2AAF-4C72-9254-0D0C1695E670}" type="slidenum">
+            <a:fld id="{69C6E453-8781-4563-80C8-CB16BA46741E}" type="slidenum">
               <a:rPr lang="en-US" smtClean="0"/>
               <a:t>4</a:t>
             </a:fld>
@@ -1642,7 +1642,7 @@
           <a:bodyPr/>
           <a:lstStyle/>
           <a:p>
-            <a:fld id="{4A0AD454-2AAF-4C72-9254-0D0C1695E670}" type="slidenum">
+            <a:fld id="{69C6E453-8781-4563-80C8-CB16BA46741E}" type="slidenum">
               <a:rPr lang="en-US" smtClean="0"/>
               <a:t>5</a:t>
             </a:fld>
@@ -1723,7 +1723,7 @@
           <a:bodyPr/>
           <a:lstStyle/>
           <a:p>
-            <a:fld id="{4A0AD454-2AAF-4C72-9254-0D0C1695E670}" type="slidenum">
+            <a:fld id="{69C6E453-8781-4563-80C8-CB16BA46741E}" type="slidenum">
               <a:rPr lang="en-US" smtClean="0"/>
               <a:t>6</a:t>
             </a:fld>
@@ -1804,7 +1804,7 @@
           <a:bodyPr/>
           <a:lstStyle/>
           <a:p>
-            <a:fld id="{4A0AD454-2AAF-4C72-9254-0D0C1695E670}" type="slidenum">
+            <a:fld id="{69C6E453-8781-4563-80C8-CB16BA46741E}" type="slidenum">
               <a:rPr lang="en-US" smtClean="0"/>
               <a:t>7</a:t>
             </a:fld>
@@ -1885,7 +1885,7 @@
           <a:bodyPr/>
           <a:lstStyle/>
           <a:p>
-            <a:fld id="{4A0AD454-2AAF-4C72-9254-0D0C1695E670}" type="slidenum">
+            <a:fld id="{69C6E453-8781-4563-80C8-CB16BA46741E}" type="slidenum">
               <a:rPr lang="en-US" smtClean="0"/>
               <a:t>8</a:t>
             </a:fld>
@@ -1966,7 +1966,7 @@
           <a:bodyPr/>
           <a:lstStyle/>
           <a:p>
-            <a:fld id="{4A0AD454-2AAF-4C72-9254-0D0C1695E670}" type="slidenum">
+            <a:fld id="{69C6E453-8781-4563-80C8-CB16BA46741E}" type="slidenum">
               <a:rPr lang="en-US" smtClean="0"/>
               <a:t>9</a:t>
             </a:fld>
@@ -2344,7 +2344,7 @@
             <a:pPr>
               <a:defRPr/>
             </a:pPr>
-            <a:fld id="{34D8BC47-1AB1-485A-97B3-563A6CA52485}" type="slidenum">
+            <a:fld id="{3166AB8C-FAA8-4DEF-B5BA-A42EF7438C5B}" type="slidenum">
               <a:rPr lang="en-US"/>
               <a:pPr>
                 <a:defRPr/>
@@ -2677,7 +2677,7 @@
             <a:pPr>
               <a:defRPr/>
             </a:pPr>
-            <a:fld id="{58999118-2C91-4944-A65D-E519377CA0BB}" type="slidenum">
+            <a:fld id="{040E3E76-CAAB-4C33-B4BB-C25C4EAE039D}" type="slidenum">
               <a:rPr lang="en-US"/>
               <a:pPr>
                 <a:defRPr/>
@@ -3010,7 +3010,7 @@
             <a:pPr>
               <a:defRPr/>
             </a:pPr>
-            <a:fld id="{F4E755EB-2038-4C66-B481-8931FC5E7FA2}" type="slidenum">
+            <a:fld id="{224F9F70-DE9F-471F-8F03-BFC9D8B2FC64}" type="slidenum">
               <a:rPr lang="en-US"/>
               <a:pPr>
                 <a:defRPr/>

--- a/slides/VLFFT Overview.pptx
+++ b/slides/VLFFT Overview.pptx
@@ -247,7 +247,7 @@
             <a:pPr>
               <a:defRPr/>
             </a:pPr>
-            <a:fld id="{4E6B8D2A-0944-450A-99A7-2E86C501F8C5}" type="datetimeFigureOut">
+            <a:fld id="{8E874E65-AA25-42FB-AE70-8D57C44C126F}" type="datetimeFigureOut">
               <a:rPr lang="en-US"/>
               <a:pPr>
                 <a:defRPr/>
@@ -322,7 +322,7 @@
             <a:pPr>
               <a:defRPr/>
             </a:pPr>
-            <a:fld id="{5AD4BE7B-C15B-44ED-BFA5-B93BFC0C7D1D}" type="slidenum">
+            <a:fld id="{F8B38BD9-74FA-4CB6-8D3D-B426EE2694D3}" type="slidenum">
               <a:rPr lang="en-US"/>
               <a:pPr>
                 <a:defRPr/>
@@ -419,7 +419,7 @@
             </a:lvl1pPr>
           </a:lstStyle>
           <a:p>
-            <a:fld id="{E42E5037-1901-49FC-BCB2-3D92051C45D0}" type="datetimeFigureOut">
+            <a:fld id="{779862D9-60D6-4AE6-A55B-598CBDA6829B}" type="datetimeFigureOut">
               <a:rPr lang="en-US" smtClean="0"/>
               <a:t>3/21/2012</a:t>
             </a:fld>
@@ -580,7 +580,7 @@
             </a:lvl1pPr>
           </a:lstStyle>
           <a:p>
-            <a:fld id="{69C6E453-8781-4563-80C8-CB16BA46741E}" type="slidenum">
+            <a:fld id="{EB2010C2-4C08-4395-86F9-5F2109F05CD1}" type="slidenum">
               <a:rPr lang="en-US" smtClean="0"/>
               <a:t>‹#›</a:t>
             </a:fld>
@@ -751,7 +751,7 @@
           <a:bodyPr/>
           <a:lstStyle/>
           <a:p>
-            <a:fld id="{69C6E453-8781-4563-80C8-CB16BA46741E}" type="slidenum">
+            <a:fld id="{EB2010C2-4C08-4395-86F9-5F2109F05CD1}" type="slidenum">
               <a:rPr lang="en-US" smtClean="0"/>
               <a:t>1</a:t>
             </a:fld>
@@ -832,7 +832,7 @@
           <a:bodyPr/>
           <a:lstStyle/>
           <a:p>
-            <a:fld id="{69C6E453-8781-4563-80C8-CB16BA46741E}" type="slidenum">
+            <a:fld id="{EB2010C2-4C08-4395-86F9-5F2109F05CD1}" type="slidenum">
               <a:rPr lang="en-US" smtClean="0"/>
               <a:t>10</a:t>
             </a:fld>
@@ -913,7 +913,7 @@
           <a:bodyPr/>
           <a:lstStyle/>
           <a:p>
-            <a:fld id="{69C6E453-8781-4563-80C8-CB16BA46741E}" type="slidenum">
+            <a:fld id="{EB2010C2-4C08-4395-86F9-5F2109F05CD1}" type="slidenum">
               <a:rPr lang="en-US" smtClean="0"/>
               <a:t>11</a:t>
             </a:fld>
@@ -994,7 +994,7 @@
           <a:bodyPr/>
           <a:lstStyle/>
           <a:p>
-            <a:fld id="{69C6E453-8781-4563-80C8-CB16BA46741E}" type="slidenum">
+            <a:fld id="{EB2010C2-4C08-4395-86F9-5F2109F05CD1}" type="slidenum">
               <a:rPr lang="en-US" smtClean="0"/>
               <a:t>12</a:t>
             </a:fld>
@@ -1075,7 +1075,7 @@
           <a:bodyPr/>
           <a:lstStyle/>
           <a:p>
-            <a:fld id="{69C6E453-8781-4563-80C8-CB16BA46741E}" type="slidenum">
+            <a:fld id="{EB2010C2-4C08-4395-86F9-5F2109F05CD1}" type="slidenum">
               <a:rPr lang="en-US" smtClean="0"/>
               <a:t>13</a:t>
             </a:fld>
@@ -1156,7 +1156,7 @@
           <a:bodyPr/>
           <a:lstStyle/>
           <a:p>
-            <a:fld id="{69C6E453-8781-4563-80C8-CB16BA46741E}" type="slidenum">
+            <a:fld id="{EB2010C2-4C08-4395-86F9-5F2109F05CD1}" type="slidenum">
               <a:rPr lang="en-US" smtClean="0"/>
               <a:t>14</a:t>
             </a:fld>
@@ -1237,7 +1237,7 @@
           <a:bodyPr/>
           <a:lstStyle/>
           <a:p>
-            <a:fld id="{69C6E453-8781-4563-80C8-CB16BA46741E}" type="slidenum">
+            <a:fld id="{EB2010C2-4C08-4395-86F9-5F2109F05CD1}" type="slidenum">
               <a:rPr lang="en-US" smtClean="0"/>
               <a:t>15</a:t>
             </a:fld>
@@ -1318,7 +1318,7 @@
           <a:bodyPr/>
           <a:lstStyle/>
           <a:p>
-            <a:fld id="{69C6E453-8781-4563-80C8-CB16BA46741E}" type="slidenum">
+            <a:fld id="{EB2010C2-4C08-4395-86F9-5F2109F05CD1}" type="slidenum">
               <a:rPr lang="en-US" smtClean="0"/>
               <a:t>16</a:t>
             </a:fld>
@@ -1399,7 +1399,7 @@
           <a:bodyPr/>
           <a:lstStyle/>
           <a:p>
-            <a:fld id="{69C6E453-8781-4563-80C8-CB16BA46741E}" type="slidenum">
+            <a:fld id="{EB2010C2-4C08-4395-86F9-5F2109F05CD1}" type="slidenum">
               <a:rPr lang="en-US" smtClean="0"/>
               <a:t>2</a:t>
             </a:fld>
@@ -1480,7 +1480,7 @@
           <a:bodyPr/>
           <a:lstStyle/>
           <a:p>
-            <a:fld id="{69C6E453-8781-4563-80C8-CB16BA46741E}" type="slidenum">
+            <a:fld id="{EB2010C2-4C08-4395-86F9-5F2109F05CD1}" type="slidenum">
               <a:rPr lang="en-US" smtClean="0"/>
               <a:t>3</a:t>
             </a:fld>
@@ -1561,7 +1561,7 @@
           <a:bodyPr/>
           <a:lstStyle/>
           <a:p>
-            <a:fld id="{69C6E453-8781-4563-80C8-CB16BA46741E}" type="slidenum">
+            <a:fld id="{EB2010C2-4C08-4395-86F9-5F2109F05CD1}" type="slidenum">
               <a:rPr lang="en-US" smtClean="0"/>
               <a:t>4</a:t>
             </a:fld>
@@ -1642,7 +1642,7 @@
           <a:bodyPr/>
           <a:lstStyle/>
           <a:p>
-            <a:fld id="{69C6E453-8781-4563-80C8-CB16BA46741E}" type="slidenum">
+            <a:fld id="{EB2010C2-4C08-4395-86F9-5F2109F05CD1}" type="slidenum">
               <a:rPr lang="en-US" smtClean="0"/>
               <a:t>5</a:t>
             </a:fld>
@@ -1723,7 +1723,7 @@
           <a:bodyPr/>
           <a:lstStyle/>
           <a:p>
-            <a:fld id="{69C6E453-8781-4563-80C8-CB16BA46741E}" type="slidenum">
+            <a:fld id="{EB2010C2-4C08-4395-86F9-5F2109F05CD1}" type="slidenum">
               <a:rPr lang="en-US" smtClean="0"/>
               <a:t>6</a:t>
             </a:fld>
@@ -1804,7 +1804,7 @@
           <a:bodyPr/>
           <a:lstStyle/>
           <a:p>
-            <a:fld id="{69C6E453-8781-4563-80C8-CB16BA46741E}" type="slidenum">
+            <a:fld id="{EB2010C2-4C08-4395-86F9-5F2109F05CD1}" type="slidenum">
               <a:rPr lang="en-US" smtClean="0"/>
               <a:t>7</a:t>
             </a:fld>
@@ -1885,7 +1885,7 @@
           <a:bodyPr/>
           <a:lstStyle/>
           <a:p>
-            <a:fld id="{69C6E453-8781-4563-80C8-CB16BA46741E}" type="slidenum">
+            <a:fld id="{EB2010C2-4C08-4395-86F9-5F2109F05CD1}" type="slidenum">
               <a:rPr lang="en-US" smtClean="0"/>
               <a:t>8</a:t>
             </a:fld>
@@ -1966,7 +1966,7 @@
           <a:bodyPr/>
           <a:lstStyle/>
           <a:p>
-            <a:fld id="{69C6E453-8781-4563-80C8-CB16BA46741E}" type="slidenum">
+            <a:fld id="{EB2010C2-4C08-4395-86F9-5F2109F05CD1}" type="slidenum">
               <a:rPr lang="en-US" smtClean="0"/>
               <a:t>9</a:t>
             </a:fld>
@@ -2344,7 +2344,7 @@
             <a:pPr>
               <a:defRPr/>
             </a:pPr>
-            <a:fld id="{3166AB8C-FAA8-4DEF-B5BA-A42EF7438C5B}" type="slidenum">
+            <a:fld id="{25DD559B-4910-4B0B-BF65-170A08AEE3C7}" type="slidenum">
               <a:rPr lang="en-US"/>
               <a:pPr>
                 <a:defRPr/>
@@ -2677,7 +2677,7 @@
             <a:pPr>
               <a:defRPr/>
             </a:pPr>
-            <a:fld id="{040E3E76-CAAB-4C33-B4BB-C25C4EAE039D}" type="slidenum">
+            <a:fld id="{4298991B-B212-4210-A82B-5A5181F74C77}" type="slidenum">
               <a:rPr lang="en-US"/>
               <a:pPr>
                 <a:defRPr/>
@@ -3010,7 +3010,7 @@
             <a:pPr>
               <a:defRPr/>
             </a:pPr>
-            <a:fld id="{224F9F70-DE9F-471F-8F03-BFC9D8B2FC64}" type="slidenum">
+            <a:fld id="{57DEA3B5-3C6E-4548-9853-C0301F0C5DCA}" type="slidenum">
               <a:rPr lang="en-US"/>
               <a:pPr>
                 <a:defRPr/>

--- a/slides/VLFFT Overview.pptx
+++ b/slides/VLFFT Overview.pptx
@@ -252,7 +252,7 @@
               <a:pPr>
                 <a:defRPr/>
               </a:pPr>
-              <a:t>3/21/2012</a:t>
+              <a:t>4/30/2012</a:t>
             </a:fld>
             <a:endParaRPr lang="en-US"/>
           </a:p>
@@ -421,7 +421,8 @@
           <a:p>
             <a:fld id="{779862D9-60D6-4AE6-A55B-598CBDA6829B}" type="datetimeFigureOut">
               <a:rPr lang="en-US" smtClean="0"/>
-              <a:t>3/21/2012</a:t>
+              <a:pPr/>
+              <a:t>4/30/2012</a:t>
             </a:fld>
             <a:endParaRPr lang="en-US"/>
           </a:p>
@@ -582,6 +583,7 @@
           <a:p>
             <a:fld id="{EB2010C2-4C08-4395-86F9-5F2109F05CD1}" type="slidenum">
               <a:rPr lang="en-US" smtClean="0"/>
+              <a:pPr/>
               <a:t>‹#›</a:t>
             </a:fld>
             <a:endParaRPr lang="en-US"/>
@@ -753,6 +755,7 @@
           <a:p>
             <a:fld id="{EB2010C2-4C08-4395-86F9-5F2109F05CD1}" type="slidenum">
               <a:rPr lang="en-US" smtClean="0"/>
+              <a:pPr/>
               <a:t>1</a:t>
             </a:fld>
             <a:endParaRPr lang="en-US"/>
@@ -834,6 +837,7 @@
           <a:p>
             <a:fld id="{EB2010C2-4C08-4395-86F9-5F2109F05CD1}" type="slidenum">
               <a:rPr lang="en-US" smtClean="0"/>
+              <a:pPr/>
               <a:t>10</a:t>
             </a:fld>
             <a:endParaRPr lang="en-US"/>
@@ -915,6 +919,7 @@
           <a:p>
             <a:fld id="{EB2010C2-4C08-4395-86F9-5F2109F05CD1}" type="slidenum">
               <a:rPr lang="en-US" smtClean="0"/>
+              <a:pPr/>
               <a:t>11</a:t>
             </a:fld>
             <a:endParaRPr lang="en-US"/>
@@ -996,6 +1001,7 @@
           <a:p>
             <a:fld id="{EB2010C2-4C08-4395-86F9-5F2109F05CD1}" type="slidenum">
               <a:rPr lang="en-US" smtClean="0"/>
+              <a:pPr/>
               <a:t>12</a:t>
             </a:fld>
             <a:endParaRPr lang="en-US"/>
@@ -1077,6 +1083,7 @@
           <a:p>
             <a:fld id="{EB2010C2-4C08-4395-86F9-5F2109F05CD1}" type="slidenum">
               <a:rPr lang="en-US" smtClean="0"/>
+              <a:pPr/>
               <a:t>13</a:t>
             </a:fld>
             <a:endParaRPr lang="en-US"/>
@@ -1158,6 +1165,7 @@
           <a:p>
             <a:fld id="{EB2010C2-4C08-4395-86F9-5F2109F05CD1}" type="slidenum">
               <a:rPr lang="en-US" smtClean="0"/>
+              <a:pPr/>
               <a:t>14</a:t>
             </a:fld>
             <a:endParaRPr lang="en-US"/>
@@ -1239,6 +1247,7 @@
           <a:p>
             <a:fld id="{EB2010C2-4C08-4395-86F9-5F2109F05CD1}" type="slidenum">
               <a:rPr lang="en-US" smtClean="0"/>
+              <a:pPr/>
               <a:t>15</a:t>
             </a:fld>
             <a:endParaRPr lang="en-US"/>
@@ -1320,6 +1329,7 @@
           <a:p>
             <a:fld id="{EB2010C2-4C08-4395-86F9-5F2109F05CD1}" type="slidenum">
               <a:rPr lang="en-US" smtClean="0"/>
+              <a:pPr/>
               <a:t>16</a:t>
             </a:fld>
             <a:endParaRPr lang="en-US"/>
@@ -1401,6 +1411,7 @@
           <a:p>
             <a:fld id="{EB2010C2-4C08-4395-86F9-5F2109F05CD1}" type="slidenum">
               <a:rPr lang="en-US" smtClean="0"/>
+              <a:pPr/>
               <a:t>2</a:t>
             </a:fld>
             <a:endParaRPr lang="en-US"/>
@@ -1482,6 +1493,7 @@
           <a:p>
             <a:fld id="{EB2010C2-4C08-4395-86F9-5F2109F05CD1}" type="slidenum">
               <a:rPr lang="en-US" smtClean="0"/>
+              <a:pPr/>
               <a:t>3</a:t>
             </a:fld>
             <a:endParaRPr lang="en-US"/>
@@ -1563,6 +1575,7 @@
           <a:p>
             <a:fld id="{EB2010C2-4C08-4395-86F9-5F2109F05CD1}" type="slidenum">
               <a:rPr lang="en-US" smtClean="0"/>
+              <a:pPr/>
               <a:t>4</a:t>
             </a:fld>
             <a:endParaRPr lang="en-US"/>
@@ -1644,6 +1657,7 @@
           <a:p>
             <a:fld id="{EB2010C2-4C08-4395-86F9-5F2109F05CD1}" type="slidenum">
               <a:rPr lang="en-US" smtClean="0"/>
+              <a:pPr/>
               <a:t>5</a:t>
             </a:fld>
             <a:endParaRPr lang="en-US"/>
@@ -1725,6 +1739,7 @@
           <a:p>
             <a:fld id="{EB2010C2-4C08-4395-86F9-5F2109F05CD1}" type="slidenum">
               <a:rPr lang="en-US" smtClean="0"/>
+              <a:pPr/>
               <a:t>6</a:t>
             </a:fld>
             <a:endParaRPr lang="en-US"/>
@@ -1806,6 +1821,7 @@
           <a:p>
             <a:fld id="{EB2010C2-4C08-4395-86F9-5F2109F05CD1}" type="slidenum">
               <a:rPr lang="en-US" smtClean="0"/>
+              <a:pPr/>
               <a:t>7</a:t>
             </a:fld>
             <a:endParaRPr lang="en-US"/>
@@ -1887,6 +1903,7 @@
           <a:p>
             <a:fld id="{EB2010C2-4C08-4395-86F9-5F2109F05CD1}" type="slidenum">
               <a:rPr lang="en-US" smtClean="0"/>
+              <a:pPr/>
               <a:t>8</a:t>
             </a:fld>
             <a:endParaRPr lang="en-US"/>
@@ -1968,6 +1985,7 @@
           <a:p>
             <a:fld id="{EB2010C2-4C08-4395-86F9-5F2109F05CD1}" type="slidenum">
               <a:rPr lang="en-US" smtClean="0"/>
+              <a:pPr/>
               <a:t>9</a:t>
             </a:fld>
             <a:endParaRPr lang="en-US"/>
@@ -5132,9 +5150,19 @@
           <a:p>
             <a:pPr eaLnBrk="1" hangingPunct="1"/>
             <a:r>
-              <a:rPr lang="en-US" smtClean="0"/>
-              <a:t>After the demo</a:t>
-            </a:r>
+              <a:rPr lang="en-US" dirty="0" smtClean="0"/>
+              <a:t>After the </a:t>
+            </a:r>
+            <a:r>
+              <a:rPr lang="en-US" dirty="0" smtClean="0"/>
+              <a:t>demo …</a:t>
+            </a:r>
+          </a:p>
+          <a:p>
+            <a:pPr eaLnBrk="1" hangingPunct="1">
+              <a:buNone/>
+            </a:pPr>
+            <a:endParaRPr lang="en-US" dirty="0" smtClean="0"/>
           </a:p>
         </p:txBody>
       </p:sp>
@@ -5203,21 +5231,21 @@
           <a:p>
             <a:pPr eaLnBrk="1" hangingPunct="1"/>
             <a:r>
-              <a:rPr lang="en-US" smtClean="0"/>
-              <a:t>Basic Algorithm for parallelizing DFT</a:t>
+              <a:rPr lang="en-US" dirty="0" smtClean="0"/>
+              <a:t>Basic Algorithm for Parallelizing DFT</a:t>
             </a:r>
           </a:p>
           <a:p>
             <a:pPr eaLnBrk="1" hangingPunct="1"/>
             <a:r>
-              <a:rPr lang="en-US" smtClean="0"/>
-              <a:t>Multi-core implementation of DFT</a:t>
+              <a:rPr lang="en-US" dirty="0" smtClean="0"/>
+              <a:t>Multi-core Implementation of DFT</a:t>
             </a:r>
           </a:p>
           <a:p>
             <a:pPr eaLnBrk="1" hangingPunct="1"/>
             <a:r>
-              <a:rPr lang="en-US" smtClean="0"/>
+              <a:rPr lang="en-US" dirty="0" smtClean="0"/>
               <a:t>Review Benchmark Performance</a:t>
             </a:r>
           </a:p>

--- a/slides/VLFFT Overview.pptx
+++ b/slides/VLFFT Overview.pptx
@@ -252,7 +252,7 @@
               <a:pPr>
                 <a:defRPr/>
               </a:pPr>
-              <a:t>4/30/2012</a:t>
+              <a:t>5/15/2012</a:t>
             </a:fld>
             <a:endParaRPr lang="en-US"/>
           </a:p>
@@ -422,7 +422,7 @@
             <a:fld id="{779862D9-60D6-4AE6-A55B-598CBDA6829B}" type="datetimeFigureOut">
               <a:rPr lang="en-US" smtClean="0"/>
               <a:pPr/>
-              <a:t>4/30/2012</a:t>
+              <a:t>5/15/2012</a:t>
             </a:fld>
             <a:endParaRPr lang="en-US"/>
           </a:p>
@@ -5151,11 +5151,7 @@
             <a:pPr eaLnBrk="1" hangingPunct="1"/>
             <a:r>
               <a:rPr lang="en-US" dirty="0" smtClean="0"/>
-              <a:t>After the </a:t>
-            </a:r>
-            <a:r>
-              <a:rPr lang="en-US" dirty="0" smtClean="0"/>
-              <a:t>demo …</a:t>
+              <a:t>After the demo …</a:t>
             </a:r>
           </a:p>
           <a:p>
@@ -5867,28 +5863,6 @@
       </p:sp>
       <p:graphicFrame>
         <p:nvGraphicFramePr>
-          <p:cNvPr id="3074" name="Object 6"/>
-          <p:cNvGraphicFramePr>
-            <a:graphicFrameLocks noChangeAspect="1"/>
-          </p:cNvGraphicFramePr>
-          <p:nvPr>
-            <p:ph sz="quarter" idx="2"/>
-          </p:nvPr>
-        </p:nvGraphicFramePr>
-        <p:xfrm>
-          <a:off x="609600" y="3581400"/>
-          <a:ext cx="5029200" cy="900113"/>
-        </p:xfrm>
-        <a:graphic>
-          <a:graphicData uri="http://schemas.openxmlformats.org/presentationml/2006/ole">
-            <p:oleObj spid="_x0000_s3074" name="Equation" r:id="rId4" imgW="2552400" imgH="457200" progId="Equation.3">
-              <p:embed/>
-            </p:oleObj>
-          </a:graphicData>
-        </a:graphic>
-      </p:graphicFrame>
-      <p:graphicFrame>
-        <p:nvGraphicFramePr>
           <p:cNvPr id="3075" name="Object 9"/>
           <p:cNvGraphicFramePr>
             <a:graphicFrameLocks noChangeAspect="1"/>
@@ -5903,7 +5877,7 @@
         </p:xfrm>
         <a:graphic>
           <a:graphicData uri="http://schemas.openxmlformats.org/presentationml/2006/ole">
-            <p:oleObj spid="_x0000_s3075" name="Equation" r:id="rId5" imgW="1117440" imgH="431640" progId="Equation.3">
+            <p:oleObj spid="_x0000_s3075" name="Equation" r:id="rId4" imgW="1117440" imgH="431640" progId="Equation.3">
               <p:embed/>
             </p:oleObj>
           </a:graphicData>
@@ -5957,7 +5931,7 @@
         </p:xfrm>
         <a:graphic>
           <a:graphicData uri="http://schemas.openxmlformats.org/presentationml/2006/ole">
-            <p:oleObj spid="_x0000_s3076" name="Equation" r:id="rId6" imgW="1562040" imgH="444240" progId="Equation.3">
+            <p:oleObj spid="_x0000_s3076" name="Equation" r:id="rId5" imgW="1562040" imgH="444240" progId="Equation.3">
               <p:embed/>
             </p:oleObj>
           </a:graphicData>
@@ -5977,7 +5951,7 @@
         </p:xfrm>
         <a:graphic>
           <a:graphicData uri="http://schemas.openxmlformats.org/presentationml/2006/ole">
-            <p:oleObj spid="_x0000_s3077" name="Equation" r:id="rId7" imgW="2552400" imgH="457200" progId="Equation.3">
+            <p:oleObj spid="_x0000_s3077" name="Equation" r:id="rId6" imgW="2552400" imgH="457200" progId="Equation.3">
               <p:embed/>
             </p:oleObj>
           </a:graphicData>
@@ -5997,7 +5971,7 @@
         </p:xfrm>
         <a:graphic>
           <a:graphicData uri="http://schemas.openxmlformats.org/presentationml/2006/ole">
-            <p:oleObj spid="_x0000_s3078" name="Equation" r:id="rId8" imgW="672840" imgH="152280" progId="Equation.3">
+            <p:oleObj spid="_x0000_s3078" name="Equation" r:id="rId7" imgW="672840" imgH="152280" progId="Equation.3">
               <p:embed/>
             </p:oleObj>
           </a:graphicData>

--- a/slides/VLFFT Overview.pptx
+++ b/slides/VLFFT Overview.pptx
@@ -252,7 +252,7 @@
               <a:pPr>
                 <a:defRPr/>
               </a:pPr>
-              <a:t>5/15/2012</a:t>
+              <a:t>4/30/2012</a:t>
             </a:fld>
             <a:endParaRPr lang="en-US"/>
           </a:p>
@@ -422,7 +422,7 @@
             <a:fld id="{779862D9-60D6-4AE6-A55B-598CBDA6829B}" type="datetimeFigureOut">
               <a:rPr lang="en-US" smtClean="0"/>
               <a:pPr/>
-              <a:t>5/15/2012</a:t>
+              <a:t>4/30/2012</a:t>
             </a:fld>
             <a:endParaRPr lang="en-US"/>
           </a:p>
@@ -5151,7 +5151,11 @@
             <a:pPr eaLnBrk="1" hangingPunct="1"/>
             <a:r>
               <a:rPr lang="en-US" dirty="0" smtClean="0"/>
-              <a:t>After the demo …</a:t>
+              <a:t>After the </a:t>
+            </a:r>
+            <a:r>
+              <a:rPr lang="en-US" dirty="0" smtClean="0"/>
+              <a:t>demo …</a:t>
             </a:r>
           </a:p>
           <a:p>
@@ -5863,6 +5867,28 @@
       </p:sp>
       <p:graphicFrame>
         <p:nvGraphicFramePr>
+          <p:cNvPr id="3074" name="Object 6"/>
+          <p:cNvGraphicFramePr>
+            <a:graphicFrameLocks noChangeAspect="1"/>
+          </p:cNvGraphicFramePr>
+          <p:nvPr>
+            <p:ph sz="quarter" idx="2"/>
+          </p:nvPr>
+        </p:nvGraphicFramePr>
+        <p:xfrm>
+          <a:off x="609600" y="3581400"/>
+          <a:ext cx="5029200" cy="900113"/>
+        </p:xfrm>
+        <a:graphic>
+          <a:graphicData uri="http://schemas.openxmlformats.org/presentationml/2006/ole">
+            <p:oleObj spid="_x0000_s3074" name="Equation" r:id="rId4" imgW="2552400" imgH="457200" progId="Equation.3">
+              <p:embed/>
+            </p:oleObj>
+          </a:graphicData>
+        </a:graphic>
+      </p:graphicFrame>
+      <p:graphicFrame>
+        <p:nvGraphicFramePr>
           <p:cNvPr id="3075" name="Object 9"/>
           <p:cNvGraphicFramePr>
             <a:graphicFrameLocks noChangeAspect="1"/>
@@ -5877,7 +5903,7 @@
         </p:xfrm>
         <a:graphic>
           <a:graphicData uri="http://schemas.openxmlformats.org/presentationml/2006/ole">
-            <p:oleObj spid="_x0000_s3075" name="Equation" r:id="rId4" imgW="1117440" imgH="431640" progId="Equation.3">
+            <p:oleObj spid="_x0000_s3075" name="Equation" r:id="rId5" imgW="1117440" imgH="431640" progId="Equation.3">
               <p:embed/>
             </p:oleObj>
           </a:graphicData>
@@ -5931,7 +5957,7 @@
         </p:xfrm>
         <a:graphic>
           <a:graphicData uri="http://schemas.openxmlformats.org/presentationml/2006/ole">
-            <p:oleObj spid="_x0000_s3076" name="Equation" r:id="rId5" imgW="1562040" imgH="444240" progId="Equation.3">
+            <p:oleObj spid="_x0000_s3076" name="Equation" r:id="rId6" imgW="1562040" imgH="444240" progId="Equation.3">
               <p:embed/>
             </p:oleObj>
           </a:graphicData>
@@ -5951,7 +5977,7 @@
         </p:xfrm>
         <a:graphic>
           <a:graphicData uri="http://schemas.openxmlformats.org/presentationml/2006/ole">
-            <p:oleObj spid="_x0000_s3077" name="Equation" r:id="rId6" imgW="2552400" imgH="457200" progId="Equation.3">
+            <p:oleObj spid="_x0000_s3077" name="Equation" r:id="rId7" imgW="2552400" imgH="457200" progId="Equation.3">
               <p:embed/>
             </p:oleObj>
           </a:graphicData>
@@ -5971,7 +5997,7 @@
         </p:xfrm>
         <a:graphic>
           <a:graphicData uri="http://schemas.openxmlformats.org/presentationml/2006/ole">
-            <p:oleObj spid="_x0000_s3078" name="Equation" r:id="rId7" imgW="672840" imgH="152280" progId="Equation.3">
+            <p:oleObj spid="_x0000_s3078" name="Equation" r:id="rId8" imgW="672840" imgH="152280" progId="Equation.3">
               <p:embed/>
             </p:oleObj>
           </a:graphicData>

--- a/slides/VLFFT Overview.pptx
+++ b/slides/VLFFT Overview.pptx
@@ -252,7 +252,7 @@
               <a:pPr>
                 <a:defRPr/>
               </a:pPr>
-              <a:t>4/30/2012</a:t>
+              <a:t>9/18/2012</a:t>
             </a:fld>
             <a:endParaRPr lang="en-US"/>
           </a:p>
@@ -422,7 +422,7 @@
             <a:fld id="{779862D9-60D6-4AE6-A55B-598CBDA6829B}" type="datetimeFigureOut">
               <a:rPr lang="en-US" smtClean="0"/>
               <a:pPr/>
-              <a:t>4/30/2012</a:t>
+              <a:t>9/18/2012</a:t>
             </a:fld>
             <a:endParaRPr lang="en-US"/>
           </a:p>
@@ -3747,7 +3747,7 @@
         </p:nvSpPr>
         <p:spPr>
           <a:xfrm>
-            <a:off x="685800" y="1828800"/>
+            <a:off x="609600" y="228600"/>
             <a:ext cx="7772400" cy="2057400"/>
           </a:xfrm>
         </p:spPr>
@@ -3757,18 +3757,18 @@
           <a:p>
             <a:pPr eaLnBrk="1" hangingPunct="1"/>
             <a:r>
-              <a:rPr lang="en-US" sz="4000" smtClean="0">
+              <a:rPr lang="en-US" sz="4000" dirty="0" smtClean="0">
                 <a:cs typeface="Calibri" pitchFamily="34" charset="0"/>
               </a:rPr>
               <a:t>Very Large Fast DFT (VL FFT)</a:t>
             </a:r>
             <a:br>
-              <a:rPr lang="en-US" sz="4000" smtClean="0">
+              <a:rPr lang="en-US" sz="4000" dirty="0" smtClean="0">
                 <a:cs typeface="Calibri" pitchFamily="34" charset="0"/>
               </a:rPr>
             </a:br>
             <a:r>
-              <a:rPr lang="en-US" sz="4000" smtClean="0">
+              <a:rPr lang="en-US" sz="4000" dirty="0" smtClean="0">
                 <a:cs typeface="Calibri" pitchFamily="34" charset="0"/>
               </a:rPr>
               <a:t>Implementation on KeyStone</a:t>
@@ -3786,7 +3786,12 @@
             <p:ph type="subTitle" idx="1"/>
           </p:nvPr>
         </p:nvSpPr>
-        <p:spPr/>
+        <p:spPr>
+          <a:xfrm>
+            <a:off x="1524000" y="2514600"/>
+            <a:ext cx="6400800" cy="762000"/>
+          </a:xfrm>
+        </p:spPr>
         <p:txBody>
           <a:bodyPr/>
           <a:lstStyle/>
@@ -3798,6 +3803,125 @@
               <a:rPr lang="en-US" dirty="0" smtClean="0"/>
               <a:t>Multicore Applications</a:t>
             </a:r>
+          </a:p>
+        </p:txBody>
+      </p:sp>
+      <p:sp>
+        <p:nvSpPr>
+          <p:cNvPr id="4" name="Rectangle 3"/>
+          <p:cNvSpPr/>
+          <p:nvPr/>
+        </p:nvSpPr>
+        <p:spPr>
+          <a:xfrm>
+            <a:off x="685800" y="3581400"/>
+            <a:ext cx="7696200" cy="2031325"/>
+          </a:xfrm>
+          <a:prstGeom prst="rect">
+            <a:avLst/>
+          </a:prstGeom>
+        </p:spPr>
+        <p:txBody>
+          <a:bodyPr wrap="square">
+            <a:spAutoFit/>
+          </a:bodyPr>
+          <a:lstStyle/>
+          <a:p>
+            <a:r>
+              <a:rPr lang="en-US" dirty="0" smtClean="0">
+                <a:cs typeface="Calibri" pitchFamily="34" charset="0"/>
+              </a:rPr>
+              <a:t>Very Large Fast DFT (VL FFT)</a:t>
+            </a:r>
+            <a:br>
+              <a:rPr lang="en-US" dirty="0" smtClean="0">
+                <a:cs typeface="Calibri" pitchFamily="34" charset="0"/>
+              </a:rPr>
+            </a:br>
+            <a:r>
+              <a:rPr lang="en-US" dirty="0" err="1" smtClean="0">
+                <a:cs typeface="Calibri" pitchFamily="34" charset="0"/>
+              </a:rPr>
+              <a:t>Implem</a:t>
+            </a:r>
+            <a:r>
+              <a:rPr lang="en-US" dirty="0" smtClean="0">
+                <a:cs typeface="Calibri" pitchFamily="34" charset="0"/>
+              </a:rPr>
+              <a:t> </a:t>
+            </a:r>
+            <a:r>
+              <a:rPr lang="en-US" dirty="0" smtClean="0"/>
+              <a:t>High-Performance Parallel FFT Algorithms</a:t>
+            </a:r>
+            <a:br>
+              <a:rPr lang="en-US" dirty="0" smtClean="0"/>
+            </a:br>
+            <a:r>
+              <a:rPr lang="en-US" dirty="0" smtClean="0"/>
+              <a:t>for the HITACHI SR8000</a:t>
+            </a:r>
+            <a:br>
+              <a:rPr lang="en-US" dirty="0" smtClean="0"/>
+            </a:br>
+            <a:r>
+              <a:rPr lang="en-US" dirty="0" smtClean="0"/>
+              <a:t>Daisuke Takahashi</a:t>
+            </a:r>
+            <a:br>
+              <a:rPr lang="en-US" dirty="0" smtClean="0"/>
+            </a:br>
+            <a:r>
+              <a:rPr lang="en-US" dirty="0" smtClean="0"/>
+              <a:t>Information Technology Center, University of Tokyo</a:t>
+            </a:r>
+            <a:br>
+              <a:rPr lang="en-US" dirty="0" smtClean="0"/>
+            </a:br>
+            <a:r>
+              <a:rPr lang="en-US" dirty="0" smtClean="0"/>
+              <a:t>2-11-16 Yayoi, Bunkyo-</a:t>
+            </a:r>
+            <a:r>
+              <a:rPr lang="en-US" dirty="0" err="1" smtClean="0"/>
+              <a:t>ku</a:t>
+            </a:r>
+            <a:r>
+              <a:rPr lang="en-US" dirty="0" smtClean="0"/>
+              <a:t>, Tokyo 113-8658, Japan</a:t>
+            </a:r>
+            <a:br>
+              <a:rPr lang="en-US" dirty="0" smtClean="0"/>
+            </a:br>
+            <a:r>
+              <a:rPr lang="en-US" dirty="0" smtClean="0"/>
+              <a:t>daisuke@pi.cc .u-</a:t>
+            </a:r>
+            <a:r>
+              <a:rPr lang="en-US" dirty="0" err="1" smtClean="0"/>
+              <a:t>tokyo.ac</a:t>
+            </a:r>
+            <a:r>
+              <a:rPr lang="en-US" dirty="0" smtClean="0"/>
+              <a:t>. j </a:t>
+            </a:r>
+            <a:r>
+              <a:rPr lang="en-US" dirty="0" err="1" smtClean="0"/>
+              <a:t>p</a:t>
+            </a:r>
+            <a:r>
+              <a:rPr lang="en-US" dirty="0" err="1" smtClean="0">
+                <a:cs typeface="Calibri" pitchFamily="34" charset="0"/>
+              </a:rPr>
+              <a:t>entation</a:t>
+            </a:r>
+            <a:r>
+              <a:rPr lang="en-US" dirty="0" smtClean="0">
+                <a:cs typeface="Calibri" pitchFamily="34" charset="0"/>
+              </a:rPr>
+              <a:t> on KeyStone</a:t>
+            </a:r>
+            <a:endParaRPr lang="en-US" dirty="0"/>
           </a:p>
         </p:txBody>
       </p:sp>
@@ -5151,11 +5275,7 @@
             <a:pPr eaLnBrk="1" hangingPunct="1"/>
             <a:r>
               <a:rPr lang="en-US" dirty="0" smtClean="0"/>
-              <a:t>After the </a:t>
-            </a:r>
-            <a:r>
-              <a:rPr lang="en-US" dirty="0" smtClean="0"/>
-              <a:t>demo …</a:t>
+              <a:t>After the demo …</a:t>
             </a:r>
           </a:p>
           <a:p>

--- a/slides/VLFFT Overview.pptx
+++ b/slides/VLFFT Overview.pptx
@@ -252,7 +252,7 @@
               <a:pPr>
                 <a:defRPr/>
               </a:pPr>
-              <a:t>9/18/2012</a:t>
+              <a:t>10/25/2012</a:t>
             </a:fld>
             <a:endParaRPr lang="en-US"/>
           </a:p>
@@ -422,7 +422,7 @@
             <a:fld id="{779862D9-60D6-4AE6-A55B-598CBDA6829B}" type="datetimeFigureOut">
               <a:rPr lang="en-US" smtClean="0"/>
               <a:pPr/>
-              <a:t>9/18/2012</a:t>
+              <a:t>10/25/2012</a:t>
             </a:fld>
             <a:endParaRPr lang="en-US"/>
           </a:p>
@@ -3806,125 +3806,6 @@
           </a:p>
         </p:txBody>
       </p:sp>
-      <p:sp>
-        <p:nvSpPr>
-          <p:cNvPr id="4" name="Rectangle 3"/>
-          <p:cNvSpPr/>
-          <p:nvPr/>
-        </p:nvSpPr>
-        <p:spPr>
-          <a:xfrm>
-            <a:off x="685800" y="3581400"/>
-            <a:ext cx="7696200" cy="2031325"/>
-          </a:xfrm>
-          <a:prstGeom prst="rect">
-            <a:avLst/>
-          </a:prstGeom>
-        </p:spPr>
-        <p:txBody>
-          <a:bodyPr wrap="square">
-            <a:spAutoFit/>
-          </a:bodyPr>
-          <a:lstStyle/>
-          <a:p>
-            <a:r>
-              <a:rPr lang="en-US" dirty="0" smtClean="0">
-                <a:cs typeface="Calibri" pitchFamily="34" charset="0"/>
-              </a:rPr>
-              <a:t>Very Large Fast DFT (VL FFT)</a:t>
-            </a:r>
-            <a:br>
-              <a:rPr lang="en-US" dirty="0" smtClean="0">
-                <a:cs typeface="Calibri" pitchFamily="34" charset="0"/>
-              </a:rPr>
-            </a:br>
-            <a:r>
-              <a:rPr lang="en-US" dirty="0" err="1" smtClean="0">
-                <a:cs typeface="Calibri" pitchFamily="34" charset="0"/>
-              </a:rPr>
-              <a:t>Implem</a:t>
-            </a:r>
-            <a:r>
-              <a:rPr lang="en-US" dirty="0" smtClean="0">
-                <a:cs typeface="Calibri" pitchFamily="34" charset="0"/>
-              </a:rPr>
-              <a:t> </a:t>
-            </a:r>
-            <a:r>
-              <a:rPr lang="en-US" dirty="0" smtClean="0"/>
-              <a:t>High-Performance Parallel FFT Algorithms</a:t>
-            </a:r>
-            <a:br>
-              <a:rPr lang="en-US" dirty="0" smtClean="0"/>
-            </a:br>
-            <a:r>
-              <a:rPr lang="en-US" dirty="0" smtClean="0"/>
-              <a:t>for the HITACHI SR8000</a:t>
-            </a:r>
-            <a:br>
-              <a:rPr lang="en-US" dirty="0" smtClean="0"/>
-            </a:br>
-            <a:r>
-              <a:rPr lang="en-US" dirty="0" smtClean="0"/>
-              <a:t>Daisuke Takahashi</a:t>
-            </a:r>
-            <a:br>
-              <a:rPr lang="en-US" dirty="0" smtClean="0"/>
-            </a:br>
-            <a:r>
-              <a:rPr lang="en-US" dirty="0" smtClean="0"/>
-              <a:t>Information Technology Center, University of Tokyo</a:t>
-            </a:r>
-            <a:br>
-              <a:rPr lang="en-US" dirty="0" smtClean="0"/>
-            </a:br>
-            <a:r>
-              <a:rPr lang="en-US" dirty="0" smtClean="0"/>
-              <a:t>2-11-16 Yayoi, Bunkyo-</a:t>
-            </a:r>
-            <a:r>
-              <a:rPr lang="en-US" dirty="0" err="1" smtClean="0"/>
-              <a:t>ku</a:t>
-            </a:r>
-            <a:r>
-              <a:rPr lang="en-US" dirty="0" smtClean="0"/>
-              <a:t>, Tokyo 113-8658, Japan</a:t>
-            </a:r>
-            <a:br>
-              <a:rPr lang="en-US" dirty="0" smtClean="0"/>
-            </a:br>
-            <a:r>
-              <a:rPr lang="en-US" dirty="0" smtClean="0"/>
-              <a:t>daisuke@pi.cc .u-</a:t>
-            </a:r>
-            <a:r>
-              <a:rPr lang="en-US" dirty="0" err="1" smtClean="0"/>
-              <a:t>tokyo.ac</a:t>
-            </a:r>
-            <a:r>
-              <a:rPr lang="en-US" dirty="0" smtClean="0"/>
-              <a:t>. j </a:t>
-            </a:r>
-            <a:r>
-              <a:rPr lang="en-US" dirty="0" err="1" smtClean="0"/>
-              <a:t>p</a:t>
-            </a:r>
-            <a:r>
-              <a:rPr lang="en-US" dirty="0" err="1" smtClean="0">
-                <a:cs typeface="Calibri" pitchFamily="34" charset="0"/>
-              </a:rPr>
-              <a:t>entation</a:t>
-            </a:r>
-            <a:r>
-              <a:rPr lang="en-US" dirty="0" smtClean="0">
-                <a:cs typeface="Calibri" pitchFamily="34" charset="0"/>
-              </a:rPr>
-              <a:t> on KeyStone</a:t>
-            </a:r>
-            <a:endParaRPr lang="en-US" dirty="0"/>
-          </a:p>
-        </p:txBody>
-      </p:sp>
     </p:spTree>
   </p:cSld>
   <p:clrMapOvr>
@@ -3967,7 +3848,7 @@
           <a:p>
             <a:pPr eaLnBrk="1" hangingPunct="1"/>
             <a:r>
-              <a:rPr lang="en-US" smtClean="0"/>
+              <a:rPr lang="en-US" dirty="0" smtClean="0"/>
               <a:t>Global Twiddle Factors</a:t>
             </a:r>
           </a:p>
@@ -5441,42 +5322,47 @@
           <a:p>
             <a:pPr eaLnBrk="1" hangingPunct="1"/>
             <a:r>
-              <a:rPr lang="en-US" b="1" smtClean="0"/>
+              <a:rPr lang="en-US" b="1" dirty="0" smtClean="0"/>
               <a:t>Goal:</a:t>
             </a:r>
           </a:p>
           <a:p>
             <a:pPr lvl="1" eaLnBrk="1" hangingPunct="1"/>
             <a:r>
-              <a:rPr lang="en-US" smtClean="0"/>
-              <a:t>To implement very large floating point fast DFT on TI multicore devices: Shannon and Nyquist</a:t>
-            </a:r>
+              <a:rPr lang="en-US" dirty="0" smtClean="0"/>
+              <a:t>To implement very large floating point fast DFT on TI </a:t>
+            </a:r>
+            <a:r>
+              <a:rPr lang="en-US" dirty="0" smtClean="0"/>
+              <a:t>C66x multicore devices</a:t>
+            </a:r>
+            <a:endParaRPr lang="en-US" dirty="0" smtClean="0"/>
           </a:p>
           <a:p>
             <a:pPr eaLnBrk="1" hangingPunct="1"/>
             <a:r>
-              <a:rPr lang="en-US" b="1" smtClean="0"/>
+              <a:rPr lang="en-US" b="1" dirty="0" smtClean="0"/>
               <a:t>Requirements:</a:t>
             </a:r>
           </a:p>
           <a:p>
             <a:pPr lvl="1" eaLnBrk="1" hangingPunct="1"/>
             <a:r>
-              <a:rPr lang="en-US" smtClean="0"/>
+              <a:rPr lang="en-US" dirty="0" smtClean="0"/>
               <a:t>FFT sizes: 4K – 1M samples</a:t>
             </a:r>
           </a:p>
           <a:p>
             <a:pPr lvl="1" eaLnBrk="1" hangingPunct="1"/>
             <a:r>
-              <a:rPr lang="en-US" smtClean="0"/>
+              <a:rPr lang="en-US" dirty="0" smtClean="0"/>
               <a:t>Configurable to run on different number of cores: 1, 2, 4, 8</a:t>
             </a:r>
           </a:p>
           <a:p>
             <a:pPr lvl="1" eaLnBrk="1" hangingPunct="1"/>
             <a:r>
-              <a:rPr lang="en-US" smtClean="0"/>
+              <a:rPr lang="en-US" dirty="0" smtClean="0"/>
               <a:t>High performance</a:t>
             </a:r>
           </a:p>
@@ -5485,7 +5371,7 @@
               <a:buFontTx/>
               <a:buNone/>
             </a:pPr>
-            <a:endParaRPr lang="en-US" smtClean="0"/>
+            <a:endParaRPr lang="en-US" dirty="0" smtClean="0"/>
           </a:p>
         </p:txBody>
       </p:sp>
@@ -5722,7 +5608,7 @@
           <a:p>
             <a:pPr eaLnBrk="1" hangingPunct="1"/>
             <a:r>
-              <a:rPr lang="en-US" smtClean="0"/>
+              <a:rPr lang="en-US" dirty="0" smtClean="0"/>
               <a:t>Algorithm for Very Large DFT</a:t>
             </a:r>
           </a:p>
@@ -5947,7 +5833,7 @@
           <a:p>
             <a:pPr eaLnBrk="1" hangingPunct="1"/>
             <a:r>
-              <a:rPr lang="en-US" b="1" smtClean="0"/>
+              <a:rPr lang="en-US" dirty="0" smtClean="0"/>
               <a:t>Algorithm for Very Large DFT</a:t>
             </a:r>
           </a:p>
@@ -6172,7 +6058,7 @@
           <a:p>
             <a:pPr eaLnBrk="1" hangingPunct="1"/>
             <a:r>
-              <a:rPr lang="en-US" b="1" smtClean="0"/>
+              <a:rPr lang="en-US" dirty="0" smtClean="0"/>
               <a:t>Algorithm for Very Large DFT</a:t>
             </a:r>
           </a:p>
@@ -6200,15 +6086,23 @@
           <a:p>
             <a:pPr marL="609600" indent="-609600" eaLnBrk="1" hangingPunct="1"/>
             <a:r>
-              <a:rPr lang="en-US" b="1" smtClean="0"/>
-              <a:t>A vary large DFT of size </a:t>
-            </a:r>
-            <a:r>
-              <a:rPr lang="en-US" b="1" i="1" smtClean="0"/>
+              <a:rPr lang="en-US" b="1" dirty="0" smtClean="0"/>
+              <a:t>A </a:t>
+            </a:r>
+            <a:r>
+              <a:rPr lang="en-US" b="1" dirty="0" smtClean="0"/>
+              <a:t>very </a:t>
+            </a:r>
+            <a:r>
+              <a:rPr lang="en-US" b="1" dirty="0" smtClean="0"/>
+              <a:t>large DFT of size </a:t>
+            </a:r>
+            <a:r>
+              <a:rPr lang="en-US" b="1" i="1" dirty="0" smtClean="0"/>
               <a:t>N=N1*N2</a:t>
             </a:r>
             <a:r>
-              <a:rPr lang="en-US" b="1" smtClean="0"/>
+              <a:rPr lang="en-US" b="1" dirty="0" smtClean="0"/>
               <a:t> can be computed in the following steps:</a:t>
             </a:r>
           </a:p>
@@ -6217,7 +6111,7 @@
               <a:buFontTx/>
               <a:buNone/>
             </a:pPr>
-            <a:endParaRPr lang="en-US" sz="800" b="1" smtClean="0"/>
+            <a:endParaRPr lang="en-US" sz="800" b="1" dirty="0" smtClean="0"/>
           </a:p>
           <a:p>
             <a:pPr marL="990600" lvl="1" indent="-533400" eaLnBrk="1" hangingPunct="1">
@@ -6225,7 +6119,7 @@
               <a:buAutoNum type="arabicParenR"/>
             </a:pPr>
             <a:r>
-              <a:rPr lang="en-US" smtClean="0"/>
+              <a:rPr lang="en-US" dirty="0" smtClean="0"/>
               <a:t>Formulate input into N1xN2 matrix</a:t>
             </a:r>
           </a:p>
@@ -6235,7 +6129,7 @@
               <a:buAutoNum type="arabicParenR"/>
             </a:pPr>
             <a:r>
-              <a:rPr lang="en-US" smtClean="0"/>
+              <a:rPr lang="en-US" dirty="0" smtClean="0"/>
               <a:t>Matrix transpose: N1xN2 -&gt; N2xN1</a:t>
             </a:r>
           </a:p>
@@ -6245,7 +6139,7 @@
               <a:buAutoNum type="arabicParenR"/>
             </a:pPr>
             <a:r>
-              <a:rPr lang="en-US" smtClean="0"/>
+              <a:rPr lang="en-US" dirty="0" smtClean="0"/>
               <a:t>Compute N2 FFTs and multiply twiddle factors.  Each FFT is N1 size.</a:t>
             </a:r>
           </a:p>
@@ -6255,7 +6149,7 @@
               <a:buAutoNum type="arabicParenR"/>
             </a:pPr>
             <a:r>
-              <a:rPr lang="en-US" smtClean="0"/>
+              <a:rPr lang="en-US" dirty="0" smtClean="0"/>
               <a:t>Matrix transpose: N2xN1 -&gt; N1xN2</a:t>
             </a:r>
           </a:p>
@@ -6265,7 +6159,7 @@
               <a:buAutoNum type="arabicParenR"/>
             </a:pPr>
             <a:r>
-              <a:rPr lang="en-US" smtClean="0"/>
+              <a:rPr lang="en-US" dirty="0" smtClean="0"/>
               <a:t>Compute N1 FFTs. Each is N2 size.</a:t>
             </a:r>
           </a:p>
@@ -6275,7 +6169,7 @@
               <a:buAutoNum type="arabicParenR"/>
             </a:pPr>
             <a:r>
-              <a:rPr lang="en-US" smtClean="0"/>
+              <a:rPr lang="en-US" dirty="0" smtClean="0"/>
               <a:t>Matrix transpose: N1xN2 -&gt; N2xN1</a:t>
             </a:r>
           </a:p>
@@ -6507,7 +6401,7 @@
           <a:p>
             <a:pPr eaLnBrk="1" hangingPunct="1"/>
             <a:r>
-              <a:rPr lang="en-US" sz="4000" b="1" smtClean="0"/>
+              <a:rPr lang="en-US" dirty="0" smtClean="0"/>
               <a:t>Data Buffers</a:t>
             </a:r>
           </a:p>
